--- a/Lecture slides/NYT C02 - Systematic Reviews.pptx
+++ b/Lecture slides/NYT C02 - Systematic Reviews.pptx
@@ -10267,7 +10267,7 @@
         </p:blipFill>
         <p:spPr>
           <a:xfrm>
-            <a:off x="6126480" y="914400"/>
+            <a:off x="6126425" y="914400"/>
             <a:ext cx="2743200" cy="3773640"/>
           </a:xfrm>
           <a:prstGeom prst="rect">
@@ -10603,9 +10603,37 @@
           <a:chExt cx="0" cy="0"/>
         </a:xfrm>
       </p:grpSpPr>
-      <p:sp>
-        <p:nvSpPr>
+      <p:pic>
+        <p:nvPicPr>
           <p:cNvPr id="124" name="Google Shape;124;p21"/>
+          <p:cNvPicPr preferRelativeResize="0"/>
+          <p:nvPr/>
+        </p:nvPicPr>
+        <p:blipFill>
+          <a:blip r:embed="rId3">
+            <a:alphaModFix/>
+          </a:blip>
+          <a:stretch>
+            <a:fillRect/>
+          </a:stretch>
+        </p:blipFill>
+        <p:spPr>
+          <a:xfrm>
+            <a:off x="274320" y="1371600"/>
+            <a:ext cx="8595361" cy="2714324"/>
+          </a:xfrm>
+          <a:prstGeom prst="rect">
+            <a:avLst/>
+          </a:prstGeom>
+          <a:noFill/>
+          <a:ln>
+            <a:noFill/>
+          </a:ln>
+        </p:spPr>
+      </p:pic>
+      <p:sp>
+        <p:nvSpPr>
+          <p:cNvPr id="125" name="Google Shape;125;p21"/>
           <p:cNvSpPr txBox="1"/>
           <p:nvPr>
             <p:ph idx="1" type="body"/>
@@ -10645,7 +10673,7 @@
       </p:sp>
       <p:sp>
         <p:nvSpPr>
-          <p:cNvPr id="125" name="Google Shape;125;p21"/>
+          <p:cNvPr id="126" name="Google Shape;126;p21"/>
           <p:cNvSpPr txBox="1"/>
           <p:nvPr>
             <p:ph type="title"/>
@@ -10685,7 +10713,7 @@
       </p:sp>
       <p:sp>
         <p:nvSpPr>
-          <p:cNvPr id="126" name="Google Shape;126;p21"/>
+          <p:cNvPr id="127" name="Google Shape;127;p21"/>
           <p:cNvSpPr txBox="1"/>
           <p:nvPr>
             <p:ph idx="12" type="sldNum"/>
@@ -10736,7 +10764,7 @@
                 <a:solidFill>
                   <a:schemeClr val="hlink"/>
                 </a:solidFill>
-                <a:hlinkClick r:id="rId3"/>
+                <a:hlinkClick r:id="rId4"/>
               </a:rPr>
               <a:t>https://profriehle.com</a:t>
             </a:r>
@@ -10758,7 +10786,7 @@
       </p:sp>
       <p:sp>
         <p:nvSpPr>
-          <p:cNvPr id="127" name="Google Shape;127;p21"/>
+          <p:cNvPr id="128" name="Google Shape;128;p21"/>
           <p:cNvSpPr/>
           <p:nvPr/>
         </p:nvSpPr>
@@ -10803,34 +10831,6 @@
           </a:p>
         </p:txBody>
       </p:sp>
-      <p:pic>
-        <p:nvPicPr>
-          <p:cNvPr id="128" name="Google Shape;128;p21"/>
-          <p:cNvPicPr preferRelativeResize="0"/>
-          <p:nvPr/>
-        </p:nvPicPr>
-        <p:blipFill>
-          <a:blip r:embed="rId4">
-            <a:alphaModFix/>
-          </a:blip>
-          <a:stretch>
-            <a:fillRect/>
-          </a:stretch>
-        </p:blipFill>
-        <p:spPr>
-          <a:xfrm>
-            <a:off x="274320" y="1371600"/>
-            <a:ext cx="8595361" cy="2714324"/>
-          </a:xfrm>
-          <a:prstGeom prst="rect">
-            <a:avLst/>
-          </a:prstGeom>
-          <a:noFill/>
-          <a:ln>
-            <a:noFill/>
-          </a:ln>
-        </p:spPr>
-      </p:pic>
     </p:spTree>
   </p:cSld>
   <p:clrMapOvr>
@@ -12587,7 +12587,7 @@
             </a:pPr>
             <a:r>
               <a:rPr lang="en"/>
-              <a:t>Potentially Use Protocol Following Prisma Statement [1] 1 / 2</a:t>
+              <a:t>Protocol Using Prisma Statement [1] 1 / 2</a:t>
             </a:r>
             <a:endParaRPr/>
           </a:p>
@@ -12808,11 +12808,11 @@
             </a:pPr>
             <a:r>
               <a:rPr lang="en"/>
-              <a:t>Potentially Use</a:t>
-            </a:r>
-            <a:r>
-              <a:rPr lang="en"/>
-              <a:t> Protocol Following Prisma Statement 2 / 2</a:t>
+              <a:t>P</a:t>
+            </a:r>
+            <a:r>
+              <a:rPr lang="en"/>
+              <a:t>rotocol Using Prisma Statement 2 / 2</a:t>
             </a:r>
             <a:endParaRPr/>
           </a:p>
@@ -13985,7 +13985,7 @@
         </p:blipFill>
         <p:spPr>
           <a:xfrm>
-            <a:off x="6126480" y="914400"/>
+            <a:off x="6126425" y="914400"/>
             <a:ext cx="2743200" cy="3773640"/>
           </a:xfrm>
           <a:prstGeom prst="rect">
@@ -15146,7 +15146,7 @@
             <a:tbl>
               <a:tblPr>
                 <a:noFill/>
-                <a:tableStyleId>{77FC8379-EF1A-48D7-B521-F03D000413B4}</a:tableStyleId>
+                <a:tableStyleId>{A56FE111-90E7-4208-AFAF-8F287F26BDB3}</a:tableStyleId>
               </a:tblPr>
               <a:tblGrid>
                 <a:gridCol w="2926800"/>
@@ -17696,7 +17696,7 @@
         </p:blipFill>
         <p:spPr>
           <a:xfrm>
-            <a:off x="6126480" y="914400"/>
+            <a:off x="6126425" y="914400"/>
             <a:ext cx="2743200" cy="3773640"/>
           </a:xfrm>
           <a:prstGeom prst="rect">
@@ -20459,7 +20459,7 @@
         </p:blipFill>
         <p:spPr>
           <a:xfrm>
-            <a:off x="6126480" y="914400"/>
+            <a:off x="6126425" y="914400"/>
             <a:ext cx="2743200" cy="3773640"/>
           </a:xfrm>
           <a:prstGeom prst="rect">
@@ -21328,7 +21328,7 @@
             </a:pPr>
             <a:r>
               <a:rPr lang="en"/>
-              <a:t>Example Coding Statistics of Pre-RS Traceability SLR</a:t>
+              <a:t>Example Coding Statistics</a:t>
             </a:r>
             <a:endParaRPr/>
           </a:p>
@@ -21422,7 +21422,7 @@
             <a:tbl>
               <a:tblPr>
                 <a:noFill/>
-                <a:tableStyleId>{77FC8379-EF1A-48D7-B521-F03D000413B4}</a:tableStyleId>
+                <a:tableStyleId>{A56FE111-90E7-4208-AFAF-8F287F26BDB3}</a:tableStyleId>
               </a:tblPr>
               <a:tblGrid>
                 <a:gridCol w="4297675"/>
@@ -23158,7 +23158,7 @@
             </a:pPr>
             <a:r>
               <a:rPr lang="en"/>
-              <a:t>Example Saturation Criterion of Pre-RS Traceability SLR</a:t>
+              <a:t>Example Demonstration of Saturation</a:t>
             </a:r>
             <a:endParaRPr/>
           </a:p>
@@ -25210,7 +25210,7 @@
         </p:blipFill>
         <p:spPr>
           <a:xfrm>
-            <a:off x="6126480" y="914400"/>
+            <a:off x="6126425" y="914400"/>
             <a:ext cx="2743200" cy="3773640"/>
           </a:xfrm>
           <a:prstGeom prst="rect">

--- a/Lecture slides/NYT C02 - Systematic Reviews.pptx
+++ b/Lecture slides/NYT C02 - Systematic Reviews.pptx
@@ -745,7 +745,7 @@
   <p:cSld>
     <p:spTree>
       <p:nvGrpSpPr>
-        <p:cNvPr id="32" name="Shape 32"/>
+        <p:cNvPr id="33" name="Shape 33"/>
         <p:cNvGrpSpPr/>
         <p:nvPr/>
       </p:nvGrpSpPr>
@@ -759,7 +759,7 @@
       </p:grpSpPr>
       <p:sp>
         <p:nvSpPr>
-          <p:cNvPr id="33" name="Google Shape;33;g2c2d70f18b5_0_87:notes"/>
+          <p:cNvPr id="34" name="Google Shape;34;g2c2d70f18b5_0_87:notes"/>
           <p:cNvSpPr/>
           <p:nvPr>
             <p:ph idx="2" type="sldImg"/>
@@ -794,7 +794,7 @@
       </p:sp>
       <p:sp>
         <p:nvSpPr>
-          <p:cNvPr id="34" name="Google Shape;34;g2c2d70f18b5_0_87:notes"/>
+          <p:cNvPr id="35" name="Google Shape;35;g2c2d70f18b5_0_87:notes"/>
           <p:cNvSpPr txBox="1"/>
           <p:nvPr>
             <p:ph idx="1" type="body"/>
@@ -844,7 +844,7 @@
   <p:cSld>
     <p:spTree>
       <p:nvGrpSpPr>
-        <p:cNvPr id="93" name="Shape 93"/>
+        <p:cNvPr id="94" name="Shape 94"/>
         <p:cNvGrpSpPr/>
         <p:nvPr/>
       </p:nvGrpSpPr>
@@ -858,7 +858,7 @@
       </p:grpSpPr>
       <p:sp>
         <p:nvSpPr>
-          <p:cNvPr id="94" name="Google Shape;94;g214e2fb27b2_0_30:notes"/>
+          <p:cNvPr id="95" name="Google Shape;95;g214e2fb27b2_0_30:notes"/>
           <p:cNvSpPr/>
           <p:nvPr>
             <p:ph idx="2" type="sldImg"/>
@@ -893,7 +893,7 @@
       </p:sp>
       <p:sp>
         <p:nvSpPr>
-          <p:cNvPr id="95" name="Google Shape;95;g214e2fb27b2_0_30:notes"/>
+          <p:cNvPr id="96" name="Google Shape;96;g214e2fb27b2_0_30:notes"/>
           <p:cNvSpPr txBox="1"/>
           <p:nvPr>
             <p:ph idx="1" type="body"/>
@@ -943,7 +943,7 @@
   <p:cSld>
     <p:spTree>
       <p:nvGrpSpPr>
-        <p:cNvPr id="100" name="Shape 100"/>
+        <p:cNvPr id="101" name="Shape 101"/>
         <p:cNvGrpSpPr/>
         <p:nvPr/>
       </p:nvGrpSpPr>
@@ -957,7 +957,7 @@
       </p:grpSpPr>
       <p:sp>
         <p:nvSpPr>
-          <p:cNvPr id="101" name="Google Shape;101;g125a7049bbe_0_45:notes"/>
+          <p:cNvPr id="102" name="Google Shape;102;g125a7049bbe_0_45:notes"/>
           <p:cNvSpPr/>
           <p:nvPr>
             <p:ph idx="2" type="sldImg"/>
@@ -992,7 +992,7 @@
       </p:sp>
       <p:sp>
         <p:nvSpPr>
-          <p:cNvPr id="102" name="Google Shape;102;g125a7049bbe_0_45:notes"/>
+          <p:cNvPr id="103" name="Google Shape;103;g125a7049bbe_0_45:notes"/>
           <p:cNvSpPr txBox="1"/>
           <p:nvPr>
             <p:ph idx="1" type="body"/>
@@ -1042,7 +1042,7 @@
   <p:cSld>
     <p:spTree>
       <p:nvGrpSpPr>
-        <p:cNvPr id="105" name="Shape 105"/>
+        <p:cNvPr id="106" name="Shape 106"/>
         <p:cNvGrpSpPr/>
         <p:nvPr/>
       </p:nvGrpSpPr>
@@ -1056,7 +1056,7 @@
       </p:grpSpPr>
       <p:sp>
         <p:nvSpPr>
-          <p:cNvPr id="106" name="Google Shape;106;g214e2fb27b2_0_18:notes"/>
+          <p:cNvPr id="107" name="Google Shape;107;g214e2fb27b2_0_18:notes"/>
           <p:cNvSpPr/>
           <p:nvPr>
             <p:ph idx="2" type="sldImg"/>
@@ -1091,7 +1091,7 @@
       </p:sp>
       <p:sp>
         <p:nvSpPr>
-          <p:cNvPr id="107" name="Google Shape;107;g214e2fb27b2_0_18:notes"/>
+          <p:cNvPr id="108" name="Google Shape;108;g214e2fb27b2_0_18:notes"/>
           <p:cNvSpPr txBox="1"/>
           <p:nvPr>
             <p:ph idx="1" type="body"/>
@@ -1141,7 +1141,7 @@
   <p:cSld>
     <p:spTree>
       <p:nvGrpSpPr>
-        <p:cNvPr id="113" name="Shape 113"/>
+        <p:cNvPr id="114" name="Shape 114"/>
         <p:cNvGrpSpPr/>
         <p:nvPr/>
       </p:nvGrpSpPr>
@@ -1155,7 +1155,7 @@
       </p:grpSpPr>
       <p:sp>
         <p:nvSpPr>
-          <p:cNvPr id="114" name="Google Shape;114;g125a7049bbe_0_36:notes"/>
+          <p:cNvPr id="115" name="Google Shape;115;g125a7049bbe_0_36:notes"/>
           <p:cNvSpPr/>
           <p:nvPr>
             <p:ph idx="2" type="sldImg"/>
@@ -1190,7 +1190,7 @@
       </p:sp>
       <p:sp>
         <p:nvSpPr>
-          <p:cNvPr id="115" name="Google Shape;115;g125a7049bbe_0_36:notes"/>
+          <p:cNvPr id="116" name="Google Shape;116;g125a7049bbe_0_36:notes"/>
           <p:cNvSpPr txBox="1"/>
           <p:nvPr>
             <p:ph idx="1" type="body"/>
@@ -1240,7 +1240,7 @@
   <p:cSld>
     <p:spTree>
       <p:nvGrpSpPr>
-        <p:cNvPr id="120" name="Shape 120"/>
+        <p:cNvPr id="121" name="Shape 121"/>
         <p:cNvGrpSpPr/>
         <p:nvPr/>
       </p:nvGrpSpPr>
@@ -1254,7 +1254,7 @@
       </p:grpSpPr>
       <p:sp>
         <p:nvSpPr>
-          <p:cNvPr id="121" name="Google Shape;121;g216a49f5147_0_31:notes"/>
+          <p:cNvPr id="122" name="Google Shape;122;g216a49f5147_0_31:notes"/>
           <p:cNvSpPr/>
           <p:nvPr>
             <p:ph idx="2" type="sldImg"/>
@@ -1289,7 +1289,7 @@
       </p:sp>
       <p:sp>
         <p:nvSpPr>
-          <p:cNvPr id="122" name="Google Shape;122;g216a49f5147_0_31:notes"/>
+          <p:cNvPr id="123" name="Google Shape;123;g216a49f5147_0_31:notes"/>
           <p:cNvSpPr txBox="1"/>
           <p:nvPr>
             <p:ph idx="1" type="body"/>
@@ -1339,7 +1339,7 @@
   <p:cSld>
     <p:spTree>
       <p:nvGrpSpPr>
-        <p:cNvPr id="129" name="Shape 129"/>
+        <p:cNvPr id="130" name="Shape 130"/>
         <p:cNvGrpSpPr/>
         <p:nvPr/>
       </p:nvGrpSpPr>
@@ -1353,7 +1353,7 @@
       </p:grpSpPr>
       <p:sp>
         <p:nvSpPr>
-          <p:cNvPr id="130" name="Google Shape;130;g214e2fb27b2_0_42:notes"/>
+          <p:cNvPr id="131" name="Google Shape;131;g214e2fb27b2_0_42:notes"/>
           <p:cNvSpPr/>
           <p:nvPr>
             <p:ph idx="2" type="sldImg"/>
@@ -1388,7 +1388,7 @@
       </p:sp>
       <p:sp>
         <p:nvSpPr>
-          <p:cNvPr id="131" name="Google Shape;131;g214e2fb27b2_0_42:notes"/>
+          <p:cNvPr id="132" name="Google Shape;132;g214e2fb27b2_0_42:notes"/>
           <p:cNvSpPr txBox="1"/>
           <p:nvPr>
             <p:ph idx="1" type="body"/>
@@ -1438,7 +1438,7 @@
   <p:cSld>
     <p:spTree>
       <p:nvGrpSpPr>
-        <p:cNvPr id="136" name="Shape 136"/>
+        <p:cNvPr id="137" name="Shape 137"/>
         <p:cNvGrpSpPr/>
         <p:nvPr/>
       </p:nvGrpSpPr>
@@ -1452,7 +1452,7 @@
       </p:grpSpPr>
       <p:sp>
         <p:nvSpPr>
-          <p:cNvPr id="137" name="Google Shape;137;g2233e8de662_0_10:notes"/>
+          <p:cNvPr id="138" name="Google Shape;138;g2233e8de662_0_10:notes"/>
           <p:cNvSpPr/>
           <p:nvPr>
             <p:ph idx="2" type="sldImg"/>
@@ -1487,7 +1487,7 @@
       </p:sp>
       <p:sp>
         <p:nvSpPr>
-          <p:cNvPr id="138" name="Google Shape;138;g2233e8de662_0_10:notes"/>
+          <p:cNvPr id="139" name="Google Shape;139;g2233e8de662_0_10:notes"/>
           <p:cNvSpPr txBox="1"/>
           <p:nvPr>
             <p:ph idx="1" type="body"/>
@@ -1537,7 +1537,7 @@
   <p:cSld>
     <p:spTree>
       <p:nvGrpSpPr>
-        <p:cNvPr id="143" name="Shape 143"/>
+        <p:cNvPr id="144" name="Shape 144"/>
         <p:cNvGrpSpPr/>
         <p:nvPr/>
       </p:nvGrpSpPr>
@@ -1551,7 +1551,7 @@
       </p:grpSpPr>
       <p:sp>
         <p:nvSpPr>
-          <p:cNvPr id="144" name="Google Shape;144;g2c23ba4905f_0_3:notes"/>
+          <p:cNvPr id="145" name="Google Shape;145;g2c23ba4905f_0_3:notes"/>
           <p:cNvSpPr/>
           <p:nvPr>
             <p:ph idx="2" type="sldImg"/>
@@ -1586,7 +1586,7 @@
       </p:sp>
       <p:sp>
         <p:nvSpPr>
-          <p:cNvPr id="145" name="Google Shape;145;g2c23ba4905f_0_3:notes"/>
+          <p:cNvPr id="146" name="Google Shape;146;g2c23ba4905f_0_3:notes"/>
           <p:cNvSpPr txBox="1"/>
           <p:nvPr>
             <p:ph idx="1" type="body"/>
@@ -1636,7 +1636,7 @@
   <p:cSld>
     <p:spTree>
       <p:nvGrpSpPr>
-        <p:cNvPr id="150" name="Shape 150"/>
+        <p:cNvPr id="151" name="Shape 151"/>
         <p:cNvGrpSpPr/>
         <p:nvPr/>
       </p:nvGrpSpPr>
@@ -1650,7 +1650,7 @@
       </p:grpSpPr>
       <p:sp>
         <p:nvSpPr>
-          <p:cNvPr id="151" name="Google Shape;151;g2233e8de662_0_18:notes"/>
+          <p:cNvPr id="152" name="Google Shape;152;g2233e8de662_0_18:notes"/>
           <p:cNvSpPr/>
           <p:nvPr>
             <p:ph idx="2" type="sldImg"/>
@@ -1685,7 +1685,7 @@
       </p:sp>
       <p:sp>
         <p:nvSpPr>
-          <p:cNvPr id="152" name="Google Shape;152;g2233e8de662_0_18:notes"/>
+          <p:cNvPr id="153" name="Google Shape;153;g2233e8de662_0_18:notes"/>
           <p:cNvSpPr txBox="1"/>
           <p:nvPr>
             <p:ph idx="1" type="body"/>
@@ -1735,7 +1735,7 @@
   <p:cSld>
     <p:spTree>
       <p:nvGrpSpPr>
-        <p:cNvPr id="158" name="Shape 158"/>
+        <p:cNvPr id="159" name="Shape 159"/>
         <p:cNvGrpSpPr/>
         <p:nvPr/>
       </p:nvGrpSpPr>
@@ -1749,7 +1749,7 @@
       </p:grpSpPr>
       <p:sp>
         <p:nvSpPr>
-          <p:cNvPr id="159" name="Google Shape;159;g214e2fb27b2_0_48:notes"/>
+          <p:cNvPr id="160" name="Google Shape;160;g214e2fb27b2_0_48:notes"/>
           <p:cNvSpPr/>
           <p:nvPr>
             <p:ph idx="2" type="sldImg"/>
@@ -1784,7 +1784,7 @@
       </p:sp>
       <p:sp>
         <p:nvSpPr>
-          <p:cNvPr id="160" name="Google Shape;160;g214e2fb27b2_0_48:notes"/>
+          <p:cNvPr id="161" name="Google Shape;161;g214e2fb27b2_0_48:notes"/>
           <p:cNvSpPr txBox="1"/>
           <p:nvPr>
             <p:ph idx="1" type="body"/>
@@ -1834,7 +1834,7 @@
   <p:cSld>
     <p:spTree>
       <p:nvGrpSpPr>
-        <p:cNvPr id="38" name="Shape 38"/>
+        <p:cNvPr id="39" name="Shape 39"/>
         <p:cNvGrpSpPr/>
         <p:nvPr/>
       </p:nvGrpSpPr>
@@ -1848,7 +1848,7 @@
       </p:grpSpPr>
       <p:sp>
         <p:nvSpPr>
-          <p:cNvPr id="39" name="Google Shape;39;gdb5ccdfa64_0_0:notes"/>
+          <p:cNvPr id="40" name="Google Shape;40;gdb5ccdfa64_0_0:notes"/>
           <p:cNvSpPr/>
           <p:nvPr>
             <p:ph idx="2" type="sldImg"/>
@@ -1883,7 +1883,7 @@
       </p:sp>
       <p:sp>
         <p:nvSpPr>
-          <p:cNvPr id="40" name="Google Shape;40;gdb5ccdfa64_0_0:notes"/>
+          <p:cNvPr id="41" name="Google Shape;41;gdb5ccdfa64_0_0:notes"/>
           <p:cNvSpPr txBox="1"/>
           <p:nvPr>
             <p:ph idx="1" type="body"/>
@@ -1933,7 +1933,7 @@
   <p:cSld>
     <p:spTree>
       <p:nvGrpSpPr>
-        <p:cNvPr id="165" name="Shape 165"/>
+        <p:cNvPr id="166" name="Shape 166"/>
         <p:cNvGrpSpPr/>
         <p:nvPr/>
       </p:nvGrpSpPr>
@@ -1947,7 +1947,7 @@
       </p:grpSpPr>
       <p:sp>
         <p:nvSpPr>
-          <p:cNvPr id="166" name="Google Shape;166;g2233e8de662_0_26:notes"/>
+          <p:cNvPr id="167" name="Google Shape;167;g2233e8de662_0_26:notes"/>
           <p:cNvSpPr/>
           <p:nvPr>
             <p:ph idx="2" type="sldImg"/>
@@ -1982,7 +1982,7 @@
       </p:sp>
       <p:sp>
         <p:nvSpPr>
-          <p:cNvPr id="167" name="Google Shape;167;g2233e8de662_0_26:notes"/>
+          <p:cNvPr id="168" name="Google Shape;168;g2233e8de662_0_26:notes"/>
           <p:cNvSpPr txBox="1"/>
           <p:nvPr>
             <p:ph idx="1" type="body"/>
@@ -2032,7 +2032,7 @@
   <p:cSld>
     <p:spTree>
       <p:nvGrpSpPr>
-        <p:cNvPr id="173" name="Shape 173"/>
+        <p:cNvPr id="174" name="Shape 174"/>
         <p:cNvGrpSpPr/>
         <p:nvPr/>
       </p:nvGrpSpPr>
@@ -2046,7 +2046,7 @@
       </p:grpSpPr>
       <p:sp>
         <p:nvSpPr>
-          <p:cNvPr id="174" name="Google Shape;174;g2233e8de662_0_33:notes"/>
+          <p:cNvPr id="175" name="Google Shape;175;g2233e8de662_0_33:notes"/>
           <p:cNvSpPr/>
           <p:nvPr>
             <p:ph idx="2" type="sldImg"/>
@@ -2081,7 +2081,7 @@
       </p:sp>
       <p:sp>
         <p:nvSpPr>
-          <p:cNvPr id="175" name="Google Shape;175;g2233e8de662_0_33:notes"/>
+          <p:cNvPr id="176" name="Google Shape;176;g2233e8de662_0_33:notes"/>
           <p:cNvSpPr txBox="1"/>
           <p:nvPr>
             <p:ph idx="1" type="body"/>
@@ -2131,7 +2131,7 @@
   <p:cSld>
     <p:spTree>
       <p:nvGrpSpPr>
-        <p:cNvPr id="180" name="Shape 180"/>
+        <p:cNvPr id="181" name="Shape 181"/>
         <p:cNvGrpSpPr/>
         <p:nvPr/>
       </p:nvGrpSpPr>
@@ -2145,7 +2145,7 @@
       </p:grpSpPr>
       <p:sp>
         <p:nvSpPr>
-          <p:cNvPr id="181" name="Google Shape;181;g2c2d70f18b5_0_0:notes"/>
+          <p:cNvPr id="182" name="Google Shape;182;g2c2d70f18b5_0_0:notes"/>
           <p:cNvSpPr/>
           <p:nvPr>
             <p:ph idx="2" type="sldImg"/>
@@ -2180,7 +2180,7 @@
       </p:sp>
       <p:sp>
         <p:nvSpPr>
-          <p:cNvPr id="182" name="Google Shape;182;g2c2d70f18b5_0_0:notes"/>
+          <p:cNvPr id="183" name="Google Shape;183;g2c2d70f18b5_0_0:notes"/>
           <p:cNvSpPr txBox="1"/>
           <p:nvPr>
             <p:ph idx="1" type="body"/>
@@ -2230,7 +2230,7 @@
   <p:cSld>
     <p:spTree>
       <p:nvGrpSpPr>
-        <p:cNvPr id="188" name="Shape 188"/>
+        <p:cNvPr id="189" name="Shape 189"/>
         <p:cNvGrpSpPr/>
         <p:nvPr/>
       </p:nvGrpSpPr>
@@ -2244,7 +2244,7 @@
       </p:grpSpPr>
       <p:sp>
         <p:nvSpPr>
-          <p:cNvPr id="189" name="Google Shape;189;g2233e8de662_0_45:notes"/>
+          <p:cNvPr id="190" name="Google Shape;190;g2233e8de662_0_45:notes"/>
           <p:cNvSpPr/>
           <p:nvPr>
             <p:ph idx="2" type="sldImg"/>
@@ -2279,7 +2279,7 @@
       </p:sp>
       <p:sp>
         <p:nvSpPr>
-          <p:cNvPr id="190" name="Google Shape;190;g2233e8de662_0_45:notes"/>
+          <p:cNvPr id="191" name="Google Shape;191;g2233e8de662_0_45:notes"/>
           <p:cNvSpPr txBox="1"/>
           <p:nvPr>
             <p:ph idx="1" type="body"/>
@@ -2329,7 +2329,7 @@
   <p:cSld>
     <p:spTree>
       <p:nvGrpSpPr>
-        <p:cNvPr id="195" name="Shape 195"/>
+        <p:cNvPr id="196" name="Shape 196"/>
         <p:cNvGrpSpPr/>
         <p:nvPr/>
       </p:nvGrpSpPr>
@@ -2343,7 +2343,7 @@
       </p:grpSpPr>
       <p:sp>
         <p:nvSpPr>
-          <p:cNvPr id="196" name="Google Shape;196;g2233e8de662_0_51:notes"/>
+          <p:cNvPr id="197" name="Google Shape;197;g2233e8de662_0_51:notes"/>
           <p:cNvSpPr/>
           <p:nvPr>
             <p:ph idx="2" type="sldImg"/>
@@ -2378,7 +2378,7 @@
       </p:sp>
       <p:sp>
         <p:nvSpPr>
-          <p:cNvPr id="197" name="Google Shape;197;g2233e8de662_0_51:notes"/>
+          <p:cNvPr id="198" name="Google Shape;198;g2233e8de662_0_51:notes"/>
           <p:cNvSpPr txBox="1"/>
           <p:nvPr>
             <p:ph idx="1" type="body"/>
@@ -2428,7 +2428,7 @@
   <p:cSld>
     <p:spTree>
       <p:nvGrpSpPr>
-        <p:cNvPr id="202" name="Shape 202"/>
+        <p:cNvPr id="203" name="Shape 203"/>
         <p:cNvGrpSpPr/>
         <p:nvPr/>
       </p:nvGrpSpPr>
@@ -2442,7 +2442,7 @@
       </p:grpSpPr>
       <p:sp>
         <p:nvSpPr>
-          <p:cNvPr id="203" name="Google Shape;203;g2233e8de662_0_2:notes"/>
+          <p:cNvPr id="204" name="Google Shape;204;g2233e8de662_0_2:notes"/>
           <p:cNvSpPr/>
           <p:nvPr>
             <p:ph idx="2" type="sldImg"/>
@@ -2477,7 +2477,7 @@
       </p:sp>
       <p:sp>
         <p:nvSpPr>
-          <p:cNvPr id="204" name="Google Shape;204;g2233e8de662_0_2:notes"/>
+          <p:cNvPr id="205" name="Google Shape;205;g2233e8de662_0_2:notes"/>
           <p:cNvSpPr txBox="1"/>
           <p:nvPr>
             <p:ph idx="1" type="body"/>
@@ -2527,7 +2527,7 @@
   <p:cSld>
     <p:spTree>
       <p:nvGrpSpPr>
-        <p:cNvPr id="207" name="Shape 207"/>
+        <p:cNvPr id="208" name="Shape 208"/>
         <p:cNvGrpSpPr/>
         <p:nvPr/>
       </p:nvGrpSpPr>
@@ -2541,7 +2541,7 @@
       </p:grpSpPr>
       <p:sp>
         <p:nvSpPr>
-          <p:cNvPr id="208" name="Google Shape;208;g2233e8de662_0_74:notes"/>
+          <p:cNvPr id="209" name="Google Shape;209;g2233e8de662_0_74:notes"/>
           <p:cNvSpPr/>
           <p:nvPr>
             <p:ph idx="2" type="sldImg"/>
@@ -2576,7 +2576,7 @@
       </p:sp>
       <p:sp>
         <p:nvSpPr>
-          <p:cNvPr id="209" name="Google Shape;209;g2233e8de662_0_74:notes"/>
+          <p:cNvPr id="210" name="Google Shape;210;g2233e8de662_0_74:notes"/>
           <p:cNvSpPr txBox="1"/>
           <p:nvPr>
             <p:ph idx="1" type="body"/>
@@ -2626,7 +2626,7 @@
   <p:cSld>
     <p:spTree>
       <p:nvGrpSpPr>
-        <p:cNvPr id="216" name="Shape 216"/>
+        <p:cNvPr id="217" name="Shape 217"/>
         <p:cNvGrpSpPr/>
         <p:nvPr/>
       </p:nvGrpSpPr>
@@ -2640,7 +2640,7 @@
       </p:grpSpPr>
       <p:sp>
         <p:nvSpPr>
-          <p:cNvPr id="217" name="Google Shape;217;g214e2fb27b2_0_80:notes"/>
+          <p:cNvPr id="218" name="Google Shape;218;g214e2fb27b2_0_80:notes"/>
           <p:cNvSpPr/>
           <p:nvPr>
             <p:ph idx="2" type="sldImg"/>
@@ -2675,7 +2675,7 @@
       </p:sp>
       <p:sp>
         <p:nvSpPr>
-          <p:cNvPr id="218" name="Google Shape;218;g214e2fb27b2_0_80:notes"/>
+          <p:cNvPr id="219" name="Google Shape;219;g214e2fb27b2_0_80:notes"/>
           <p:cNvSpPr txBox="1"/>
           <p:nvPr>
             <p:ph idx="1" type="body"/>
@@ -2725,7 +2725,7 @@
   <p:cSld>
     <p:spTree>
       <p:nvGrpSpPr>
-        <p:cNvPr id="223" name="Shape 223"/>
+        <p:cNvPr id="224" name="Shape 224"/>
         <p:cNvGrpSpPr/>
         <p:nvPr/>
       </p:nvGrpSpPr>
@@ -2739,7 +2739,7 @@
       </p:grpSpPr>
       <p:sp>
         <p:nvSpPr>
-          <p:cNvPr id="224" name="Google Shape;224;g214e2fb27b2_0_86:notes"/>
+          <p:cNvPr id="225" name="Google Shape;225;g214e2fb27b2_0_86:notes"/>
           <p:cNvSpPr/>
           <p:nvPr>
             <p:ph idx="2" type="sldImg"/>
@@ -2774,7 +2774,7 @@
       </p:sp>
       <p:sp>
         <p:nvSpPr>
-          <p:cNvPr id="225" name="Google Shape;225;g214e2fb27b2_0_86:notes"/>
+          <p:cNvPr id="226" name="Google Shape;226;g214e2fb27b2_0_86:notes"/>
           <p:cNvSpPr txBox="1"/>
           <p:nvPr>
             <p:ph idx="1" type="body"/>
@@ -2824,7 +2824,7 @@
   <p:cSld>
     <p:spTree>
       <p:nvGrpSpPr>
-        <p:cNvPr id="230" name="Shape 230"/>
+        <p:cNvPr id="231" name="Shape 231"/>
         <p:cNvGrpSpPr/>
         <p:nvPr/>
       </p:nvGrpSpPr>
@@ -2838,7 +2838,7 @@
       </p:grpSpPr>
       <p:sp>
         <p:nvSpPr>
-          <p:cNvPr id="231" name="Google Shape;231;g2c23ba4905f_0_13:notes"/>
+          <p:cNvPr id="232" name="Google Shape;232;g2c23ba4905f_0_13:notes"/>
           <p:cNvSpPr/>
           <p:nvPr>
             <p:ph idx="2" type="sldImg"/>
@@ -2873,7 +2873,7 @@
       </p:sp>
       <p:sp>
         <p:nvSpPr>
-          <p:cNvPr id="232" name="Google Shape;232;g2c23ba4905f_0_13:notes"/>
+          <p:cNvPr id="233" name="Google Shape;233;g2c23ba4905f_0_13:notes"/>
           <p:cNvSpPr txBox="1"/>
           <p:nvPr>
             <p:ph idx="1" type="body"/>
@@ -2923,7 +2923,7 @@
   <p:cSld>
     <p:spTree>
       <p:nvGrpSpPr>
-        <p:cNvPr id="45" name="Shape 45"/>
+        <p:cNvPr id="46" name="Shape 46"/>
         <p:cNvGrpSpPr/>
         <p:nvPr/>
       </p:nvGrpSpPr>
@@ -2937,7 +2937,7 @@
       </p:grpSpPr>
       <p:sp>
         <p:nvSpPr>
-          <p:cNvPr id="46" name="Google Shape;46;gf9bad1e87a_0_0:notes"/>
+          <p:cNvPr id="47" name="Google Shape;47;gf9bad1e87a_0_0:notes"/>
           <p:cNvSpPr/>
           <p:nvPr>
             <p:ph idx="2" type="sldImg"/>
@@ -2972,7 +2972,7 @@
       </p:sp>
       <p:sp>
         <p:nvSpPr>
-          <p:cNvPr id="47" name="Google Shape;47;gf9bad1e87a_0_0:notes"/>
+          <p:cNvPr id="48" name="Google Shape;48;gf9bad1e87a_0_0:notes"/>
           <p:cNvSpPr txBox="1"/>
           <p:nvPr>
             <p:ph idx="1" type="body"/>
@@ -3022,7 +3022,7 @@
   <p:cSld>
     <p:spTree>
       <p:nvGrpSpPr>
-        <p:cNvPr id="237" name="Shape 237"/>
+        <p:cNvPr id="238" name="Shape 238"/>
         <p:cNvGrpSpPr/>
         <p:nvPr/>
       </p:nvGrpSpPr>
@@ -3036,7 +3036,7 @@
       </p:grpSpPr>
       <p:sp>
         <p:nvSpPr>
-          <p:cNvPr id="238" name="Google Shape;238;g216a49f5147_0_52:notes"/>
+          <p:cNvPr id="239" name="Google Shape;239;g216a49f5147_0_52:notes"/>
           <p:cNvSpPr/>
           <p:nvPr>
             <p:ph idx="2" type="sldImg"/>
@@ -3071,7 +3071,7 @@
       </p:sp>
       <p:sp>
         <p:nvSpPr>
-          <p:cNvPr id="239" name="Google Shape;239;g216a49f5147_0_52:notes"/>
+          <p:cNvPr id="240" name="Google Shape;240;g216a49f5147_0_52:notes"/>
           <p:cNvSpPr txBox="1"/>
           <p:nvPr>
             <p:ph idx="1" type="body"/>
@@ -3121,7 +3121,7 @@
   <p:cSld>
     <p:spTree>
       <p:nvGrpSpPr>
-        <p:cNvPr id="244" name="Shape 244"/>
+        <p:cNvPr id="245" name="Shape 245"/>
         <p:cNvGrpSpPr/>
         <p:nvPr/>
       </p:nvGrpSpPr>
@@ -3135,7 +3135,7 @@
       </p:grpSpPr>
       <p:sp>
         <p:nvSpPr>
-          <p:cNvPr id="245" name="Google Shape;245;g214e2fb27b2_0_92:notes"/>
+          <p:cNvPr id="246" name="Google Shape;246;g214e2fb27b2_0_92:notes"/>
           <p:cNvSpPr/>
           <p:nvPr>
             <p:ph idx="2" type="sldImg"/>
@@ -3170,7 +3170,7 @@
       </p:sp>
       <p:sp>
         <p:nvSpPr>
-          <p:cNvPr id="246" name="Google Shape;246;g214e2fb27b2_0_92:notes"/>
+          <p:cNvPr id="247" name="Google Shape;247;g214e2fb27b2_0_92:notes"/>
           <p:cNvSpPr txBox="1"/>
           <p:nvPr>
             <p:ph idx="1" type="body"/>
@@ -3220,7 +3220,7 @@
   <p:cSld>
     <p:spTree>
       <p:nvGrpSpPr>
-        <p:cNvPr id="252" name="Shape 252"/>
+        <p:cNvPr id="253" name="Shape 253"/>
         <p:cNvGrpSpPr/>
         <p:nvPr/>
       </p:nvGrpSpPr>
@@ -3234,7 +3234,7 @@
       </p:grpSpPr>
       <p:sp>
         <p:nvSpPr>
-          <p:cNvPr id="253" name="Google Shape;253;g216a49f5147_0_64:notes"/>
+          <p:cNvPr id="254" name="Google Shape;254;g216a49f5147_0_64:notes"/>
           <p:cNvSpPr/>
           <p:nvPr>
             <p:ph idx="2" type="sldImg"/>
@@ -3269,7 +3269,7 @@
       </p:sp>
       <p:sp>
         <p:nvSpPr>
-          <p:cNvPr id="254" name="Google Shape;254;g216a49f5147_0_64:notes"/>
+          <p:cNvPr id="255" name="Google Shape;255;g216a49f5147_0_64:notes"/>
           <p:cNvSpPr txBox="1"/>
           <p:nvPr>
             <p:ph idx="1" type="body"/>
@@ -3319,7 +3319,7 @@
   <p:cSld>
     <p:spTree>
       <p:nvGrpSpPr>
-        <p:cNvPr id="259" name="Shape 259"/>
+        <p:cNvPr id="260" name="Shape 260"/>
         <p:cNvGrpSpPr/>
         <p:nvPr/>
       </p:nvGrpSpPr>
@@ -3333,7 +3333,7 @@
       </p:grpSpPr>
       <p:sp>
         <p:nvSpPr>
-          <p:cNvPr id="260" name="Google Shape;260;g2233e8de662_0_160:notes"/>
+          <p:cNvPr id="261" name="Google Shape;261;g2233e8de662_0_160:notes"/>
           <p:cNvSpPr/>
           <p:nvPr>
             <p:ph idx="2" type="sldImg"/>
@@ -3368,7 +3368,7 @@
       </p:sp>
       <p:sp>
         <p:nvSpPr>
-          <p:cNvPr id="261" name="Google Shape;261;g2233e8de662_0_160:notes"/>
+          <p:cNvPr id="262" name="Google Shape;262;g2233e8de662_0_160:notes"/>
           <p:cNvSpPr txBox="1"/>
           <p:nvPr>
             <p:ph idx="1" type="body"/>
@@ -3418,7 +3418,7 @@
   <p:cSld>
     <p:spTree>
       <p:nvGrpSpPr>
-        <p:cNvPr id="266" name="Shape 266"/>
+        <p:cNvPr id="267" name="Shape 267"/>
         <p:cNvGrpSpPr/>
         <p:nvPr/>
       </p:nvGrpSpPr>
@@ -3432,7 +3432,7 @@
       </p:grpSpPr>
       <p:sp>
         <p:nvSpPr>
-          <p:cNvPr id="267" name="Google Shape;267;g2233e8de662_0_80:notes"/>
+          <p:cNvPr id="268" name="Google Shape;268;g2233e8de662_0_80:notes"/>
           <p:cNvSpPr/>
           <p:nvPr>
             <p:ph idx="2" type="sldImg"/>
@@ -3467,7 +3467,7 @@
       </p:sp>
       <p:sp>
         <p:nvSpPr>
-          <p:cNvPr id="268" name="Google Shape;268;g2233e8de662_0_80:notes"/>
+          <p:cNvPr id="269" name="Google Shape;269;g2233e8de662_0_80:notes"/>
           <p:cNvSpPr txBox="1"/>
           <p:nvPr>
             <p:ph idx="1" type="body"/>
@@ -3517,7 +3517,7 @@
   <p:cSld>
     <p:spTree>
       <p:nvGrpSpPr>
-        <p:cNvPr id="271" name="Shape 271"/>
+        <p:cNvPr id="272" name="Shape 272"/>
         <p:cNvGrpSpPr/>
         <p:nvPr/>
       </p:nvGrpSpPr>
@@ -3531,7 +3531,7 @@
       </p:grpSpPr>
       <p:sp>
         <p:nvSpPr>
-          <p:cNvPr id="272" name="Google Shape;272;g2c2d70f18b5_0_7:notes"/>
+          <p:cNvPr id="273" name="Google Shape;273;g2c2d70f18b5_0_7:notes"/>
           <p:cNvSpPr/>
           <p:nvPr>
             <p:ph idx="2" type="sldImg"/>
@@ -3566,7 +3566,7 @@
       </p:sp>
       <p:sp>
         <p:nvSpPr>
-          <p:cNvPr id="273" name="Google Shape;273;g2c2d70f18b5_0_7:notes"/>
+          <p:cNvPr id="274" name="Google Shape;274;g2c2d70f18b5_0_7:notes"/>
           <p:cNvSpPr txBox="1"/>
           <p:nvPr>
             <p:ph idx="1" type="body"/>
@@ -3616,7 +3616,7 @@
   <p:cSld>
     <p:spTree>
       <p:nvGrpSpPr>
-        <p:cNvPr id="279" name="Shape 279"/>
+        <p:cNvPr id="280" name="Shape 280"/>
         <p:cNvGrpSpPr/>
         <p:nvPr/>
       </p:nvGrpSpPr>
@@ -3630,7 +3630,7 @@
       </p:grpSpPr>
       <p:sp>
         <p:nvSpPr>
-          <p:cNvPr id="280" name="Google Shape;280;g214e2fb27b2_0_98:notes"/>
+          <p:cNvPr id="281" name="Google Shape;281;g214e2fb27b2_0_98:notes"/>
           <p:cNvSpPr/>
           <p:nvPr>
             <p:ph idx="2" type="sldImg"/>
@@ -3665,7 +3665,7 @@
       </p:sp>
       <p:sp>
         <p:nvSpPr>
-          <p:cNvPr id="281" name="Google Shape;281;g214e2fb27b2_0_98:notes"/>
+          <p:cNvPr id="282" name="Google Shape;282;g214e2fb27b2_0_98:notes"/>
           <p:cNvSpPr txBox="1"/>
           <p:nvPr>
             <p:ph idx="1" type="body"/>
@@ -3715,7 +3715,7 @@
   <p:cSld>
     <p:spTree>
       <p:nvGrpSpPr>
-        <p:cNvPr id="286" name="Shape 286"/>
+        <p:cNvPr id="287" name="Shape 287"/>
         <p:cNvGrpSpPr/>
         <p:nvPr/>
       </p:nvGrpSpPr>
@@ -3729,7 +3729,7 @@
       </p:grpSpPr>
       <p:sp>
         <p:nvSpPr>
-          <p:cNvPr id="287" name="Google Shape;287;g2233e8de662_0_123:notes"/>
+          <p:cNvPr id="288" name="Google Shape;288;g2233e8de662_0_123:notes"/>
           <p:cNvSpPr/>
           <p:nvPr>
             <p:ph idx="2" type="sldImg"/>
@@ -3764,7 +3764,7 @@
       </p:sp>
       <p:sp>
         <p:nvSpPr>
-          <p:cNvPr id="288" name="Google Shape;288;g2233e8de662_0_123:notes"/>
+          <p:cNvPr id="289" name="Google Shape;289;g2233e8de662_0_123:notes"/>
           <p:cNvSpPr txBox="1"/>
           <p:nvPr>
             <p:ph idx="1" type="body"/>
@@ -3814,7 +3814,7 @@
   <p:cSld>
     <p:spTree>
       <p:nvGrpSpPr>
-        <p:cNvPr id="293" name="Shape 293"/>
+        <p:cNvPr id="294" name="Shape 294"/>
         <p:cNvGrpSpPr/>
         <p:nvPr/>
       </p:nvGrpSpPr>
@@ -3828,7 +3828,7 @@
       </p:grpSpPr>
       <p:sp>
         <p:nvSpPr>
-          <p:cNvPr id="294" name="Google Shape;294;g2233e8de662_0_135:notes"/>
+          <p:cNvPr id="295" name="Google Shape;295;g2233e8de662_0_135:notes"/>
           <p:cNvSpPr/>
           <p:nvPr>
             <p:ph idx="2" type="sldImg"/>
@@ -3863,7 +3863,7 @@
       </p:sp>
       <p:sp>
         <p:nvSpPr>
-          <p:cNvPr id="295" name="Google Shape;295;g2233e8de662_0_135:notes"/>
+          <p:cNvPr id="296" name="Google Shape;296;g2233e8de662_0_135:notes"/>
           <p:cNvSpPr txBox="1"/>
           <p:nvPr>
             <p:ph idx="1" type="body"/>
@@ -3913,7 +3913,7 @@
   <p:cSld>
     <p:spTree>
       <p:nvGrpSpPr>
-        <p:cNvPr id="300" name="Shape 300"/>
+        <p:cNvPr id="301" name="Shape 301"/>
         <p:cNvGrpSpPr/>
         <p:nvPr/>
       </p:nvGrpSpPr>
@@ -3927,7 +3927,7 @@
       </p:grpSpPr>
       <p:sp>
         <p:nvSpPr>
-          <p:cNvPr id="301" name="Google Shape;301;g2233e8de662_0_117:notes"/>
+          <p:cNvPr id="302" name="Google Shape;302;g2233e8de662_0_117:notes"/>
           <p:cNvSpPr/>
           <p:nvPr>
             <p:ph idx="2" type="sldImg"/>
@@ -3962,7 +3962,7 @@
       </p:sp>
       <p:sp>
         <p:nvSpPr>
-          <p:cNvPr id="302" name="Google Shape;302;g2233e8de662_0_117:notes"/>
+          <p:cNvPr id="303" name="Google Shape;303;g2233e8de662_0_117:notes"/>
           <p:cNvSpPr txBox="1"/>
           <p:nvPr>
             <p:ph idx="1" type="body"/>
@@ -4012,7 +4012,7 @@
   <p:cSld>
     <p:spTree>
       <p:nvGrpSpPr>
-        <p:cNvPr id="50" name="Shape 50"/>
+        <p:cNvPr id="51" name="Shape 51"/>
         <p:cNvGrpSpPr/>
         <p:nvPr/>
       </p:nvGrpSpPr>
@@ -4026,7 +4026,7 @@
       </p:grpSpPr>
       <p:sp>
         <p:nvSpPr>
-          <p:cNvPr id="51" name="Google Shape;51;g214e2fb27b2_0_0:notes"/>
+          <p:cNvPr id="52" name="Google Shape;52;g214e2fb27b2_0_0:notes"/>
           <p:cNvSpPr/>
           <p:nvPr>
             <p:ph idx="2" type="sldImg"/>
@@ -4061,7 +4061,7 @@
       </p:sp>
       <p:sp>
         <p:nvSpPr>
-          <p:cNvPr id="52" name="Google Shape;52;g214e2fb27b2_0_0:notes"/>
+          <p:cNvPr id="53" name="Google Shape;53;g214e2fb27b2_0_0:notes"/>
           <p:cNvSpPr txBox="1"/>
           <p:nvPr>
             <p:ph idx="1" type="body"/>
@@ -4111,7 +4111,7 @@
   <p:cSld>
     <p:spTree>
       <p:nvGrpSpPr>
-        <p:cNvPr id="307" name="Shape 307"/>
+        <p:cNvPr id="308" name="Shape 308"/>
         <p:cNvGrpSpPr/>
         <p:nvPr/>
       </p:nvGrpSpPr>
@@ -4125,7 +4125,7 @@
       </p:grpSpPr>
       <p:sp>
         <p:nvSpPr>
-          <p:cNvPr id="308" name="Google Shape;308;g2233e8de662_0_141:notes"/>
+          <p:cNvPr id="309" name="Google Shape;309;g2233e8de662_0_141:notes"/>
           <p:cNvSpPr/>
           <p:nvPr>
             <p:ph idx="2" type="sldImg"/>
@@ -4160,7 +4160,7 @@
       </p:sp>
       <p:sp>
         <p:nvSpPr>
-          <p:cNvPr id="309" name="Google Shape;309;g2233e8de662_0_141:notes"/>
+          <p:cNvPr id="310" name="Google Shape;310;g2233e8de662_0_141:notes"/>
           <p:cNvSpPr txBox="1"/>
           <p:nvPr>
             <p:ph idx="1" type="body"/>
@@ -4210,7 +4210,7 @@
   <p:cSld>
     <p:spTree>
       <p:nvGrpSpPr>
-        <p:cNvPr id="315" name="Shape 315"/>
+        <p:cNvPr id="316" name="Shape 316"/>
         <p:cNvGrpSpPr/>
         <p:nvPr/>
       </p:nvGrpSpPr>
@@ -4224,7 +4224,7 @@
       </p:grpSpPr>
       <p:sp>
         <p:nvSpPr>
-          <p:cNvPr id="316" name="Google Shape;316;g2233e8de662_0_147:notes"/>
+          <p:cNvPr id="317" name="Google Shape;317;g2233e8de662_0_147:notes"/>
           <p:cNvSpPr/>
           <p:nvPr>
             <p:ph idx="2" type="sldImg"/>
@@ -4259,7 +4259,7 @@
       </p:sp>
       <p:sp>
         <p:nvSpPr>
-          <p:cNvPr id="317" name="Google Shape;317;g2233e8de662_0_147:notes"/>
+          <p:cNvPr id="318" name="Google Shape;318;g2233e8de662_0_147:notes"/>
           <p:cNvSpPr txBox="1"/>
           <p:nvPr>
             <p:ph idx="1" type="body"/>
@@ -4309,7 +4309,7 @@
   <p:cSld>
     <p:spTree>
       <p:nvGrpSpPr>
-        <p:cNvPr id="322" name="Shape 322"/>
+        <p:cNvPr id="323" name="Shape 323"/>
         <p:cNvGrpSpPr/>
         <p:nvPr/>
       </p:nvGrpSpPr>
@@ -4323,7 +4323,7 @@
       </p:grpSpPr>
       <p:sp>
         <p:nvSpPr>
-          <p:cNvPr id="323" name="Google Shape;323;g2233e8de662_0_129:notes"/>
+          <p:cNvPr id="324" name="Google Shape;324;g2233e8de662_0_129:notes"/>
           <p:cNvSpPr/>
           <p:nvPr>
             <p:ph idx="2" type="sldImg"/>
@@ -4358,7 +4358,7 @@
       </p:sp>
       <p:sp>
         <p:nvSpPr>
-          <p:cNvPr id="324" name="Google Shape;324;g2233e8de662_0_129:notes"/>
+          <p:cNvPr id="325" name="Google Shape;325;g2233e8de662_0_129:notes"/>
           <p:cNvSpPr txBox="1"/>
           <p:nvPr>
             <p:ph idx="1" type="body"/>
@@ -4408,7 +4408,7 @@
   <p:cSld>
     <p:spTree>
       <p:nvGrpSpPr>
-        <p:cNvPr id="329" name="Shape 329"/>
+        <p:cNvPr id="330" name="Shape 330"/>
         <p:cNvGrpSpPr/>
         <p:nvPr/>
       </p:nvGrpSpPr>
@@ -4422,7 +4422,7 @@
       </p:grpSpPr>
       <p:sp>
         <p:nvSpPr>
-          <p:cNvPr id="330" name="Google Shape;330;g2233e8de662_0_154:notes"/>
+          <p:cNvPr id="331" name="Google Shape;331;g2233e8de662_0_154:notes"/>
           <p:cNvSpPr/>
           <p:nvPr>
             <p:ph idx="2" type="sldImg"/>
@@ -4457,7 +4457,7 @@
       </p:sp>
       <p:sp>
         <p:nvSpPr>
-          <p:cNvPr id="331" name="Google Shape;331;g2233e8de662_0_154:notes"/>
+          <p:cNvPr id="332" name="Google Shape;332;g2233e8de662_0_154:notes"/>
           <p:cNvSpPr txBox="1"/>
           <p:nvPr>
             <p:ph idx="1" type="body"/>
@@ -4507,7 +4507,7 @@
   <p:cSld>
     <p:spTree>
       <p:nvGrpSpPr>
-        <p:cNvPr id="336" name="Shape 336"/>
+        <p:cNvPr id="337" name="Shape 337"/>
         <p:cNvGrpSpPr/>
         <p:nvPr/>
       </p:nvGrpSpPr>
@@ -4521,7 +4521,7 @@
       </p:grpSpPr>
       <p:sp>
         <p:nvSpPr>
-          <p:cNvPr id="337" name="Google Shape;337;g214e2fb27b2_0_58:notes"/>
+          <p:cNvPr id="338" name="Google Shape;338;g214e2fb27b2_0_58:notes"/>
           <p:cNvSpPr/>
           <p:nvPr>
             <p:ph idx="2" type="sldImg"/>
@@ -4556,7 +4556,7 @@
       </p:sp>
       <p:sp>
         <p:nvSpPr>
-          <p:cNvPr id="338" name="Google Shape;338;g214e2fb27b2_0_58:notes"/>
+          <p:cNvPr id="339" name="Google Shape;339;g214e2fb27b2_0_58:notes"/>
           <p:cNvSpPr txBox="1"/>
           <p:nvPr>
             <p:ph idx="1" type="body"/>
@@ -4606,7 +4606,7 @@
   <p:cSld>
     <p:spTree>
       <p:nvGrpSpPr>
-        <p:cNvPr id="341" name="Shape 341"/>
+        <p:cNvPr id="342" name="Shape 342"/>
         <p:cNvGrpSpPr/>
         <p:nvPr/>
       </p:nvGrpSpPr>
@@ -4620,7 +4620,7 @@
       </p:grpSpPr>
       <p:sp>
         <p:nvSpPr>
-          <p:cNvPr id="342" name="Google Shape;342;g2233e8de662_0_172:notes"/>
+          <p:cNvPr id="343" name="Google Shape;343;g2233e8de662_0_172:notes"/>
           <p:cNvSpPr/>
           <p:nvPr>
             <p:ph idx="2" type="sldImg"/>
@@ -4655,7 +4655,7 @@
       </p:sp>
       <p:sp>
         <p:nvSpPr>
-          <p:cNvPr id="343" name="Google Shape;343;g2233e8de662_0_172:notes"/>
+          <p:cNvPr id="344" name="Google Shape;344;g2233e8de662_0_172:notes"/>
           <p:cNvSpPr txBox="1"/>
           <p:nvPr>
             <p:ph idx="1" type="body"/>
@@ -4705,7 +4705,7 @@
   <p:cSld>
     <p:spTree>
       <p:nvGrpSpPr>
-        <p:cNvPr id="349" name="Shape 349"/>
+        <p:cNvPr id="350" name="Shape 350"/>
         <p:cNvGrpSpPr/>
         <p:nvPr/>
       </p:nvGrpSpPr>
@@ -4719,7 +4719,7 @@
       </p:grpSpPr>
       <p:sp>
         <p:nvSpPr>
-          <p:cNvPr id="350" name="Google Shape;350;g214e2fb27b2_0_117:notes"/>
+          <p:cNvPr id="351" name="Google Shape;351;g214e2fb27b2_0_117:notes"/>
           <p:cNvSpPr/>
           <p:nvPr>
             <p:ph idx="2" type="sldImg"/>
@@ -4754,7 +4754,7 @@
       </p:sp>
       <p:sp>
         <p:nvSpPr>
-          <p:cNvPr id="351" name="Google Shape;351;g214e2fb27b2_0_117:notes"/>
+          <p:cNvPr id="352" name="Google Shape;352;g214e2fb27b2_0_117:notes"/>
           <p:cNvSpPr txBox="1"/>
           <p:nvPr>
             <p:ph idx="1" type="body"/>
@@ -4804,7 +4804,7 @@
   <p:cSld>
     <p:spTree>
       <p:nvGrpSpPr>
-        <p:cNvPr id="356" name="Shape 356"/>
+        <p:cNvPr id="357" name="Shape 357"/>
         <p:cNvGrpSpPr/>
         <p:nvPr/>
       </p:nvGrpSpPr>
@@ -4818,7 +4818,7 @@
       </p:grpSpPr>
       <p:sp>
         <p:nvSpPr>
-          <p:cNvPr id="357" name="Google Shape;357;g2c2d70f18b5_0_17:notes"/>
+          <p:cNvPr id="358" name="Google Shape;358;g2c2d70f18b5_0_17:notes"/>
           <p:cNvSpPr/>
           <p:nvPr>
             <p:ph idx="2" type="sldImg"/>
@@ -4853,7 +4853,7 @@
       </p:sp>
       <p:sp>
         <p:nvSpPr>
-          <p:cNvPr id="358" name="Google Shape;358;g2c2d70f18b5_0_17:notes"/>
+          <p:cNvPr id="359" name="Google Shape;359;g2c2d70f18b5_0_17:notes"/>
           <p:cNvSpPr txBox="1"/>
           <p:nvPr>
             <p:ph idx="1" type="body"/>
@@ -4903,7 +4903,7 @@
   <p:cSld>
     <p:spTree>
       <p:nvGrpSpPr>
-        <p:cNvPr id="363" name="Shape 363"/>
+        <p:cNvPr id="364" name="Shape 364"/>
         <p:cNvGrpSpPr/>
         <p:nvPr/>
       </p:nvGrpSpPr>
@@ -4917,7 +4917,7 @@
       </p:grpSpPr>
       <p:sp>
         <p:nvSpPr>
-          <p:cNvPr id="364" name="Google Shape;364;g216a49f5147_0_25:notes"/>
+          <p:cNvPr id="365" name="Google Shape;365;g216a49f5147_0_25:notes"/>
           <p:cNvSpPr/>
           <p:nvPr>
             <p:ph idx="2" type="sldImg"/>
@@ -4952,7 +4952,7 @@
       </p:sp>
       <p:sp>
         <p:nvSpPr>
-          <p:cNvPr id="365" name="Google Shape;365;g216a49f5147_0_25:notes"/>
+          <p:cNvPr id="366" name="Google Shape;366;g216a49f5147_0_25:notes"/>
           <p:cNvSpPr txBox="1"/>
           <p:nvPr>
             <p:ph idx="1" type="body"/>
@@ -5002,7 +5002,7 @@
   <p:cSld>
     <p:spTree>
       <p:nvGrpSpPr>
-        <p:cNvPr id="370" name="Shape 370"/>
+        <p:cNvPr id="371" name="Shape 371"/>
         <p:cNvGrpSpPr/>
         <p:nvPr/>
       </p:nvGrpSpPr>
@@ -5016,7 +5016,7 @@
       </p:grpSpPr>
       <p:sp>
         <p:nvSpPr>
-          <p:cNvPr id="371" name="Google Shape;371;g216a49f5147_0_75:notes"/>
+          <p:cNvPr id="372" name="Google Shape;372;g216a49f5147_0_75:notes"/>
           <p:cNvSpPr/>
           <p:nvPr>
             <p:ph idx="2" type="sldImg"/>
@@ -5051,7 +5051,7 @@
       </p:sp>
       <p:sp>
         <p:nvSpPr>
-          <p:cNvPr id="372" name="Google Shape;372;g216a49f5147_0_75:notes"/>
+          <p:cNvPr id="373" name="Google Shape;373;g216a49f5147_0_75:notes"/>
           <p:cNvSpPr txBox="1"/>
           <p:nvPr>
             <p:ph idx="1" type="body"/>
@@ -5101,7 +5101,7 @@
   <p:cSld>
     <p:spTree>
       <p:nvGrpSpPr>
-        <p:cNvPr id="57" name="Shape 57"/>
+        <p:cNvPr id="58" name="Shape 58"/>
         <p:cNvGrpSpPr/>
         <p:nvPr/>
       </p:nvGrpSpPr>
@@ -5115,7 +5115,7 @@
       </p:grpSpPr>
       <p:sp>
         <p:nvSpPr>
-          <p:cNvPr id="58" name="Google Shape;58;g125a7049bbe_0_0:notes"/>
+          <p:cNvPr id="59" name="Google Shape;59;g125a7049bbe_0_0:notes"/>
           <p:cNvSpPr/>
           <p:nvPr>
             <p:ph idx="2" type="sldImg"/>
@@ -5150,7 +5150,7 @@
       </p:sp>
       <p:sp>
         <p:nvSpPr>
-          <p:cNvPr id="59" name="Google Shape;59;g125a7049bbe_0_0:notes"/>
+          <p:cNvPr id="60" name="Google Shape;60;g125a7049bbe_0_0:notes"/>
           <p:cNvSpPr txBox="1"/>
           <p:nvPr>
             <p:ph idx="1" type="body"/>
@@ -5200,7 +5200,7 @@
   <p:cSld>
     <p:spTree>
       <p:nvGrpSpPr>
-        <p:cNvPr id="377" name="Shape 377"/>
+        <p:cNvPr id="378" name="Shape 378"/>
         <p:cNvGrpSpPr/>
         <p:nvPr/>
       </p:nvGrpSpPr>
@@ -5214,7 +5214,7 @@
       </p:grpSpPr>
       <p:sp>
         <p:nvSpPr>
-          <p:cNvPr id="378" name="Google Shape;378;g216a49f5147_0_83:notes"/>
+          <p:cNvPr id="379" name="Google Shape;379;g216a49f5147_0_83:notes"/>
           <p:cNvSpPr/>
           <p:nvPr>
             <p:ph idx="2" type="sldImg"/>
@@ -5249,7 +5249,7 @@
       </p:sp>
       <p:sp>
         <p:nvSpPr>
-          <p:cNvPr id="379" name="Google Shape;379;g216a49f5147_0_83:notes"/>
+          <p:cNvPr id="380" name="Google Shape;380;g216a49f5147_0_83:notes"/>
           <p:cNvSpPr txBox="1"/>
           <p:nvPr>
             <p:ph idx="1" type="body"/>
@@ -5299,7 +5299,7 @@
   <p:cSld>
     <p:spTree>
       <p:nvGrpSpPr>
-        <p:cNvPr id="384" name="Shape 384"/>
+        <p:cNvPr id="385" name="Shape 385"/>
         <p:cNvGrpSpPr/>
         <p:nvPr/>
       </p:nvGrpSpPr>
@@ -5313,7 +5313,7 @@
       </p:grpSpPr>
       <p:sp>
         <p:nvSpPr>
-          <p:cNvPr id="385" name="Google Shape;385;g214e2fb27b2_0_54:notes"/>
+          <p:cNvPr id="386" name="Google Shape;386;g214e2fb27b2_0_54:notes"/>
           <p:cNvSpPr/>
           <p:nvPr>
             <p:ph idx="2" type="sldImg"/>
@@ -5348,7 +5348,7 @@
       </p:sp>
       <p:sp>
         <p:nvSpPr>
-          <p:cNvPr id="386" name="Google Shape;386;g214e2fb27b2_0_54:notes"/>
+          <p:cNvPr id="387" name="Google Shape;387;g214e2fb27b2_0_54:notes"/>
           <p:cNvSpPr txBox="1"/>
           <p:nvPr>
             <p:ph idx="1" type="body"/>
@@ -5398,7 +5398,7 @@
   <p:cSld>
     <p:spTree>
       <p:nvGrpSpPr>
-        <p:cNvPr id="389" name="Shape 389"/>
+        <p:cNvPr id="390" name="Shape 390"/>
         <p:cNvGrpSpPr/>
         <p:nvPr/>
       </p:nvGrpSpPr>
@@ -5412,7 +5412,7 @@
       </p:grpSpPr>
       <p:sp>
         <p:nvSpPr>
-          <p:cNvPr id="390" name="Google Shape;390;g216a49f5147_0_5:notes"/>
+          <p:cNvPr id="391" name="Google Shape;391;g216a49f5147_0_5:notes"/>
           <p:cNvSpPr/>
           <p:nvPr>
             <p:ph idx="2" type="sldImg"/>
@@ -5447,7 +5447,7 @@
       </p:sp>
       <p:sp>
         <p:nvSpPr>
-          <p:cNvPr id="391" name="Google Shape;391;g216a49f5147_0_5:notes"/>
+          <p:cNvPr id="392" name="Google Shape;392;g216a49f5147_0_5:notes"/>
           <p:cNvSpPr txBox="1"/>
           <p:nvPr>
             <p:ph idx="1" type="body"/>
@@ -5497,7 +5497,7 @@
   <p:cSld>
     <p:spTree>
       <p:nvGrpSpPr>
-        <p:cNvPr id="396" name="Shape 396"/>
+        <p:cNvPr id="397" name="Shape 397"/>
         <p:cNvGrpSpPr/>
         <p:nvPr/>
       </p:nvGrpSpPr>
@@ -5511,7 +5511,7 @@
       </p:grpSpPr>
       <p:sp>
         <p:nvSpPr>
-          <p:cNvPr id="397" name="Google Shape;397;g216a49f5147_0_11:notes"/>
+          <p:cNvPr id="398" name="Google Shape;398;g216a49f5147_0_11:notes"/>
           <p:cNvSpPr/>
           <p:nvPr>
             <p:ph idx="2" type="sldImg"/>
@@ -5546,7 +5546,7 @@
       </p:sp>
       <p:sp>
         <p:nvSpPr>
-          <p:cNvPr id="398" name="Google Shape;398;g216a49f5147_0_11:notes"/>
+          <p:cNvPr id="399" name="Google Shape;399;g216a49f5147_0_11:notes"/>
           <p:cNvSpPr txBox="1"/>
           <p:nvPr>
             <p:ph idx="1" type="body"/>
@@ -5596,7 +5596,7 @@
   <p:cSld>
     <p:spTree>
       <p:nvGrpSpPr>
-        <p:cNvPr id="403" name="Shape 403"/>
+        <p:cNvPr id="404" name="Shape 404"/>
         <p:cNvGrpSpPr/>
         <p:nvPr/>
       </p:nvGrpSpPr>
@@ -5610,7 +5610,7 @@
       </p:grpSpPr>
       <p:sp>
         <p:nvSpPr>
-          <p:cNvPr id="404" name="Google Shape;404;g239265140e9_0_38:notes"/>
+          <p:cNvPr id="405" name="Google Shape;405;g239265140e9_0_38:notes"/>
           <p:cNvSpPr/>
           <p:nvPr>
             <p:ph idx="2" type="sldImg"/>
@@ -5645,7 +5645,7 @@
       </p:sp>
       <p:sp>
         <p:nvSpPr>
-          <p:cNvPr id="405" name="Google Shape;405;g239265140e9_0_38:notes"/>
+          <p:cNvPr id="406" name="Google Shape;406;g239265140e9_0_38:notes"/>
           <p:cNvSpPr txBox="1"/>
           <p:nvPr>
             <p:ph idx="1" type="body"/>
@@ -5695,7 +5695,7 @@
   <p:cSld>
     <p:spTree>
       <p:nvGrpSpPr>
-        <p:cNvPr id="409" name="Shape 409"/>
+        <p:cNvPr id="410" name="Shape 410"/>
         <p:cNvGrpSpPr/>
         <p:nvPr/>
       </p:nvGrpSpPr>
@@ -5709,7 +5709,7 @@
       </p:grpSpPr>
       <p:sp>
         <p:nvSpPr>
-          <p:cNvPr id="410" name="Google Shape;410;g239265140e9_0_43:notes"/>
+          <p:cNvPr id="411" name="Google Shape;411;g239265140e9_0_43:notes"/>
           <p:cNvSpPr/>
           <p:nvPr>
             <p:ph idx="2" type="sldImg"/>
@@ -5744,7 +5744,7 @@
       </p:sp>
       <p:sp>
         <p:nvSpPr>
-          <p:cNvPr id="411" name="Google Shape;411;g239265140e9_0_43:notes"/>
+          <p:cNvPr id="412" name="Google Shape;412;g239265140e9_0_43:notes"/>
           <p:cNvSpPr txBox="1"/>
           <p:nvPr>
             <p:ph idx="1" type="body"/>
@@ -5794,7 +5794,7 @@
   <p:cSld>
     <p:spTree>
       <p:nvGrpSpPr>
-        <p:cNvPr id="64" name="Shape 64"/>
+        <p:cNvPr id="65" name="Shape 65"/>
         <p:cNvGrpSpPr/>
         <p:nvPr/>
       </p:nvGrpSpPr>
@@ -5808,7 +5808,7 @@
       </p:grpSpPr>
       <p:sp>
         <p:nvSpPr>
-          <p:cNvPr id="65" name="Google Shape;65;g214e2fb27b2_0_6:notes"/>
+          <p:cNvPr id="66" name="Google Shape;66;g214e2fb27b2_0_6:notes"/>
           <p:cNvSpPr/>
           <p:nvPr>
             <p:ph idx="2" type="sldImg"/>
@@ -5843,7 +5843,7 @@
       </p:sp>
       <p:sp>
         <p:nvSpPr>
-          <p:cNvPr id="66" name="Google Shape;66;g214e2fb27b2_0_6:notes"/>
+          <p:cNvPr id="67" name="Google Shape;67;g214e2fb27b2_0_6:notes"/>
           <p:cNvSpPr txBox="1"/>
           <p:nvPr>
             <p:ph idx="1" type="body"/>
@@ -5893,7 +5893,7 @@
   <p:cSld>
     <p:spTree>
       <p:nvGrpSpPr>
-        <p:cNvPr id="71" name="Shape 71"/>
+        <p:cNvPr id="72" name="Shape 72"/>
         <p:cNvGrpSpPr/>
         <p:nvPr/>
       </p:nvGrpSpPr>
@@ -5907,7 +5907,7 @@
       </p:grpSpPr>
       <p:sp>
         <p:nvSpPr>
-          <p:cNvPr id="72" name="Google Shape;72;g214e2fb27b2_0_12:notes"/>
+          <p:cNvPr id="73" name="Google Shape;73;g214e2fb27b2_0_12:notes"/>
           <p:cNvSpPr/>
           <p:nvPr>
             <p:ph idx="2" type="sldImg"/>
@@ -5942,7 +5942,7 @@
       </p:sp>
       <p:sp>
         <p:nvSpPr>
-          <p:cNvPr id="73" name="Google Shape;73;g214e2fb27b2_0_12:notes"/>
+          <p:cNvPr id="74" name="Google Shape;74;g214e2fb27b2_0_12:notes"/>
           <p:cNvSpPr txBox="1"/>
           <p:nvPr>
             <p:ph idx="1" type="body"/>
@@ -5992,7 +5992,7 @@
   <p:cSld>
     <p:spTree>
       <p:nvGrpSpPr>
-        <p:cNvPr id="78" name="Shape 78"/>
+        <p:cNvPr id="79" name="Shape 79"/>
         <p:cNvGrpSpPr/>
         <p:nvPr/>
       </p:nvGrpSpPr>
@@ -6006,7 +6006,7 @@
       </p:grpSpPr>
       <p:sp>
         <p:nvSpPr>
-          <p:cNvPr id="79" name="Google Shape;79;g214e2fb27b2_0_36:notes"/>
+          <p:cNvPr id="80" name="Google Shape;80;g214e2fb27b2_0_36:notes"/>
           <p:cNvSpPr/>
           <p:nvPr>
             <p:ph idx="2" type="sldImg"/>
@@ -6041,7 +6041,7 @@
       </p:sp>
       <p:sp>
         <p:nvSpPr>
-          <p:cNvPr id="80" name="Google Shape;80;g214e2fb27b2_0_36:notes"/>
+          <p:cNvPr id="81" name="Google Shape;81;g214e2fb27b2_0_36:notes"/>
           <p:cNvSpPr txBox="1"/>
           <p:nvPr>
             <p:ph idx="1" type="body"/>
@@ -6091,7 +6091,7 @@
   <p:cSld>
     <p:spTree>
       <p:nvGrpSpPr>
-        <p:cNvPr id="86" name="Shape 86"/>
+        <p:cNvPr id="87" name="Shape 87"/>
         <p:cNvGrpSpPr/>
         <p:nvPr/>
       </p:nvGrpSpPr>
@@ -6105,7 +6105,7 @@
       </p:grpSpPr>
       <p:sp>
         <p:nvSpPr>
-          <p:cNvPr id="87" name="Google Shape;87;g214e2fb27b2_0_24:notes"/>
+          <p:cNvPr id="88" name="Google Shape;88;g214e2fb27b2_0_24:notes"/>
           <p:cNvSpPr/>
           <p:nvPr>
             <p:ph idx="2" type="sldImg"/>
@@ -6140,7 +6140,7 @@
       </p:sp>
       <p:sp>
         <p:nvSpPr>
-          <p:cNvPr id="88" name="Google Shape;88;g214e2fb27b2_0_24:notes"/>
+          <p:cNvPr id="89" name="Google Shape;89;g214e2fb27b2_0_24:notes"/>
           <p:cNvSpPr txBox="1"/>
           <p:nvPr>
             <p:ph idx="1" type="body"/>
@@ -6723,6 +6723,144 @@
           </a:p>
         </p:txBody>
       </p:sp>
+      <p:sp>
+        <p:nvSpPr>
+          <p:cNvPr id="16" name="Google Shape;16;p3"/>
+          <p:cNvSpPr txBox="1"/>
+          <p:nvPr>
+            <p:ph idx="12" type="sldNum"/>
+          </p:nvPr>
+        </p:nvSpPr>
+        <p:spPr>
+          <a:xfrm>
+            <a:off x="7315209" y="4229101"/>
+            <a:ext cx="1828800" cy="914400"/>
+          </a:xfrm>
+          <a:prstGeom prst="rect">
+            <a:avLst/>
+          </a:prstGeom>
+        </p:spPr>
+        <p:txBody>
+          <a:bodyPr anchorCtr="0" anchor="b" bIns="91425" lIns="91425" spcFirstLastPara="1" rIns="91425" wrap="square" tIns="91425">
+            <a:noAutofit/>
+          </a:bodyPr>
+          <a:lstStyle>
+            <a:lvl1pPr lvl="0" rtl="0" algn="r">
+              <a:buNone/>
+              <a:defRPr b="1" sz="2400">
+                <a:solidFill>
+                  <a:schemeClr val="dk1"/>
+                </a:solidFill>
+              </a:defRPr>
+            </a:lvl1pPr>
+            <a:lvl2pPr lvl="1" rtl="0" algn="r">
+              <a:buNone/>
+              <a:defRPr b="1" sz="2400">
+                <a:solidFill>
+                  <a:schemeClr val="dk1"/>
+                </a:solidFill>
+              </a:defRPr>
+            </a:lvl2pPr>
+            <a:lvl3pPr lvl="2" rtl="0" algn="r">
+              <a:buNone/>
+              <a:defRPr b="1" sz="2400">
+                <a:solidFill>
+                  <a:schemeClr val="dk1"/>
+                </a:solidFill>
+              </a:defRPr>
+            </a:lvl3pPr>
+            <a:lvl4pPr lvl="3" rtl="0" algn="r">
+              <a:buNone/>
+              <a:defRPr b="1" sz="2400">
+                <a:solidFill>
+                  <a:schemeClr val="dk1"/>
+                </a:solidFill>
+              </a:defRPr>
+            </a:lvl4pPr>
+            <a:lvl5pPr lvl="4" rtl="0" algn="r">
+              <a:buNone/>
+              <a:defRPr b="1" sz="2400">
+                <a:solidFill>
+                  <a:schemeClr val="dk1"/>
+                </a:solidFill>
+              </a:defRPr>
+            </a:lvl5pPr>
+            <a:lvl6pPr lvl="5" rtl="0" algn="r">
+              <a:buNone/>
+              <a:defRPr b="1" sz="2400">
+                <a:solidFill>
+                  <a:schemeClr val="dk1"/>
+                </a:solidFill>
+              </a:defRPr>
+            </a:lvl6pPr>
+            <a:lvl7pPr lvl="6" rtl="0" algn="r">
+              <a:buNone/>
+              <a:defRPr b="1" sz="2400">
+                <a:solidFill>
+                  <a:schemeClr val="dk1"/>
+                </a:solidFill>
+              </a:defRPr>
+            </a:lvl7pPr>
+            <a:lvl8pPr lvl="7" rtl="0" algn="r">
+              <a:buNone/>
+              <a:defRPr b="1" sz="2400">
+                <a:solidFill>
+                  <a:schemeClr val="dk1"/>
+                </a:solidFill>
+              </a:defRPr>
+            </a:lvl8pPr>
+            <a:lvl9pPr lvl="8" rtl="0" algn="r">
+              <a:buNone/>
+              <a:defRPr b="1" sz="2400">
+                <a:solidFill>
+                  <a:schemeClr val="dk1"/>
+                </a:solidFill>
+              </a:defRPr>
+            </a:lvl9pPr>
+          </a:lstStyle>
+          <a:p>
+            <a:pPr indent="0" lvl="0" marL="0" rtl="0" algn="r">
+              <a:spcBef>
+                <a:spcPts val="0"/>
+              </a:spcBef>
+              <a:spcAft>
+                <a:spcPts val="0"/>
+              </a:spcAft>
+              <a:buNone/>
+            </a:pPr>
+            <a:fld id="{00000000-1234-1234-1234-123412341234}" type="slidenum">
+              <a:rPr lang="en"/>
+              <a:t>‹#›</a:t>
+            </a:fld>
+            <a:endParaRPr/>
+          </a:p>
+          <a:p>
+            <a:pPr indent="0" lvl="0" marL="0" rtl="0" algn="r">
+              <a:spcBef>
+                <a:spcPts val="0"/>
+              </a:spcBef>
+              <a:spcAft>
+                <a:spcPts val="0"/>
+              </a:spcAft>
+              <a:buNone/>
+            </a:pPr>
+            <a:r>
+              <a:rPr b="0" lang="en" sz="1000" u="sng">
+                <a:solidFill>
+                  <a:schemeClr val="hlink"/>
+                </a:solidFill>
+                <a:hlinkClick r:id="rId2"/>
+              </a:rPr>
+              <a:t>uni1.de/nyt</a:t>
+            </a:r>
+            <a:r>
+              <a:rPr b="0" lang="en" sz="1000"/>
+              <a:t> </a:t>
+            </a:r>
+            <a:endParaRPr b="0" sz="1000"/>
+          </a:p>
+        </p:txBody>
+      </p:sp>
     </p:spTree>
   </p:cSld>
   <p:clrMapOvr>
@@ -6736,7 +6874,7 @@
   <p:cSld name="TITLE_AND_BODY">
     <p:spTree>
       <p:nvGrpSpPr>
-        <p:cNvPr id="16" name="Shape 16"/>
+        <p:cNvPr id="17" name="Shape 17"/>
         <p:cNvGrpSpPr/>
         <p:nvPr/>
       </p:nvGrpSpPr>
@@ -6750,7 +6888,7 @@
       </p:grpSpPr>
       <p:sp>
         <p:nvSpPr>
-          <p:cNvPr id="17" name="Google Shape;17;p4"/>
+          <p:cNvPr id="18" name="Google Shape;18;p4"/>
           <p:cNvSpPr txBox="1"/>
           <p:nvPr>
             <p:ph type="title"/>
@@ -6875,7 +7013,7 @@
       </p:sp>
       <p:sp>
         <p:nvSpPr>
-          <p:cNvPr id="18" name="Google Shape;18;p4"/>
+          <p:cNvPr id="19" name="Google Shape;19;p4"/>
           <p:cNvSpPr txBox="1"/>
           <p:nvPr>
             <p:ph idx="1" type="body"/>
@@ -6996,152 +7134,6 @@
             </a:lvl9pPr>
           </a:lstStyle>
           <a:p/>
-        </p:txBody>
-      </p:sp>
-      <p:sp>
-        <p:nvSpPr>
-          <p:cNvPr id="19" name="Google Shape;19;p4"/>
-          <p:cNvSpPr txBox="1"/>
-          <p:nvPr>
-            <p:ph idx="12" type="sldNum"/>
-          </p:nvPr>
-        </p:nvSpPr>
-        <p:spPr>
-          <a:xfrm>
-            <a:off x="7315202" y="4416550"/>
-            <a:ext cx="1828800" cy="731400"/>
-          </a:xfrm>
-          <a:prstGeom prst="rect">
-            <a:avLst/>
-          </a:prstGeom>
-        </p:spPr>
-        <p:txBody>
-          <a:bodyPr anchorCtr="0" anchor="b" bIns="91425" lIns="91425" spcFirstLastPara="1" rIns="91425" wrap="square" tIns="91425">
-            <a:noAutofit/>
-          </a:bodyPr>
-          <a:lstStyle>
-            <a:lvl1pPr lvl="0" rtl="0">
-              <a:buNone/>
-              <a:defRPr>
-                <a:solidFill>
-                  <a:schemeClr val="dk1"/>
-                </a:solidFill>
-              </a:defRPr>
-            </a:lvl1pPr>
-            <a:lvl2pPr lvl="1" rtl="0">
-              <a:buNone/>
-              <a:defRPr>
-                <a:solidFill>
-                  <a:schemeClr val="dk1"/>
-                </a:solidFill>
-              </a:defRPr>
-            </a:lvl2pPr>
-            <a:lvl3pPr lvl="2" rtl="0">
-              <a:buNone/>
-              <a:defRPr>
-                <a:solidFill>
-                  <a:schemeClr val="dk1"/>
-                </a:solidFill>
-              </a:defRPr>
-            </a:lvl3pPr>
-            <a:lvl4pPr lvl="3" rtl="0">
-              <a:buNone/>
-              <a:defRPr>
-                <a:solidFill>
-                  <a:schemeClr val="dk1"/>
-                </a:solidFill>
-              </a:defRPr>
-            </a:lvl4pPr>
-            <a:lvl5pPr lvl="4" rtl="0">
-              <a:buNone/>
-              <a:defRPr>
-                <a:solidFill>
-                  <a:schemeClr val="dk1"/>
-                </a:solidFill>
-              </a:defRPr>
-            </a:lvl5pPr>
-            <a:lvl6pPr lvl="5" rtl="0">
-              <a:buNone/>
-              <a:defRPr>
-                <a:solidFill>
-                  <a:schemeClr val="dk1"/>
-                </a:solidFill>
-              </a:defRPr>
-            </a:lvl6pPr>
-            <a:lvl7pPr lvl="6" rtl="0">
-              <a:buNone/>
-              <a:defRPr>
-                <a:solidFill>
-                  <a:schemeClr val="dk1"/>
-                </a:solidFill>
-              </a:defRPr>
-            </a:lvl7pPr>
-            <a:lvl8pPr lvl="7" rtl="0">
-              <a:buNone/>
-              <a:defRPr>
-                <a:solidFill>
-                  <a:schemeClr val="dk1"/>
-                </a:solidFill>
-              </a:defRPr>
-            </a:lvl8pPr>
-            <a:lvl9pPr lvl="8" rtl="0">
-              <a:buNone/>
-              <a:defRPr>
-                <a:solidFill>
-                  <a:schemeClr val="dk1"/>
-                </a:solidFill>
-              </a:defRPr>
-            </a:lvl9pPr>
-          </a:lstStyle>
-          <a:p>
-            <a:pPr indent="0" lvl="0" marL="0" rtl="0" algn="r">
-              <a:spcBef>
-                <a:spcPts val="0"/>
-              </a:spcBef>
-              <a:spcAft>
-                <a:spcPts val="0"/>
-              </a:spcAft>
-              <a:buNone/>
-            </a:pPr>
-            <a:fld id="{00000000-1234-1234-1234-123412341234}" type="slidenum">
-              <a:rPr lang="en"/>
-              <a:t>‹#›</a:t>
-            </a:fld>
-            <a:endParaRPr/>
-          </a:p>
-          <a:p>
-            <a:pPr indent="0" lvl="0" marL="0" rtl="0" algn="r">
-              <a:spcBef>
-                <a:spcPts val="0"/>
-              </a:spcBef>
-              <a:spcAft>
-                <a:spcPts val="0"/>
-              </a:spcAft>
-              <a:buNone/>
-            </a:pPr>
-            <a:r>
-              <a:rPr b="0" lang="en" sz="900" u="sng">
-                <a:solidFill>
-                  <a:schemeClr val="hlink"/>
-                </a:solidFill>
-                <a:hlinkClick r:id="rId2"/>
-              </a:rPr>
-              <a:t>https://profriehle.com</a:t>
-            </a:r>
-            <a:r>
-              <a:rPr b="0" lang="en" sz="900">
-                <a:solidFill>
-                  <a:schemeClr val="dk2"/>
-                </a:solidFill>
-              </a:rPr>
-              <a:t> </a:t>
-            </a:r>
-            <a:endParaRPr b="0" sz="900">
-              <a:solidFill>
-                <a:schemeClr val="dk2"/>
-              </a:solidFill>
-            </a:endParaRPr>
-          </a:p>
         </p:txBody>
       </p:sp>
       <p:sp>
@@ -7184,6 +7176,144 @@
               <a:t/>
             </a:r>
             <a:endParaRPr/>
+          </a:p>
+        </p:txBody>
+      </p:sp>
+      <p:sp>
+        <p:nvSpPr>
+          <p:cNvPr id="21" name="Google Shape;21;p4"/>
+          <p:cNvSpPr txBox="1"/>
+          <p:nvPr>
+            <p:ph idx="12" type="sldNum"/>
+          </p:nvPr>
+        </p:nvSpPr>
+        <p:spPr>
+          <a:xfrm>
+            <a:off x="7315209" y="4229101"/>
+            <a:ext cx="1828800" cy="914400"/>
+          </a:xfrm>
+          <a:prstGeom prst="rect">
+            <a:avLst/>
+          </a:prstGeom>
+        </p:spPr>
+        <p:txBody>
+          <a:bodyPr anchorCtr="0" anchor="b" bIns="91425" lIns="91425" spcFirstLastPara="1" rIns="91425" wrap="square" tIns="91425">
+            <a:noAutofit/>
+          </a:bodyPr>
+          <a:lstStyle>
+            <a:lvl1pPr lvl="0" rtl="0" algn="r">
+              <a:buNone/>
+              <a:defRPr b="1" sz="2400">
+                <a:solidFill>
+                  <a:schemeClr val="dk1"/>
+                </a:solidFill>
+              </a:defRPr>
+            </a:lvl1pPr>
+            <a:lvl2pPr lvl="1" rtl="0" algn="r">
+              <a:buNone/>
+              <a:defRPr b="1" sz="2400">
+                <a:solidFill>
+                  <a:schemeClr val="dk1"/>
+                </a:solidFill>
+              </a:defRPr>
+            </a:lvl2pPr>
+            <a:lvl3pPr lvl="2" rtl="0" algn="r">
+              <a:buNone/>
+              <a:defRPr b="1" sz="2400">
+                <a:solidFill>
+                  <a:schemeClr val="dk1"/>
+                </a:solidFill>
+              </a:defRPr>
+            </a:lvl3pPr>
+            <a:lvl4pPr lvl="3" rtl="0" algn="r">
+              <a:buNone/>
+              <a:defRPr b="1" sz="2400">
+                <a:solidFill>
+                  <a:schemeClr val="dk1"/>
+                </a:solidFill>
+              </a:defRPr>
+            </a:lvl4pPr>
+            <a:lvl5pPr lvl="4" rtl="0" algn="r">
+              <a:buNone/>
+              <a:defRPr b="1" sz="2400">
+                <a:solidFill>
+                  <a:schemeClr val="dk1"/>
+                </a:solidFill>
+              </a:defRPr>
+            </a:lvl5pPr>
+            <a:lvl6pPr lvl="5" rtl="0" algn="r">
+              <a:buNone/>
+              <a:defRPr b="1" sz="2400">
+                <a:solidFill>
+                  <a:schemeClr val="dk1"/>
+                </a:solidFill>
+              </a:defRPr>
+            </a:lvl6pPr>
+            <a:lvl7pPr lvl="6" rtl="0" algn="r">
+              <a:buNone/>
+              <a:defRPr b="1" sz="2400">
+                <a:solidFill>
+                  <a:schemeClr val="dk1"/>
+                </a:solidFill>
+              </a:defRPr>
+            </a:lvl7pPr>
+            <a:lvl8pPr lvl="7" rtl="0" algn="r">
+              <a:buNone/>
+              <a:defRPr b="1" sz="2400">
+                <a:solidFill>
+                  <a:schemeClr val="dk1"/>
+                </a:solidFill>
+              </a:defRPr>
+            </a:lvl8pPr>
+            <a:lvl9pPr lvl="8" rtl="0" algn="r">
+              <a:buNone/>
+              <a:defRPr b="1" sz="2400">
+                <a:solidFill>
+                  <a:schemeClr val="dk1"/>
+                </a:solidFill>
+              </a:defRPr>
+            </a:lvl9pPr>
+          </a:lstStyle>
+          <a:p>
+            <a:pPr indent="0" lvl="0" marL="0" rtl="0" algn="r">
+              <a:spcBef>
+                <a:spcPts val="0"/>
+              </a:spcBef>
+              <a:spcAft>
+                <a:spcPts val="0"/>
+              </a:spcAft>
+              <a:buNone/>
+            </a:pPr>
+            <a:fld id="{00000000-1234-1234-1234-123412341234}" type="slidenum">
+              <a:rPr lang="en"/>
+              <a:t>‹#›</a:t>
+            </a:fld>
+            <a:endParaRPr/>
+          </a:p>
+          <a:p>
+            <a:pPr indent="0" lvl="0" marL="0" rtl="0" algn="r">
+              <a:spcBef>
+                <a:spcPts val="0"/>
+              </a:spcBef>
+              <a:spcAft>
+                <a:spcPts val="0"/>
+              </a:spcAft>
+              <a:buNone/>
+            </a:pPr>
+            <a:r>
+              <a:rPr b="0" lang="en" sz="1000" u="sng">
+                <a:solidFill>
+                  <a:schemeClr val="hlink"/>
+                </a:solidFill>
+                <a:hlinkClick r:id="rId2"/>
+              </a:rPr>
+              <a:t>uni1.de/nyt</a:t>
+            </a:r>
+            <a:r>
+              <a:rPr b="0" lang="en" sz="1000"/>
+              <a:t> </a:t>
+            </a:r>
+            <a:endParaRPr b="0" sz="1000"/>
           </a:p>
         </p:txBody>
       </p:sp>
@@ -7200,7 +7330,7 @@
   <p:cSld name="TITLE_AND_TWO_COLUMNS">
     <p:spTree>
       <p:nvGrpSpPr>
-        <p:cNvPr id="21" name="Shape 21"/>
+        <p:cNvPr id="22" name="Shape 22"/>
         <p:cNvGrpSpPr/>
         <p:nvPr/>
       </p:nvGrpSpPr>
@@ -7214,7 +7344,7 @@
       </p:grpSpPr>
       <p:sp>
         <p:nvSpPr>
-          <p:cNvPr id="22" name="Google Shape;22;p5"/>
+          <p:cNvPr id="23" name="Google Shape;23;p5"/>
           <p:cNvSpPr txBox="1"/>
           <p:nvPr>
             <p:ph type="title"/>
@@ -7342,7 +7472,7 @@
       </p:sp>
       <p:sp>
         <p:nvSpPr>
-          <p:cNvPr id="23" name="Google Shape;23;p5"/>
+          <p:cNvPr id="24" name="Google Shape;24;p5"/>
           <p:cNvSpPr txBox="1"/>
           <p:nvPr>
             <p:ph idx="1" type="body"/>
@@ -7467,7 +7597,7 @@
       </p:sp>
       <p:sp>
         <p:nvSpPr>
-          <p:cNvPr id="24" name="Google Shape;24;p5"/>
+          <p:cNvPr id="25" name="Google Shape;25;p5"/>
           <p:cNvSpPr txBox="1"/>
           <p:nvPr>
             <p:ph idx="2" type="body"/>
@@ -7588,152 +7718,6 @@
             </a:lvl9pPr>
           </a:lstStyle>
           <a:p/>
-        </p:txBody>
-      </p:sp>
-      <p:sp>
-        <p:nvSpPr>
-          <p:cNvPr id="25" name="Google Shape;25;p5"/>
-          <p:cNvSpPr txBox="1"/>
-          <p:nvPr>
-            <p:ph idx="12" type="sldNum"/>
-          </p:nvPr>
-        </p:nvSpPr>
-        <p:spPr>
-          <a:xfrm>
-            <a:off x="7315202" y="4416550"/>
-            <a:ext cx="1828800" cy="731400"/>
-          </a:xfrm>
-          <a:prstGeom prst="rect">
-            <a:avLst/>
-          </a:prstGeom>
-        </p:spPr>
-        <p:txBody>
-          <a:bodyPr anchorCtr="0" anchor="b" bIns="91425" lIns="91425" spcFirstLastPara="1" rIns="91425" wrap="square" tIns="91425">
-            <a:noAutofit/>
-          </a:bodyPr>
-          <a:lstStyle>
-            <a:lvl1pPr lvl="0">
-              <a:buNone/>
-              <a:defRPr>
-                <a:solidFill>
-                  <a:schemeClr val="dk1"/>
-                </a:solidFill>
-              </a:defRPr>
-            </a:lvl1pPr>
-            <a:lvl2pPr lvl="1">
-              <a:buNone/>
-              <a:defRPr>
-                <a:solidFill>
-                  <a:schemeClr val="dk1"/>
-                </a:solidFill>
-              </a:defRPr>
-            </a:lvl2pPr>
-            <a:lvl3pPr lvl="2">
-              <a:buNone/>
-              <a:defRPr>
-                <a:solidFill>
-                  <a:schemeClr val="dk1"/>
-                </a:solidFill>
-              </a:defRPr>
-            </a:lvl3pPr>
-            <a:lvl4pPr lvl="3">
-              <a:buNone/>
-              <a:defRPr>
-                <a:solidFill>
-                  <a:schemeClr val="dk1"/>
-                </a:solidFill>
-              </a:defRPr>
-            </a:lvl4pPr>
-            <a:lvl5pPr lvl="4">
-              <a:buNone/>
-              <a:defRPr>
-                <a:solidFill>
-                  <a:schemeClr val="dk1"/>
-                </a:solidFill>
-              </a:defRPr>
-            </a:lvl5pPr>
-            <a:lvl6pPr lvl="5">
-              <a:buNone/>
-              <a:defRPr>
-                <a:solidFill>
-                  <a:schemeClr val="dk1"/>
-                </a:solidFill>
-              </a:defRPr>
-            </a:lvl6pPr>
-            <a:lvl7pPr lvl="6">
-              <a:buNone/>
-              <a:defRPr>
-                <a:solidFill>
-                  <a:schemeClr val="dk1"/>
-                </a:solidFill>
-              </a:defRPr>
-            </a:lvl7pPr>
-            <a:lvl8pPr lvl="7">
-              <a:buNone/>
-              <a:defRPr>
-                <a:solidFill>
-                  <a:schemeClr val="dk1"/>
-                </a:solidFill>
-              </a:defRPr>
-            </a:lvl8pPr>
-            <a:lvl9pPr lvl="8">
-              <a:buNone/>
-              <a:defRPr>
-                <a:solidFill>
-                  <a:schemeClr val="dk1"/>
-                </a:solidFill>
-              </a:defRPr>
-            </a:lvl9pPr>
-          </a:lstStyle>
-          <a:p>
-            <a:pPr indent="0" lvl="0" marL="0" rtl="0" algn="r">
-              <a:spcBef>
-                <a:spcPts val="0"/>
-              </a:spcBef>
-              <a:spcAft>
-                <a:spcPts val="0"/>
-              </a:spcAft>
-              <a:buNone/>
-            </a:pPr>
-            <a:fld id="{00000000-1234-1234-1234-123412341234}" type="slidenum">
-              <a:rPr lang="en"/>
-              <a:t>‹#›</a:t>
-            </a:fld>
-            <a:endParaRPr/>
-          </a:p>
-          <a:p>
-            <a:pPr indent="0" lvl="0" marL="0" rtl="0" algn="r">
-              <a:spcBef>
-                <a:spcPts val="0"/>
-              </a:spcBef>
-              <a:spcAft>
-                <a:spcPts val="0"/>
-              </a:spcAft>
-              <a:buNone/>
-            </a:pPr>
-            <a:r>
-              <a:rPr b="0" lang="en" sz="900" u="sng">
-                <a:solidFill>
-                  <a:schemeClr val="hlink"/>
-                </a:solidFill>
-                <a:hlinkClick r:id="rId2"/>
-              </a:rPr>
-              <a:t>https://profriehle.com</a:t>
-            </a:r>
-            <a:r>
-              <a:rPr b="0" lang="en" sz="900">
-                <a:solidFill>
-                  <a:schemeClr val="dk2"/>
-                </a:solidFill>
-              </a:rPr>
-              <a:t> </a:t>
-            </a:r>
-            <a:endParaRPr>
-              <a:solidFill>
-                <a:schemeClr val="dk2"/>
-              </a:solidFill>
-            </a:endParaRPr>
-          </a:p>
         </p:txBody>
       </p:sp>
       <p:sp>
@@ -7776,6 +7760,144 @@
               <a:t/>
             </a:r>
             <a:endParaRPr/>
+          </a:p>
+        </p:txBody>
+      </p:sp>
+      <p:sp>
+        <p:nvSpPr>
+          <p:cNvPr id="27" name="Google Shape;27;p5"/>
+          <p:cNvSpPr txBox="1"/>
+          <p:nvPr>
+            <p:ph idx="12" type="sldNum"/>
+          </p:nvPr>
+        </p:nvSpPr>
+        <p:spPr>
+          <a:xfrm>
+            <a:off x="7315209" y="4229101"/>
+            <a:ext cx="1828800" cy="914400"/>
+          </a:xfrm>
+          <a:prstGeom prst="rect">
+            <a:avLst/>
+          </a:prstGeom>
+        </p:spPr>
+        <p:txBody>
+          <a:bodyPr anchorCtr="0" anchor="b" bIns="91425" lIns="91425" spcFirstLastPara="1" rIns="91425" wrap="square" tIns="91425">
+            <a:noAutofit/>
+          </a:bodyPr>
+          <a:lstStyle>
+            <a:lvl1pPr lvl="0" rtl="0" algn="r">
+              <a:buNone/>
+              <a:defRPr b="1" sz="2400">
+                <a:solidFill>
+                  <a:schemeClr val="dk1"/>
+                </a:solidFill>
+              </a:defRPr>
+            </a:lvl1pPr>
+            <a:lvl2pPr lvl="1" rtl="0" algn="r">
+              <a:buNone/>
+              <a:defRPr b="1" sz="2400">
+                <a:solidFill>
+                  <a:schemeClr val="dk1"/>
+                </a:solidFill>
+              </a:defRPr>
+            </a:lvl2pPr>
+            <a:lvl3pPr lvl="2" rtl="0" algn="r">
+              <a:buNone/>
+              <a:defRPr b="1" sz="2400">
+                <a:solidFill>
+                  <a:schemeClr val="dk1"/>
+                </a:solidFill>
+              </a:defRPr>
+            </a:lvl3pPr>
+            <a:lvl4pPr lvl="3" rtl="0" algn="r">
+              <a:buNone/>
+              <a:defRPr b="1" sz="2400">
+                <a:solidFill>
+                  <a:schemeClr val="dk1"/>
+                </a:solidFill>
+              </a:defRPr>
+            </a:lvl4pPr>
+            <a:lvl5pPr lvl="4" rtl="0" algn="r">
+              <a:buNone/>
+              <a:defRPr b="1" sz="2400">
+                <a:solidFill>
+                  <a:schemeClr val="dk1"/>
+                </a:solidFill>
+              </a:defRPr>
+            </a:lvl5pPr>
+            <a:lvl6pPr lvl="5" rtl="0" algn="r">
+              <a:buNone/>
+              <a:defRPr b="1" sz="2400">
+                <a:solidFill>
+                  <a:schemeClr val="dk1"/>
+                </a:solidFill>
+              </a:defRPr>
+            </a:lvl6pPr>
+            <a:lvl7pPr lvl="6" rtl="0" algn="r">
+              <a:buNone/>
+              <a:defRPr b="1" sz="2400">
+                <a:solidFill>
+                  <a:schemeClr val="dk1"/>
+                </a:solidFill>
+              </a:defRPr>
+            </a:lvl7pPr>
+            <a:lvl8pPr lvl="7" rtl="0" algn="r">
+              <a:buNone/>
+              <a:defRPr b="1" sz="2400">
+                <a:solidFill>
+                  <a:schemeClr val="dk1"/>
+                </a:solidFill>
+              </a:defRPr>
+            </a:lvl8pPr>
+            <a:lvl9pPr lvl="8" rtl="0" algn="r">
+              <a:buNone/>
+              <a:defRPr b="1" sz="2400">
+                <a:solidFill>
+                  <a:schemeClr val="dk1"/>
+                </a:solidFill>
+              </a:defRPr>
+            </a:lvl9pPr>
+          </a:lstStyle>
+          <a:p>
+            <a:pPr indent="0" lvl="0" marL="0" rtl="0" algn="r">
+              <a:spcBef>
+                <a:spcPts val="0"/>
+              </a:spcBef>
+              <a:spcAft>
+                <a:spcPts val="0"/>
+              </a:spcAft>
+              <a:buNone/>
+            </a:pPr>
+            <a:fld id="{00000000-1234-1234-1234-123412341234}" type="slidenum">
+              <a:rPr lang="en"/>
+              <a:t>‹#›</a:t>
+            </a:fld>
+            <a:endParaRPr/>
+          </a:p>
+          <a:p>
+            <a:pPr indent="0" lvl="0" marL="0" rtl="0" algn="r">
+              <a:spcBef>
+                <a:spcPts val="0"/>
+              </a:spcBef>
+              <a:spcAft>
+                <a:spcPts val="0"/>
+              </a:spcAft>
+              <a:buNone/>
+            </a:pPr>
+            <a:r>
+              <a:rPr b="0" lang="en" sz="1000" u="sng">
+                <a:solidFill>
+                  <a:schemeClr val="hlink"/>
+                </a:solidFill>
+                <a:hlinkClick r:id="rId2"/>
+              </a:rPr>
+              <a:t>uni1.de/nyt</a:t>
+            </a:r>
+            <a:r>
+              <a:rPr b="0" lang="en" sz="1000"/>
+              <a:t> </a:t>
+            </a:r>
+            <a:endParaRPr b="0" sz="1000"/>
           </a:p>
         </p:txBody>
       </p:sp>
@@ -7792,7 +7914,7 @@
   <p:cSld name="TITLE_ONLY">
     <p:spTree>
       <p:nvGrpSpPr>
-        <p:cNvPr id="27" name="Shape 27"/>
+        <p:cNvPr id="28" name="Shape 28"/>
         <p:cNvGrpSpPr/>
         <p:nvPr/>
       </p:nvGrpSpPr>
@@ -7806,7 +7928,7 @@
       </p:grpSpPr>
       <p:sp>
         <p:nvSpPr>
-          <p:cNvPr id="28" name="Google Shape;28;p6"/>
+          <p:cNvPr id="29" name="Google Shape;29;p6"/>
           <p:cNvSpPr txBox="1"/>
           <p:nvPr>
             <p:ph type="title"/>
@@ -7927,152 +8049,6 @@
             </a:lvl9pPr>
           </a:lstStyle>
           <a:p/>
-        </p:txBody>
-      </p:sp>
-      <p:sp>
-        <p:nvSpPr>
-          <p:cNvPr id="29" name="Google Shape;29;p6"/>
-          <p:cNvSpPr txBox="1"/>
-          <p:nvPr>
-            <p:ph idx="12" type="sldNum"/>
-          </p:nvPr>
-        </p:nvSpPr>
-        <p:spPr>
-          <a:xfrm>
-            <a:off x="7315202" y="4416550"/>
-            <a:ext cx="1828800" cy="731400"/>
-          </a:xfrm>
-          <a:prstGeom prst="rect">
-            <a:avLst/>
-          </a:prstGeom>
-        </p:spPr>
-        <p:txBody>
-          <a:bodyPr anchorCtr="0" anchor="b" bIns="91425" lIns="91425" spcFirstLastPara="1" rIns="91425" wrap="square" tIns="91425">
-            <a:noAutofit/>
-          </a:bodyPr>
-          <a:lstStyle>
-            <a:lvl1pPr lvl="0">
-              <a:buNone/>
-              <a:defRPr>
-                <a:solidFill>
-                  <a:schemeClr val="dk1"/>
-                </a:solidFill>
-              </a:defRPr>
-            </a:lvl1pPr>
-            <a:lvl2pPr lvl="1">
-              <a:buNone/>
-              <a:defRPr>
-                <a:solidFill>
-                  <a:schemeClr val="dk1"/>
-                </a:solidFill>
-              </a:defRPr>
-            </a:lvl2pPr>
-            <a:lvl3pPr lvl="2">
-              <a:buNone/>
-              <a:defRPr>
-                <a:solidFill>
-                  <a:schemeClr val="dk1"/>
-                </a:solidFill>
-              </a:defRPr>
-            </a:lvl3pPr>
-            <a:lvl4pPr lvl="3">
-              <a:buNone/>
-              <a:defRPr>
-                <a:solidFill>
-                  <a:schemeClr val="dk1"/>
-                </a:solidFill>
-              </a:defRPr>
-            </a:lvl4pPr>
-            <a:lvl5pPr lvl="4">
-              <a:buNone/>
-              <a:defRPr>
-                <a:solidFill>
-                  <a:schemeClr val="dk1"/>
-                </a:solidFill>
-              </a:defRPr>
-            </a:lvl5pPr>
-            <a:lvl6pPr lvl="5">
-              <a:buNone/>
-              <a:defRPr>
-                <a:solidFill>
-                  <a:schemeClr val="dk1"/>
-                </a:solidFill>
-              </a:defRPr>
-            </a:lvl6pPr>
-            <a:lvl7pPr lvl="6">
-              <a:buNone/>
-              <a:defRPr>
-                <a:solidFill>
-                  <a:schemeClr val="dk1"/>
-                </a:solidFill>
-              </a:defRPr>
-            </a:lvl7pPr>
-            <a:lvl8pPr lvl="7">
-              <a:buNone/>
-              <a:defRPr>
-                <a:solidFill>
-                  <a:schemeClr val="dk1"/>
-                </a:solidFill>
-              </a:defRPr>
-            </a:lvl8pPr>
-            <a:lvl9pPr lvl="8">
-              <a:buNone/>
-              <a:defRPr>
-                <a:solidFill>
-                  <a:schemeClr val="dk1"/>
-                </a:solidFill>
-              </a:defRPr>
-            </a:lvl9pPr>
-          </a:lstStyle>
-          <a:p>
-            <a:pPr indent="0" lvl="0" marL="0" rtl="0" algn="r">
-              <a:spcBef>
-                <a:spcPts val="0"/>
-              </a:spcBef>
-              <a:spcAft>
-                <a:spcPts val="0"/>
-              </a:spcAft>
-              <a:buNone/>
-            </a:pPr>
-            <a:fld id="{00000000-1234-1234-1234-123412341234}" type="slidenum">
-              <a:rPr lang="en"/>
-              <a:t>‹#›</a:t>
-            </a:fld>
-            <a:endParaRPr/>
-          </a:p>
-          <a:p>
-            <a:pPr indent="0" lvl="0" marL="0" rtl="0" algn="r">
-              <a:spcBef>
-                <a:spcPts val="0"/>
-              </a:spcBef>
-              <a:spcAft>
-                <a:spcPts val="0"/>
-              </a:spcAft>
-              <a:buNone/>
-            </a:pPr>
-            <a:r>
-              <a:rPr b="0" lang="en" sz="900" u="sng">
-                <a:solidFill>
-                  <a:schemeClr val="hlink"/>
-                </a:solidFill>
-                <a:hlinkClick r:id="rId2"/>
-              </a:rPr>
-              <a:t>https://profriehle.com</a:t>
-            </a:r>
-            <a:r>
-              <a:rPr b="0" lang="en" sz="900">
-                <a:solidFill>
-                  <a:schemeClr val="dk2"/>
-                </a:solidFill>
-              </a:rPr>
-              <a:t> </a:t>
-            </a:r>
-            <a:endParaRPr>
-              <a:solidFill>
-                <a:schemeClr val="dk2"/>
-              </a:solidFill>
-            </a:endParaRPr>
-          </a:p>
         </p:txBody>
       </p:sp>
       <p:sp>
@@ -8115,6 +8091,144 @@
               <a:t/>
             </a:r>
             <a:endParaRPr/>
+          </a:p>
+        </p:txBody>
+      </p:sp>
+      <p:sp>
+        <p:nvSpPr>
+          <p:cNvPr id="31" name="Google Shape;31;p6"/>
+          <p:cNvSpPr txBox="1"/>
+          <p:nvPr>
+            <p:ph idx="12" type="sldNum"/>
+          </p:nvPr>
+        </p:nvSpPr>
+        <p:spPr>
+          <a:xfrm>
+            <a:off x="7315209" y="4229101"/>
+            <a:ext cx="1828800" cy="914400"/>
+          </a:xfrm>
+          <a:prstGeom prst="rect">
+            <a:avLst/>
+          </a:prstGeom>
+        </p:spPr>
+        <p:txBody>
+          <a:bodyPr anchorCtr="0" anchor="b" bIns="91425" lIns="91425" spcFirstLastPara="1" rIns="91425" wrap="square" tIns="91425">
+            <a:noAutofit/>
+          </a:bodyPr>
+          <a:lstStyle>
+            <a:lvl1pPr lvl="0" rtl="0" algn="r">
+              <a:buNone/>
+              <a:defRPr b="1" sz="2400">
+                <a:solidFill>
+                  <a:schemeClr val="dk1"/>
+                </a:solidFill>
+              </a:defRPr>
+            </a:lvl1pPr>
+            <a:lvl2pPr lvl="1" rtl="0" algn="r">
+              <a:buNone/>
+              <a:defRPr b="1" sz="2400">
+                <a:solidFill>
+                  <a:schemeClr val="dk1"/>
+                </a:solidFill>
+              </a:defRPr>
+            </a:lvl2pPr>
+            <a:lvl3pPr lvl="2" rtl="0" algn="r">
+              <a:buNone/>
+              <a:defRPr b="1" sz="2400">
+                <a:solidFill>
+                  <a:schemeClr val="dk1"/>
+                </a:solidFill>
+              </a:defRPr>
+            </a:lvl3pPr>
+            <a:lvl4pPr lvl="3" rtl="0" algn="r">
+              <a:buNone/>
+              <a:defRPr b="1" sz="2400">
+                <a:solidFill>
+                  <a:schemeClr val="dk1"/>
+                </a:solidFill>
+              </a:defRPr>
+            </a:lvl4pPr>
+            <a:lvl5pPr lvl="4" rtl="0" algn="r">
+              <a:buNone/>
+              <a:defRPr b="1" sz="2400">
+                <a:solidFill>
+                  <a:schemeClr val="dk1"/>
+                </a:solidFill>
+              </a:defRPr>
+            </a:lvl5pPr>
+            <a:lvl6pPr lvl="5" rtl="0" algn="r">
+              <a:buNone/>
+              <a:defRPr b="1" sz="2400">
+                <a:solidFill>
+                  <a:schemeClr val="dk1"/>
+                </a:solidFill>
+              </a:defRPr>
+            </a:lvl6pPr>
+            <a:lvl7pPr lvl="6" rtl="0" algn="r">
+              <a:buNone/>
+              <a:defRPr b="1" sz="2400">
+                <a:solidFill>
+                  <a:schemeClr val="dk1"/>
+                </a:solidFill>
+              </a:defRPr>
+            </a:lvl7pPr>
+            <a:lvl8pPr lvl="7" rtl="0" algn="r">
+              <a:buNone/>
+              <a:defRPr b="1" sz="2400">
+                <a:solidFill>
+                  <a:schemeClr val="dk1"/>
+                </a:solidFill>
+              </a:defRPr>
+            </a:lvl8pPr>
+            <a:lvl9pPr lvl="8" rtl="0" algn="r">
+              <a:buNone/>
+              <a:defRPr b="1" sz="2400">
+                <a:solidFill>
+                  <a:schemeClr val="dk1"/>
+                </a:solidFill>
+              </a:defRPr>
+            </a:lvl9pPr>
+          </a:lstStyle>
+          <a:p>
+            <a:pPr indent="0" lvl="0" marL="0" rtl="0" algn="r">
+              <a:spcBef>
+                <a:spcPts val="0"/>
+              </a:spcBef>
+              <a:spcAft>
+                <a:spcPts val="0"/>
+              </a:spcAft>
+              <a:buNone/>
+            </a:pPr>
+            <a:fld id="{00000000-1234-1234-1234-123412341234}" type="slidenum">
+              <a:rPr lang="en"/>
+              <a:t>‹#›</a:t>
+            </a:fld>
+            <a:endParaRPr/>
+          </a:p>
+          <a:p>
+            <a:pPr indent="0" lvl="0" marL="0" rtl="0" algn="r">
+              <a:spcBef>
+                <a:spcPts val="0"/>
+              </a:spcBef>
+              <a:spcAft>
+                <a:spcPts val="0"/>
+              </a:spcAft>
+              <a:buNone/>
+            </a:pPr>
+            <a:r>
+              <a:rPr b="0" lang="en" sz="1000" u="sng">
+                <a:solidFill>
+                  <a:schemeClr val="hlink"/>
+                </a:solidFill>
+                <a:hlinkClick r:id="rId2"/>
+              </a:rPr>
+              <a:t>uni1.de/nyt</a:t>
+            </a:r>
+            <a:r>
+              <a:rPr b="0" lang="en" sz="1000"/>
+              <a:t> </a:t>
+            </a:r>
+            <a:endParaRPr b="0" sz="1000"/>
           </a:p>
         </p:txBody>
       </p:sp>
@@ -8131,7 +8245,7 @@
   <p:cSld name="BLANK">
     <p:spTree>
       <p:nvGrpSpPr>
-        <p:cNvPr id="31" name="Shape 31"/>
+        <p:cNvPr id="32" name="Shape 32"/>
         <p:cNvGrpSpPr/>
         <p:nvPr/>
       </p:nvGrpSpPr>
@@ -8596,8 +8710,8 @@
         </p:nvSpPr>
         <p:spPr>
           <a:xfrm>
-            <a:off x="7315202" y="4416550"/>
-            <a:ext cx="1828800" cy="731400"/>
+            <a:off x="7315209" y="4229101"/>
+            <a:ext cx="1828800" cy="914400"/>
           </a:xfrm>
           <a:prstGeom prst="rect">
             <a:avLst/>
@@ -8616,7 +8730,7 @@
               <a:buNone/>
               <a:defRPr b="1" sz="2400">
                 <a:solidFill>
-                  <a:schemeClr val="dk2"/>
+                  <a:schemeClr val="dk1"/>
                 </a:solidFill>
               </a:defRPr>
             </a:lvl1pPr>
@@ -8624,7 +8738,7 @@
               <a:buNone/>
               <a:defRPr b="1" sz="2400">
                 <a:solidFill>
-                  <a:schemeClr val="dk2"/>
+                  <a:schemeClr val="dk1"/>
                 </a:solidFill>
               </a:defRPr>
             </a:lvl2pPr>
@@ -8632,7 +8746,7 @@
               <a:buNone/>
               <a:defRPr b="1" sz="2400">
                 <a:solidFill>
-                  <a:schemeClr val="dk2"/>
+                  <a:schemeClr val="dk1"/>
                 </a:solidFill>
               </a:defRPr>
             </a:lvl3pPr>
@@ -8640,7 +8754,7 @@
               <a:buNone/>
               <a:defRPr b="1" sz="2400">
                 <a:solidFill>
-                  <a:schemeClr val="dk2"/>
+                  <a:schemeClr val="dk1"/>
                 </a:solidFill>
               </a:defRPr>
             </a:lvl4pPr>
@@ -8648,7 +8762,7 @@
               <a:buNone/>
               <a:defRPr b="1" sz="2400">
                 <a:solidFill>
-                  <a:schemeClr val="dk2"/>
+                  <a:schemeClr val="dk1"/>
                 </a:solidFill>
               </a:defRPr>
             </a:lvl5pPr>
@@ -8656,7 +8770,7 @@
               <a:buNone/>
               <a:defRPr b="1" sz="2400">
                 <a:solidFill>
-                  <a:schemeClr val="dk2"/>
+                  <a:schemeClr val="dk1"/>
                 </a:solidFill>
               </a:defRPr>
             </a:lvl6pPr>
@@ -8664,7 +8778,7 @@
               <a:buNone/>
               <a:defRPr b="1" sz="2400">
                 <a:solidFill>
-                  <a:schemeClr val="dk2"/>
+                  <a:schemeClr val="dk1"/>
                 </a:solidFill>
               </a:defRPr>
             </a:lvl7pPr>
@@ -8672,7 +8786,7 @@
               <a:buNone/>
               <a:defRPr b="1" sz="2400">
                 <a:solidFill>
-                  <a:schemeClr val="dk2"/>
+                  <a:schemeClr val="dk1"/>
                 </a:solidFill>
               </a:defRPr>
             </a:lvl8pPr>
@@ -8680,7 +8794,7 @@
               <a:buNone/>
               <a:defRPr b="1" sz="2400">
                 <a:solidFill>
-                  <a:schemeClr val="dk2"/>
+                  <a:schemeClr val="dk1"/>
                 </a:solidFill>
               </a:defRPr>
             </a:lvl9pPr>
@@ -8712,19 +8826,19 @@
               <a:buNone/>
             </a:pPr>
             <a:r>
-              <a:rPr b="0" lang="en" sz="900" u="sng">
+              <a:rPr b="0" lang="en" sz="1000" u="sng">
                 <a:solidFill>
                   <a:schemeClr val="hlink"/>
                 </a:solidFill>
                 <a:hlinkClick r:id="rId1"/>
               </a:rPr>
-              <a:t>https://profriehle.com</a:t>
-            </a:r>
-            <a:r>
-              <a:rPr b="0" lang="en" sz="900"/>
+              <a:t>uni1.de/nyt</a:t>
+            </a:r>
+            <a:r>
+              <a:rPr b="0" lang="en" sz="1000"/>
               <a:t> </a:t>
             </a:r>
-            <a:endParaRPr b="0" sz="900"/>
+            <a:endParaRPr b="0" sz="1000"/>
           </a:p>
         </p:txBody>
       </p:sp>
@@ -9437,7 +9551,7 @@
   <p:cSld>
     <p:spTree>
       <p:nvGrpSpPr>
-        <p:cNvPr id="35" name="Shape 35"/>
+        <p:cNvPr id="36" name="Shape 36"/>
         <p:cNvGrpSpPr/>
         <p:nvPr/>
       </p:nvGrpSpPr>
@@ -9451,7 +9565,7 @@
       </p:grpSpPr>
       <p:sp>
         <p:nvSpPr>
-          <p:cNvPr id="36" name="Google Shape;36;p8"/>
+          <p:cNvPr id="37" name="Google Shape;37;p8"/>
           <p:cNvSpPr txBox="1"/>
           <p:nvPr>
             <p:ph type="ctrTitle"/>
@@ -9491,7 +9605,7 @@
       </p:sp>
       <p:sp>
         <p:nvSpPr>
-          <p:cNvPr id="37" name="Google Shape;37;p8"/>
+          <p:cNvPr id="38" name="Google Shape;38;p8"/>
           <p:cNvSpPr txBox="1"/>
           <p:nvPr>
             <p:ph idx="1" type="subTitle"/>
@@ -9598,7 +9712,7 @@
   <p:cSld>
     <p:spTree>
       <p:nvGrpSpPr>
-        <p:cNvPr id="96" name="Shape 96"/>
+        <p:cNvPr id="97" name="Shape 97"/>
         <p:cNvGrpSpPr/>
         <p:nvPr/>
       </p:nvGrpSpPr>
@@ -9612,7 +9726,7 @@
       </p:grpSpPr>
       <p:sp>
         <p:nvSpPr>
-          <p:cNvPr id="97" name="Google Shape;97;p17"/>
+          <p:cNvPr id="98" name="Google Shape;98;p17"/>
           <p:cNvSpPr txBox="1"/>
           <p:nvPr>
             <p:ph type="title"/>
@@ -9652,7 +9766,7 @@
       </p:sp>
       <p:sp>
         <p:nvSpPr>
-          <p:cNvPr id="98" name="Google Shape;98;p17"/>
+          <p:cNvPr id="99" name="Google Shape;99;p17"/>
           <p:cNvSpPr txBox="1"/>
           <p:nvPr>
             <p:ph idx="1" type="body"/>
@@ -9750,7 +9864,7 @@
       </p:sp>
       <p:sp>
         <p:nvSpPr>
-          <p:cNvPr id="99" name="Google Shape;99;p17"/>
+          <p:cNvPr id="100" name="Google Shape;100;p17"/>
           <p:cNvSpPr txBox="1"/>
           <p:nvPr>
             <p:ph idx="12" type="sldNum"/>
@@ -9758,8 +9872,8 @@
         </p:nvSpPr>
         <p:spPr>
           <a:xfrm>
-            <a:off x="7315202" y="4416550"/>
-            <a:ext cx="1828800" cy="731400"/>
+            <a:off x="7315209" y="4229101"/>
+            <a:ext cx="1828800" cy="914400"/>
           </a:xfrm>
           <a:prstGeom prst="rect">
             <a:avLst/>
@@ -9797,27 +9911,19 @@
               <a:buNone/>
             </a:pPr>
             <a:r>
-              <a:rPr b="0" lang="en" sz="900" u="sng">
+              <a:rPr b="0" lang="en" sz="1000" u="sng">
                 <a:solidFill>
                   <a:schemeClr val="hlink"/>
                 </a:solidFill>
                 <a:hlinkClick r:id="rId3"/>
               </a:rPr>
-              <a:t>https://profriehle.com</a:t>
-            </a:r>
-            <a:r>
-              <a:rPr b="0" lang="en" sz="900">
-                <a:solidFill>
-                  <a:schemeClr val="dk2"/>
-                </a:solidFill>
-              </a:rPr>
+              <a:t>uni1.de/nyt</a:t>
+            </a:r>
+            <a:r>
+              <a:rPr b="0" lang="en" sz="1000"/>
               <a:t> </a:t>
             </a:r>
-            <a:endParaRPr b="0" sz="900">
-              <a:solidFill>
-                <a:schemeClr val="dk2"/>
-              </a:solidFill>
-            </a:endParaRPr>
+            <a:endParaRPr b="0" sz="1000"/>
           </a:p>
         </p:txBody>
       </p:sp>
@@ -9834,7 +9940,7 @@
   <p:cSld>
     <p:spTree>
       <p:nvGrpSpPr>
-        <p:cNvPr id="103" name="Shape 103"/>
+        <p:cNvPr id="104" name="Shape 104"/>
         <p:cNvGrpSpPr/>
         <p:nvPr/>
       </p:nvGrpSpPr>
@@ -9848,7 +9954,7 @@
       </p:grpSpPr>
       <p:sp>
         <p:nvSpPr>
-          <p:cNvPr id="104" name="Google Shape;104;p18"/>
+          <p:cNvPr id="105" name="Google Shape;105;p18"/>
           <p:cNvSpPr txBox="1"/>
           <p:nvPr>
             <p:ph type="title"/>
@@ -9899,7 +10005,7 @@
   <p:cSld>
     <p:spTree>
       <p:nvGrpSpPr>
-        <p:cNvPr id="108" name="Shape 108"/>
+        <p:cNvPr id="109" name="Shape 109"/>
         <p:cNvGrpSpPr/>
         <p:nvPr/>
       </p:nvGrpSpPr>
@@ -9913,7 +10019,7 @@
       </p:grpSpPr>
       <p:sp>
         <p:nvSpPr>
-          <p:cNvPr id="109" name="Google Shape;109;p19"/>
+          <p:cNvPr id="110" name="Google Shape;110;p19"/>
           <p:cNvSpPr txBox="1"/>
           <p:nvPr>
             <p:ph idx="1" type="body"/>
@@ -9969,7 +10075,7 @@
           <a:p>
             <a:pPr indent="-342900" lvl="0" marL="457200" rtl="0" algn="l">
               <a:spcBef>
-                <a:spcPts val="0"/>
+                <a:spcPts val="1000"/>
               </a:spcBef>
               <a:spcAft>
                 <a:spcPts val="0"/>
@@ -10140,7 +10246,7 @@
       </p:sp>
       <p:sp>
         <p:nvSpPr>
-          <p:cNvPr id="110" name="Google Shape;110;p19"/>
+          <p:cNvPr id="111" name="Google Shape;111;p19"/>
           <p:cNvSpPr txBox="1"/>
           <p:nvPr>
             <p:ph type="title"/>
@@ -10180,7 +10286,7 @@
       </p:sp>
       <p:sp>
         <p:nvSpPr>
-          <p:cNvPr id="111" name="Google Shape;111;p19"/>
+          <p:cNvPr id="112" name="Google Shape;112;p19"/>
           <p:cNvSpPr txBox="1"/>
           <p:nvPr>
             <p:ph idx="12" type="sldNum"/>
@@ -10188,8 +10294,8 @@
         </p:nvSpPr>
         <p:spPr>
           <a:xfrm>
-            <a:off x="7315202" y="4416550"/>
-            <a:ext cx="1828800" cy="731400"/>
+            <a:off x="7315209" y="4229101"/>
+            <a:ext cx="1828800" cy="914400"/>
           </a:xfrm>
           <a:prstGeom prst="rect">
             <a:avLst/>
@@ -10227,33 +10333,25 @@
               <a:buNone/>
             </a:pPr>
             <a:r>
-              <a:rPr b="0" lang="en" sz="900" u="sng">
+              <a:rPr b="0" lang="en" sz="1000" u="sng">
                 <a:solidFill>
                   <a:schemeClr val="hlink"/>
                 </a:solidFill>
                 <a:hlinkClick r:id="rId3"/>
               </a:rPr>
-              <a:t>https://profriehle.com</a:t>
-            </a:r>
-            <a:r>
-              <a:rPr b="0" lang="en" sz="900">
-                <a:solidFill>
-                  <a:schemeClr val="dk2"/>
-                </a:solidFill>
-              </a:rPr>
+              <a:t>uni1.de/nyt</a:t>
+            </a:r>
+            <a:r>
+              <a:rPr b="0" lang="en" sz="1000"/>
               <a:t> </a:t>
             </a:r>
-            <a:endParaRPr b="0" sz="900">
-              <a:solidFill>
-                <a:schemeClr val="dk2"/>
-              </a:solidFill>
-            </a:endParaRPr>
+            <a:endParaRPr b="0" sz="1000"/>
           </a:p>
         </p:txBody>
       </p:sp>
       <p:pic>
         <p:nvPicPr>
-          <p:cNvPr id="112" name="Google Shape;112;p19"/>
+          <p:cNvPr id="113" name="Google Shape;113;p19"/>
           <p:cNvPicPr preferRelativeResize="0"/>
           <p:nvPr/>
         </p:nvPicPr>
@@ -10292,7 +10390,7 @@
   <p:cSld>
     <p:spTree>
       <p:nvGrpSpPr>
-        <p:cNvPr id="116" name="Shape 116"/>
+        <p:cNvPr id="117" name="Shape 117"/>
         <p:cNvGrpSpPr/>
         <p:nvPr/>
       </p:nvGrpSpPr>
@@ -10306,7 +10404,7 @@
       </p:grpSpPr>
       <p:sp>
         <p:nvSpPr>
-          <p:cNvPr id="117" name="Google Shape;117;p20"/>
+          <p:cNvPr id="118" name="Google Shape;118;p20"/>
           <p:cNvSpPr txBox="1"/>
           <p:nvPr>
             <p:ph idx="1" type="body"/>
@@ -10467,7 +10565,7 @@
       </p:sp>
       <p:sp>
         <p:nvSpPr>
-          <p:cNvPr id="118" name="Google Shape;118;p20"/>
+          <p:cNvPr id="119" name="Google Shape;119;p20"/>
           <p:cNvSpPr txBox="1"/>
           <p:nvPr>
             <p:ph type="title"/>
@@ -10507,7 +10605,7 @@
       </p:sp>
       <p:sp>
         <p:nvSpPr>
-          <p:cNvPr id="119" name="Google Shape;119;p20"/>
+          <p:cNvPr id="120" name="Google Shape;120;p20"/>
           <p:cNvSpPr txBox="1"/>
           <p:nvPr>
             <p:ph idx="12" type="sldNum"/>
@@ -10515,8 +10613,8 @@
         </p:nvSpPr>
         <p:spPr>
           <a:xfrm>
-            <a:off x="7315202" y="4416550"/>
-            <a:ext cx="1828800" cy="731400"/>
+            <a:off x="7315209" y="4229101"/>
+            <a:ext cx="1828800" cy="914400"/>
           </a:xfrm>
           <a:prstGeom prst="rect">
             <a:avLst/>
@@ -10554,27 +10652,19 @@
               <a:buNone/>
             </a:pPr>
             <a:r>
-              <a:rPr b="0" lang="en" sz="900" u="sng">
+              <a:rPr b="0" lang="en" sz="1000" u="sng">
                 <a:solidFill>
                   <a:schemeClr val="hlink"/>
                 </a:solidFill>
                 <a:hlinkClick r:id="rId3"/>
               </a:rPr>
-              <a:t>https://profriehle.com</a:t>
-            </a:r>
-            <a:r>
-              <a:rPr b="0" lang="en" sz="900">
-                <a:solidFill>
-                  <a:schemeClr val="dk2"/>
-                </a:solidFill>
-              </a:rPr>
+              <a:t>uni1.de/nyt</a:t>
+            </a:r>
+            <a:r>
+              <a:rPr b="0" lang="en" sz="1000"/>
               <a:t> </a:t>
             </a:r>
-            <a:endParaRPr b="0" sz="900">
-              <a:solidFill>
-                <a:schemeClr val="dk2"/>
-              </a:solidFill>
-            </a:endParaRPr>
+            <a:endParaRPr b="0" sz="1000"/>
           </a:p>
         </p:txBody>
       </p:sp>
@@ -10591,7 +10681,7 @@
   <p:cSld>
     <p:spTree>
       <p:nvGrpSpPr>
-        <p:cNvPr id="123" name="Shape 123"/>
+        <p:cNvPr id="124" name="Shape 124"/>
         <p:cNvGrpSpPr/>
         <p:nvPr/>
       </p:nvGrpSpPr>
@@ -10605,7 +10695,7 @@
       </p:grpSpPr>
       <p:pic>
         <p:nvPicPr>
-          <p:cNvPr id="124" name="Google Shape;124;p21"/>
+          <p:cNvPr id="125" name="Google Shape;125;p21"/>
           <p:cNvPicPr preferRelativeResize="0"/>
           <p:nvPr/>
         </p:nvPicPr>
@@ -10633,7 +10723,7 @@
       </p:pic>
       <p:sp>
         <p:nvSpPr>
-          <p:cNvPr id="125" name="Google Shape;125;p21"/>
+          <p:cNvPr id="126" name="Google Shape;126;p21"/>
           <p:cNvSpPr txBox="1"/>
           <p:nvPr>
             <p:ph idx="1" type="body"/>
@@ -10673,7 +10763,7 @@
       </p:sp>
       <p:sp>
         <p:nvSpPr>
-          <p:cNvPr id="126" name="Google Shape;126;p21"/>
+          <p:cNvPr id="127" name="Google Shape;127;p21"/>
           <p:cNvSpPr txBox="1"/>
           <p:nvPr>
             <p:ph type="title"/>
@@ -10713,7 +10803,7 @@
       </p:sp>
       <p:sp>
         <p:nvSpPr>
-          <p:cNvPr id="127" name="Google Shape;127;p21"/>
+          <p:cNvPr id="128" name="Google Shape;128;p21"/>
           <p:cNvSpPr txBox="1"/>
           <p:nvPr>
             <p:ph idx="12" type="sldNum"/>
@@ -10721,8 +10811,8 @@
         </p:nvSpPr>
         <p:spPr>
           <a:xfrm>
-            <a:off x="7315202" y="4416550"/>
-            <a:ext cx="1828800" cy="731400"/>
+            <a:off x="7315209" y="4229101"/>
+            <a:ext cx="1828800" cy="914400"/>
           </a:xfrm>
           <a:prstGeom prst="rect">
             <a:avLst/>
@@ -10760,33 +10850,25 @@
               <a:buNone/>
             </a:pPr>
             <a:r>
-              <a:rPr b="0" lang="en" sz="900" u="sng">
+              <a:rPr b="0" lang="en" sz="1000" u="sng">
                 <a:solidFill>
                   <a:schemeClr val="hlink"/>
                 </a:solidFill>
                 <a:hlinkClick r:id="rId4"/>
               </a:rPr>
-              <a:t>https://profriehle.com</a:t>
-            </a:r>
-            <a:r>
-              <a:rPr b="0" lang="en" sz="900">
-                <a:solidFill>
-                  <a:schemeClr val="dk2"/>
-                </a:solidFill>
-              </a:rPr>
+              <a:t>uni1.de/nyt</a:t>
+            </a:r>
+            <a:r>
+              <a:rPr b="0" lang="en" sz="1000"/>
               <a:t> </a:t>
             </a:r>
-            <a:endParaRPr b="0" sz="900">
-              <a:solidFill>
-                <a:schemeClr val="dk2"/>
-              </a:solidFill>
-            </a:endParaRPr>
+            <a:endParaRPr b="0" sz="1000"/>
           </a:p>
         </p:txBody>
       </p:sp>
       <p:sp>
         <p:nvSpPr>
-          <p:cNvPr id="128" name="Google Shape;128;p21"/>
+          <p:cNvPr id="129" name="Google Shape;129;p21"/>
           <p:cNvSpPr/>
           <p:nvPr/>
         </p:nvSpPr>
@@ -10844,7 +10926,7 @@
   <p:cSld>
     <p:spTree>
       <p:nvGrpSpPr>
-        <p:cNvPr id="132" name="Shape 132"/>
+        <p:cNvPr id="133" name="Shape 133"/>
         <p:cNvGrpSpPr/>
         <p:nvPr/>
       </p:nvGrpSpPr>
@@ -10858,7 +10940,7 @@
       </p:grpSpPr>
       <p:sp>
         <p:nvSpPr>
-          <p:cNvPr id="133" name="Google Shape;133;p22"/>
+          <p:cNvPr id="134" name="Google Shape;134;p22"/>
           <p:cNvSpPr txBox="1"/>
           <p:nvPr>
             <p:ph type="title"/>
@@ -10906,7 +10988,7 @@
       </p:sp>
       <p:sp>
         <p:nvSpPr>
-          <p:cNvPr id="134" name="Google Shape;134;p22"/>
+          <p:cNvPr id="135" name="Google Shape;135;p22"/>
           <p:cNvSpPr txBox="1"/>
           <p:nvPr>
             <p:ph idx="1" type="body"/>
@@ -11030,7 +11112,7 @@
       </p:sp>
       <p:sp>
         <p:nvSpPr>
-          <p:cNvPr id="135" name="Google Shape;135;p22"/>
+          <p:cNvPr id="136" name="Google Shape;136;p22"/>
           <p:cNvSpPr txBox="1"/>
           <p:nvPr>
             <p:ph idx="12" type="sldNum"/>
@@ -11038,8 +11120,8 @@
         </p:nvSpPr>
         <p:spPr>
           <a:xfrm>
-            <a:off x="7315202" y="4416550"/>
-            <a:ext cx="1828800" cy="731400"/>
+            <a:off x="7315209" y="4229101"/>
+            <a:ext cx="1828800" cy="914400"/>
           </a:xfrm>
           <a:prstGeom prst="rect">
             <a:avLst/>
@@ -11077,27 +11159,19 @@
               <a:buNone/>
             </a:pPr>
             <a:r>
-              <a:rPr b="0" lang="en" sz="900" u="sng">
+              <a:rPr b="0" lang="en" sz="1000" u="sng">
                 <a:solidFill>
                   <a:schemeClr val="hlink"/>
                 </a:solidFill>
                 <a:hlinkClick r:id="rId3"/>
               </a:rPr>
-              <a:t>https://profriehle.com</a:t>
-            </a:r>
-            <a:r>
-              <a:rPr b="0" lang="en" sz="900">
-                <a:solidFill>
-                  <a:schemeClr val="dk2"/>
-                </a:solidFill>
-              </a:rPr>
+              <a:t>uni1.de/nyt</a:t>
+            </a:r>
+            <a:r>
+              <a:rPr b="0" lang="en" sz="1000"/>
               <a:t> </a:t>
             </a:r>
-            <a:endParaRPr b="0" sz="900">
-              <a:solidFill>
-                <a:schemeClr val="dk2"/>
-              </a:solidFill>
-            </a:endParaRPr>
+            <a:endParaRPr b="0" sz="1000"/>
           </a:p>
         </p:txBody>
       </p:sp>
@@ -11114,7 +11188,7 @@
   <p:cSld>
     <p:spTree>
       <p:nvGrpSpPr>
-        <p:cNvPr id="139" name="Shape 139"/>
+        <p:cNvPr id="140" name="Shape 140"/>
         <p:cNvGrpSpPr/>
         <p:nvPr/>
       </p:nvGrpSpPr>
@@ -11128,7 +11202,7 @@
       </p:grpSpPr>
       <p:sp>
         <p:nvSpPr>
-          <p:cNvPr id="140" name="Google Shape;140;p23"/>
+          <p:cNvPr id="141" name="Google Shape;141;p23"/>
           <p:cNvSpPr txBox="1"/>
           <p:nvPr>
             <p:ph idx="1" type="body"/>
@@ -11273,7 +11347,7 @@
       </p:sp>
       <p:sp>
         <p:nvSpPr>
-          <p:cNvPr id="141" name="Google Shape;141;p23"/>
+          <p:cNvPr id="142" name="Google Shape;142;p23"/>
           <p:cNvSpPr txBox="1"/>
           <p:nvPr>
             <p:ph type="title"/>
@@ -11313,7 +11387,7 @@
       </p:sp>
       <p:sp>
         <p:nvSpPr>
-          <p:cNvPr id="142" name="Google Shape;142;p23"/>
+          <p:cNvPr id="143" name="Google Shape;143;p23"/>
           <p:cNvSpPr txBox="1"/>
           <p:nvPr>
             <p:ph idx="12" type="sldNum"/>
@@ -11321,8 +11395,8 @@
         </p:nvSpPr>
         <p:spPr>
           <a:xfrm>
-            <a:off x="7315202" y="4416550"/>
-            <a:ext cx="1828800" cy="731400"/>
+            <a:off x="7315209" y="4229101"/>
+            <a:ext cx="1828800" cy="914400"/>
           </a:xfrm>
           <a:prstGeom prst="rect">
             <a:avLst/>
@@ -11360,27 +11434,19 @@
               <a:buNone/>
             </a:pPr>
             <a:r>
-              <a:rPr b="0" lang="en" sz="900" u="sng">
+              <a:rPr b="0" lang="en" sz="1000" u="sng">
                 <a:solidFill>
                   <a:schemeClr val="hlink"/>
                 </a:solidFill>
                 <a:hlinkClick r:id="rId3"/>
               </a:rPr>
-              <a:t>https://profriehle.com</a:t>
-            </a:r>
-            <a:r>
-              <a:rPr b="0" lang="en" sz="900">
-                <a:solidFill>
-                  <a:schemeClr val="dk2"/>
-                </a:solidFill>
-              </a:rPr>
+              <a:t>uni1.de/nyt</a:t>
+            </a:r>
+            <a:r>
+              <a:rPr b="0" lang="en" sz="1000"/>
               <a:t> </a:t>
             </a:r>
-            <a:endParaRPr b="0" sz="900">
-              <a:solidFill>
-                <a:schemeClr val="dk2"/>
-              </a:solidFill>
-            </a:endParaRPr>
+            <a:endParaRPr b="0" sz="1000"/>
           </a:p>
         </p:txBody>
       </p:sp>
@@ -11397,7 +11463,7 @@
   <p:cSld>
     <p:spTree>
       <p:nvGrpSpPr>
-        <p:cNvPr id="146" name="Shape 146"/>
+        <p:cNvPr id="147" name="Shape 147"/>
         <p:cNvGrpSpPr/>
         <p:nvPr/>
       </p:nvGrpSpPr>
@@ -11411,7 +11477,7 @@
       </p:grpSpPr>
       <p:sp>
         <p:nvSpPr>
-          <p:cNvPr id="147" name="Google Shape;147;p24"/>
+          <p:cNvPr id="148" name="Google Shape;148;p24"/>
           <p:cNvSpPr txBox="1"/>
           <p:nvPr>
             <p:ph type="title"/>
@@ -11451,7 +11517,7 @@
       </p:sp>
       <p:sp>
         <p:nvSpPr>
-          <p:cNvPr id="148" name="Google Shape;148;p24"/>
+          <p:cNvPr id="149" name="Google Shape;149;p24"/>
           <p:cNvSpPr txBox="1"/>
           <p:nvPr>
             <p:ph idx="1" type="body"/>
@@ -11574,7 +11640,7 @@
       </p:sp>
       <p:sp>
         <p:nvSpPr>
-          <p:cNvPr id="149" name="Google Shape;149;p24"/>
+          <p:cNvPr id="150" name="Google Shape;150;p24"/>
           <p:cNvSpPr txBox="1"/>
           <p:nvPr>
             <p:ph idx="12" type="sldNum"/>
@@ -11582,8 +11648,8 @@
         </p:nvSpPr>
         <p:spPr>
           <a:xfrm>
-            <a:off x="7315202" y="4416550"/>
-            <a:ext cx="1828800" cy="731400"/>
+            <a:off x="7315209" y="4229101"/>
+            <a:ext cx="1828800" cy="914400"/>
           </a:xfrm>
           <a:prstGeom prst="rect">
             <a:avLst/>
@@ -11621,27 +11687,19 @@
               <a:buNone/>
             </a:pPr>
             <a:r>
-              <a:rPr b="0" lang="en" sz="900" u="sng">
+              <a:rPr b="0" lang="en" sz="1000" u="sng">
                 <a:solidFill>
                   <a:schemeClr val="hlink"/>
                 </a:solidFill>
                 <a:hlinkClick r:id="rId3"/>
               </a:rPr>
-              <a:t>https://profriehle.com</a:t>
-            </a:r>
-            <a:r>
-              <a:rPr b="0" lang="en" sz="900">
-                <a:solidFill>
-                  <a:schemeClr val="dk2"/>
-                </a:solidFill>
-              </a:rPr>
+              <a:t>uni1.de/nyt</a:t>
+            </a:r>
+            <a:r>
+              <a:rPr b="0" lang="en" sz="1000"/>
               <a:t> </a:t>
             </a:r>
-            <a:endParaRPr b="0" sz="900">
-              <a:solidFill>
-                <a:schemeClr val="dk2"/>
-              </a:solidFill>
-            </a:endParaRPr>
+            <a:endParaRPr b="0" sz="1000"/>
           </a:p>
         </p:txBody>
       </p:sp>
@@ -11658,7 +11716,7 @@
   <p:cSld>
     <p:spTree>
       <p:nvGrpSpPr>
-        <p:cNvPr id="153" name="Shape 153"/>
+        <p:cNvPr id="154" name="Shape 154"/>
         <p:cNvGrpSpPr/>
         <p:nvPr/>
       </p:nvGrpSpPr>
@@ -11672,7 +11730,7 @@
       </p:grpSpPr>
       <p:sp>
         <p:nvSpPr>
-          <p:cNvPr id="154" name="Google Shape;154;p25"/>
+          <p:cNvPr id="155" name="Google Shape;155;p25"/>
           <p:cNvSpPr txBox="1"/>
           <p:nvPr>
             <p:ph type="title"/>
@@ -11712,7 +11770,7 @@
       </p:sp>
       <p:sp>
         <p:nvSpPr>
-          <p:cNvPr id="155" name="Google Shape;155;p25"/>
+          <p:cNvPr id="156" name="Google Shape;156;p25"/>
           <p:cNvSpPr txBox="1"/>
           <p:nvPr>
             <p:ph idx="1" type="body"/>
@@ -11851,7 +11909,7 @@
       </p:sp>
       <p:sp>
         <p:nvSpPr>
-          <p:cNvPr id="156" name="Google Shape;156;p25"/>
+          <p:cNvPr id="157" name="Google Shape;157;p25"/>
           <p:cNvSpPr txBox="1"/>
           <p:nvPr>
             <p:ph idx="12" type="sldNum"/>
@@ -11859,8 +11917,8 @@
         </p:nvSpPr>
         <p:spPr>
           <a:xfrm>
-            <a:off x="7315202" y="4416550"/>
-            <a:ext cx="1828800" cy="731400"/>
+            <a:off x="7315209" y="4229101"/>
+            <a:ext cx="1828800" cy="914400"/>
           </a:xfrm>
           <a:prstGeom prst="rect">
             <a:avLst/>
@@ -11898,33 +11956,25 @@
               <a:buNone/>
             </a:pPr>
             <a:r>
-              <a:rPr b="0" lang="en" sz="900" u="sng">
+              <a:rPr b="0" lang="en" sz="1000" u="sng">
                 <a:solidFill>
                   <a:schemeClr val="hlink"/>
                 </a:solidFill>
                 <a:hlinkClick r:id="rId3"/>
               </a:rPr>
-              <a:t>https://profriehle.com</a:t>
-            </a:r>
-            <a:r>
-              <a:rPr b="0" lang="en" sz="900">
-                <a:solidFill>
-                  <a:schemeClr val="dk2"/>
-                </a:solidFill>
-              </a:rPr>
+              <a:t>uni1.de/nyt</a:t>
+            </a:r>
+            <a:r>
+              <a:rPr b="0" lang="en" sz="1000"/>
               <a:t> </a:t>
             </a:r>
-            <a:endParaRPr b="0" sz="900">
-              <a:solidFill>
-                <a:schemeClr val="dk2"/>
-              </a:solidFill>
-            </a:endParaRPr>
+            <a:endParaRPr b="0" sz="1000"/>
           </a:p>
         </p:txBody>
       </p:sp>
       <p:sp>
         <p:nvSpPr>
-          <p:cNvPr id="157" name="Google Shape;157;p25"/>
+          <p:cNvPr id="158" name="Google Shape;158;p25"/>
           <p:cNvSpPr txBox="1"/>
           <p:nvPr/>
         </p:nvSpPr>
@@ -11977,7 +12027,7 @@
   <p:cSld>
     <p:spTree>
       <p:nvGrpSpPr>
-        <p:cNvPr id="161" name="Shape 161"/>
+        <p:cNvPr id="162" name="Shape 162"/>
         <p:cNvGrpSpPr/>
         <p:nvPr/>
       </p:nvGrpSpPr>
@@ -11991,7 +12041,7 @@
       </p:grpSpPr>
       <p:sp>
         <p:nvSpPr>
-          <p:cNvPr id="162" name="Google Shape;162;p26"/>
+          <p:cNvPr id="163" name="Google Shape;163;p26"/>
           <p:cNvSpPr txBox="1"/>
           <p:nvPr>
             <p:ph idx="1" type="body"/>
@@ -12149,7 +12199,7 @@
       </p:sp>
       <p:sp>
         <p:nvSpPr>
-          <p:cNvPr id="163" name="Google Shape;163;p26"/>
+          <p:cNvPr id="164" name="Google Shape;164;p26"/>
           <p:cNvSpPr txBox="1"/>
           <p:nvPr>
             <p:ph type="title"/>
@@ -12189,7 +12239,7 @@
       </p:sp>
       <p:sp>
         <p:nvSpPr>
-          <p:cNvPr id="164" name="Google Shape;164;p26"/>
+          <p:cNvPr id="165" name="Google Shape;165;p26"/>
           <p:cNvSpPr txBox="1"/>
           <p:nvPr>
             <p:ph idx="12" type="sldNum"/>
@@ -12197,8 +12247,8 @@
         </p:nvSpPr>
         <p:spPr>
           <a:xfrm>
-            <a:off x="7315202" y="4416550"/>
-            <a:ext cx="1828800" cy="731400"/>
+            <a:off x="7315209" y="4229101"/>
+            <a:ext cx="1828800" cy="914400"/>
           </a:xfrm>
           <a:prstGeom prst="rect">
             <a:avLst/>
@@ -12236,27 +12286,19 @@
               <a:buNone/>
             </a:pPr>
             <a:r>
-              <a:rPr b="0" lang="en" sz="900" u="sng">
+              <a:rPr b="0" lang="en" sz="1000" u="sng">
                 <a:solidFill>
                   <a:schemeClr val="hlink"/>
                 </a:solidFill>
                 <a:hlinkClick r:id="rId3"/>
               </a:rPr>
-              <a:t>https://profriehle.com</a:t>
-            </a:r>
-            <a:r>
-              <a:rPr b="0" lang="en" sz="900">
-                <a:solidFill>
-                  <a:schemeClr val="dk2"/>
-                </a:solidFill>
-              </a:rPr>
+              <a:t>uni1.de/nyt</a:t>
+            </a:r>
+            <a:r>
+              <a:rPr b="0" lang="en" sz="1000"/>
               <a:t> </a:t>
             </a:r>
-            <a:endParaRPr b="0" sz="900">
-              <a:solidFill>
-                <a:schemeClr val="dk2"/>
-              </a:solidFill>
-            </a:endParaRPr>
+            <a:endParaRPr b="0" sz="1000"/>
           </a:p>
         </p:txBody>
       </p:sp>
@@ -12273,7 +12315,7 @@
   <p:cSld>
     <p:spTree>
       <p:nvGrpSpPr>
-        <p:cNvPr id="41" name="Shape 41"/>
+        <p:cNvPr id="42" name="Shape 42"/>
         <p:cNvGrpSpPr/>
         <p:nvPr/>
       </p:nvGrpSpPr>
@@ -12287,7 +12329,7 @@
       </p:grpSpPr>
       <p:sp>
         <p:nvSpPr>
-          <p:cNvPr id="42" name="Google Shape;42;p9"/>
+          <p:cNvPr id="43" name="Google Shape;43;p9"/>
           <p:cNvSpPr txBox="1"/>
           <p:nvPr>
             <p:ph idx="1" type="body"/>
@@ -12417,7 +12459,7 @@
       </p:sp>
       <p:sp>
         <p:nvSpPr>
-          <p:cNvPr id="43" name="Google Shape;43;p9"/>
+          <p:cNvPr id="44" name="Google Shape;44;p9"/>
           <p:cNvSpPr txBox="1"/>
           <p:nvPr>
             <p:ph type="title"/>
@@ -12457,7 +12499,7 @@
       </p:sp>
       <p:sp>
         <p:nvSpPr>
-          <p:cNvPr id="44" name="Google Shape;44;p9"/>
+          <p:cNvPr id="45" name="Google Shape;45;p9"/>
           <p:cNvSpPr txBox="1"/>
           <p:nvPr>
             <p:ph idx="12" type="sldNum"/>
@@ -12465,8 +12507,8 @@
         </p:nvSpPr>
         <p:spPr>
           <a:xfrm>
-            <a:off x="7315202" y="4416550"/>
-            <a:ext cx="1828800" cy="731400"/>
+            <a:off x="7315209" y="4229101"/>
+            <a:ext cx="1828800" cy="914400"/>
           </a:xfrm>
           <a:prstGeom prst="rect">
             <a:avLst/>
@@ -12504,27 +12546,19 @@
               <a:buNone/>
             </a:pPr>
             <a:r>
-              <a:rPr b="0" lang="en" sz="900" u="sng">
+              <a:rPr b="0" lang="en" sz="1000" u="sng">
                 <a:solidFill>
                   <a:schemeClr val="hlink"/>
                 </a:solidFill>
                 <a:hlinkClick r:id="rId3"/>
               </a:rPr>
-              <a:t>https://profriehle.com</a:t>
-            </a:r>
-            <a:r>
-              <a:rPr b="0" lang="en" sz="900">
-                <a:solidFill>
-                  <a:schemeClr val="dk2"/>
-                </a:solidFill>
-              </a:rPr>
+              <a:t>uni1.de/nyt</a:t>
+            </a:r>
+            <a:r>
+              <a:rPr b="0" lang="en" sz="1000"/>
               <a:t> </a:t>
             </a:r>
-            <a:endParaRPr b="0" sz="900">
-              <a:solidFill>
-                <a:schemeClr val="dk2"/>
-              </a:solidFill>
-            </a:endParaRPr>
+            <a:endParaRPr b="0" sz="1000"/>
           </a:p>
         </p:txBody>
       </p:sp>
@@ -12541,7 +12575,7 @@
   <p:cSld>
     <p:spTree>
       <p:nvGrpSpPr>
-        <p:cNvPr id="168" name="Shape 168"/>
+        <p:cNvPr id="169" name="Shape 169"/>
         <p:cNvGrpSpPr/>
         <p:nvPr/>
       </p:nvGrpSpPr>
@@ -12555,7 +12589,7 @@
       </p:grpSpPr>
       <p:sp>
         <p:nvSpPr>
-          <p:cNvPr id="169" name="Google Shape;169;p27"/>
+          <p:cNvPr id="170" name="Google Shape;170;p27"/>
           <p:cNvSpPr txBox="1"/>
           <p:nvPr>
             <p:ph type="title"/>
@@ -12595,7 +12629,7 @@
       </p:sp>
       <p:sp>
         <p:nvSpPr>
-          <p:cNvPr id="170" name="Google Shape;170;p27"/>
+          <p:cNvPr id="171" name="Google Shape;171;p27"/>
           <p:cNvSpPr txBox="1"/>
           <p:nvPr>
             <p:ph idx="12" type="sldNum"/>
@@ -12603,8 +12637,8 @@
         </p:nvSpPr>
         <p:spPr>
           <a:xfrm>
-            <a:off x="7315202" y="4416550"/>
-            <a:ext cx="1828800" cy="731400"/>
+            <a:off x="7315209" y="4229101"/>
+            <a:ext cx="1828800" cy="914400"/>
           </a:xfrm>
           <a:prstGeom prst="rect">
             <a:avLst/>
@@ -12642,33 +12676,25 @@
               <a:buNone/>
             </a:pPr>
             <a:r>
-              <a:rPr b="0" lang="en" sz="900" u="sng">
+              <a:rPr b="0" lang="en" sz="1000" u="sng">
                 <a:solidFill>
                   <a:schemeClr val="hlink"/>
                 </a:solidFill>
                 <a:hlinkClick r:id="rId3"/>
               </a:rPr>
-              <a:t>https://profriehle.com</a:t>
-            </a:r>
-            <a:r>
-              <a:rPr b="0" lang="en" sz="900">
-                <a:solidFill>
-                  <a:schemeClr val="dk2"/>
-                </a:solidFill>
-              </a:rPr>
+              <a:t>uni1.de/nyt</a:t>
+            </a:r>
+            <a:r>
+              <a:rPr b="0" lang="en" sz="1000"/>
               <a:t> </a:t>
             </a:r>
-            <a:endParaRPr b="0" sz="900">
-              <a:solidFill>
-                <a:schemeClr val="dk2"/>
-              </a:solidFill>
-            </a:endParaRPr>
+            <a:endParaRPr b="0" sz="1000"/>
           </a:p>
         </p:txBody>
       </p:sp>
       <p:sp>
         <p:nvSpPr>
-          <p:cNvPr id="171" name="Google Shape;171;p27"/>
+          <p:cNvPr id="172" name="Google Shape;172;p27"/>
           <p:cNvSpPr txBox="1"/>
           <p:nvPr/>
         </p:nvSpPr>
@@ -12723,7 +12749,7 @@
       </p:sp>
       <p:pic>
         <p:nvPicPr>
-          <p:cNvPr id="172" name="Google Shape;172;p27"/>
+          <p:cNvPr id="173" name="Google Shape;173;p27"/>
           <p:cNvPicPr preferRelativeResize="0"/>
           <p:nvPr/>
         </p:nvPicPr>
@@ -12762,7 +12788,7 @@
   <p:cSld>
     <p:spTree>
       <p:nvGrpSpPr>
-        <p:cNvPr id="176" name="Shape 176"/>
+        <p:cNvPr id="177" name="Shape 177"/>
         <p:cNvGrpSpPr/>
         <p:nvPr/>
       </p:nvGrpSpPr>
@@ -12776,7 +12802,7 @@
       </p:grpSpPr>
       <p:sp>
         <p:nvSpPr>
-          <p:cNvPr id="177" name="Google Shape;177;p28"/>
+          <p:cNvPr id="178" name="Google Shape;178;p28"/>
           <p:cNvSpPr txBox="1"/>
           <p:nvPr>
             <p:ph type="title"/>
@@ -12820,7 +12846,7 @@
       </p:sp>
       <p:sp>
         <p:nvSpPr>
-          <p:cNvPr id="178" name="Google Shape;178;p28"/>
+          <p:cNvPr id="179" name="Google Shape;179;p28"/>
           <p:cNvSpPr txBox="1"/>
           <p:nvPr>
             <p:ph idx="12" type="sldNum"/>
@@ -12828,8 +12854,8 @@
         </p:nvSpPr>
         <p:spPr>
           <a:xfrm>
-            <a:off x="7315202" y="4416550"/>
-            <a:ext cx="1828800" cy="731400"/>
+            <a:off x="7315209" y="4229101"/>
+            <a:ext cx="1828800" cy="914400"/>
           </a:xfrm>
           <a:prstGeom prst="rect">
             <a:avLst/>
@@ -12867,33 +12893,25 @@
               <a:buNone/>
             </a:pPr>
             <a:r>
-              <a:rPr b="0" lang="en" sz="900" u="sng">
+              <a:rPr b="0" lang="en" sz="1000" u="sng">
                 <a:solidFill>
                   <a:schemeClr val="hlink"/>
                 </a:solidFill>
                 <a:hlinkClick r:id="rId3"/>
               </a:rPr>
-              <a:t>https://profriehle.com</a:t>
-            </a:r>
-            <a:r>
-              <a:rPr b="0" lang="en" sz="900">
-                <a:solidFill>
-                  <a:schemeClr val="dk2"/>
-                </a:solidFill>
-              </a:rPr>
+              <a:t>uni1.de/nyt</a:t>
+            </a:r>
+            <a:r>
+              <a:rPr b="0" lang="en" sz="1000"/>
               <a:t> </a:t>
             </a:r>
-            <a:endParaRPr>
-              <a:solidFill>
-                <a:schemeClr val="dk2"/>
-              </a:solidFill>
-            </a:endParaRPr>
+            <a:endParaRPr b="0" sz="1000"/>
           </a:p>
         </p:txBody>
       </p:sp>
       <p:pic>
         <p:nvPicPr>
-          <p:cNvPr id="179" name="Google Shape;179;p28"/>
+          <p:cNvPr id="180" name="Google Shape;180;p28"/>
           <p:cNvPicPr preferRelativeResize="0"/>
           <p:nvPr/>
         </p:nvPicPr>
@@ -12932,7 +12950,7 @@
   <p:cSld>
     <p:spTree>
       <p:nvGrpSpPr>
-        <p:cNvPr id="183" name="Shape 183"/>
+        <p:cNvPr id="184" name="Shape 184"/>
         <p:cNvGrpSpPr/>
         <p:nvPr/>
       </p:nvGrpSpPr>
@@ -12946,7 +12964,7 @@
       </p:grpSpPr>
       <p:sp>
         <p:nvSpPr>
-          <p:cNvPr id="184" name="Google Shape;184;p29"/>
+          <p:cNvPr id="185" name="Google Shape;185;p29"/>
           <p:cNvSpPr txBox="1"/>
           <p:nvPr>
             <p:ph type="title"/>
@@ -12986,7 +13004,7 @@
       </p:sp>
       <p:sp>
         <p:nvSpPr>
-          <p:cNvPr id="185" name="Google Shape;185;p29"/>
+          <p:cNvPr id="186" name="Google Shape;186;p29"/>
           <p:cNvSpPr txBox="1"/>
           <p:nvPr>
             <p:ph idx="12" type="sldNum"/>
@@ -12994,8 +13012,8 @@
         </p:nvSpPr>
         <p:spPr>
           <a:xfrm>
-            <a:off x="7315202" y="4416550"/>
-            <a:ext cx="1828800" cy="731400"/>
+            <a:off x="7315209" y="4229101"/>
+            <a:ext cx="1828800" cy="914400"/>
           </a:xfrm>
           <a:prstGeom prst="rect">
             <a:avLst/>
@@ -13033,33 +13051,25 @@
               <a:buNone/>
             </a:pPr>
             <a:r>
-              <a:rPr b="0" lang="en" sz="900" u="sng">
+              <a:rPr b="0" lang="en" sz="1000" u="sng">
                 <a:solidFill>
                   <a:schemeClr val="hlink"/>
                 </a:solidFill>
                 <a:hlinkClick r:id="rId3"/>
               </a:rPr>
-              <a:t>https://profriehle.com</a:t>
-            </a:r>
-            <a:r>
-              <a:rPr b="0" lang="en" sz="900">
-                <a:solidFill>
-                  <a:schemeClr val="dk2"/>
-                </a:solidFill>
-              </a:rPr>
+              <a:t>uni1.de/nyt</a:t>
+            </a:r>
+            <a:r>
+              <a:rPr b="0" lang="en" sz="1000"/>
               <a:t> </a:t>
             </a:r>
-            <a:endParaRPr b="0" sz="900">
-              <a:solidFill>
-                <a:schemeClr val="dk2"/>
-              </a:solidFill>
-            </a:endParaRPr>
+            <a:endParaRPr b="0" sz="1000"/>
           </a:p>
         </p:txBody>
       </p:sp>
       <p:pic>
         <p:nvPicPr>
-          <p:cNvPr id="186" name="Google Shape;186;p29"/>
+          <p:cNvPr id="187" name="Google Shape;187;p29"/>
           <p:cNvPicPr preferRelativeResize="0"/>
           <p:nvPr/>
         </p:nvPicPr>
@@ -13087,7 +13097,7 @@
       </p:pic>
       <p:sp>
         <p:nvSpPr>
-          <p:cNvPr id="187" name="Google Shape;187;p29"/>
+          <p:cNvPr id="188" name="Google Shape;188;p29"/>
           <p:cNvSpPr txBox="1"/>
           <p:nvPr>
             <p:ph idx="1" type="body"/>
@@ -13171,7 +13181,7 @@
   <p:cSld>
     <p:spTree>
       <p:nvGrpSpPr>
-        <p:cNvPr id="191" name="Shape 191"/>
+        <p:cNvPr id="192" name="Shape 192"/>
         <p:cNvGrpSpPr/>
         <p:nvPr/>
       </p:nvGrpSpPr>
@@ -13185,7 +13195,7 @@
       </p:grpSpPr>
       <p:sp>
         <p:nvSpPr>
-          <p:cNvPr id="192" name="Google Shape;192;p30"/>
+          <p:cNvPr id="193" name="Google Shape;193;p30"/>
           <p:cNvSpPr txBox="1"/>
           <p:nvPr>
             <p:ph idx="1" type="body"/>
@@ -13258,7 +13268,7 @@
       </p:sp>
       <p:sp>
         <p:nvSpPr>
-          <p:cNvPr id="193" name="Google Shape;193;p30"/>
+          <p:cNvPr id="194" name="Google Shape;194;p30"/>
           <p:cNvSpPr txBox="1"/>
           <p:nvPr>
             <p:ph type="title"/>
@@ -13298,7 +13308,7 @@
       </p:sp>
       <p:sp>
         <p:nvSpPr>
-          <p:cNvPr id="194" name="Google Shape;194;p30"/>
+          <p:cNvPr id="195" name="Google Shape;195;p30"/>
           <p:cNvSpPr txBox="1"/>
           <p:nvPr>
             <p:ph idx="12" type="sldNum"/>
@@ -13306,8 +13316,8 @@
         </p:nvSpPr>
         <p:spPr>
           <a:xfrm>
-            <a:off x="7315202" y="4416550"/>
-            <a:ext cx="1828800" cy="731400"/>
+            <a:off x="7315209" y="4229101"/>
+            <a:ext cx="1828800" cy="914400"/>
           </a:xfrm>
           <a:prstGeom prst="rect">
             <a:avLst/>
@@ -13345,27 +13355,19 @@
               <a:buNone/>
             </a:pPr>
             <a:r>
-              <a:rPr b="0" lang="en" sz="900" u="sng">
+              <a:rPr b="0" lang="en" sz="1000" u="sng">
                 <a:solidFill>
                   <a:schemeClr val="hlink"/>
                 </a:solidFill>
                 <a:hlinkClick r:id="rId3"/>
               </a:rPr>
-              <a:t>https://profriehle.com</a:t>
-            </a:r>
-            <a:r>
-              <a:rPr b="0" lang="en" sz="900">
-                <a:solidFill>
-                  <a:schemeClr val="dk2"/>
-                </a:solidFill>
-              </a:rPr>
+              <a:t>uni1.de/nyt</a:t>
+            </a:r>
+            <a:r>
+              <a:rPr b="0" lang="en" sz="1000"/>
               <a:t> </a:t>
             </a:r>
-            <a:endParaRPr b="0" sz="900">
-              <a:solidFill>
-                <a:schemeClr val="dk2"/>
-              </a:solidFill>
-            </a:endParaRPr>
+            <a:endParaRPr b="0" sz="1000"/>
           </a:p>
         </p:txBody>
       </p:sp>
@@ -13382,7 +13384,7 @@
   <p:cSld>
     <p:spTree>
       <p:nvGrpSpPr>
-        <p:cNvPr id="198" name="Shape 198"/>
+        <p:cNvPr id="199" name="Shape 199"/>
         <p:cNvGrpSpPr/>
         <p:nvPr/>
       </p:nvGrpSpPr>
@@ -13396,7 +13398,7 @@
       </p:grpSpPr>
       <p:sp>
         <p:nvSpPr>
-          <p:cNvPr id="199" name="Google Shape;199;p31"/>
+          <p:cNvPr id="200" name="Google Shape;200;p31"/>
           <p:cNvSpPr txBox="1"/>
           <p:nvPr>
             <p:ph idx="1" type="body"/>
@@ -13436,7 +13438,7 @@
       </p:sp>
       <p:sp>
         <p:nvSpPr>
-          <p:cNvPr id="200" name="Google Shape;200;p31"/>
+          <p:cNvPr id="201" name="Google Shape;201;p31"/>
           <p:cNvSpPr txBox="1"/>
           <p:nvPr>
             <p:ph type="title"/>
@@ -13476,7 +13478,7 @@
       </p:sp>
       <p:sp>
         <p:nvSpPr>
-          <p:cNvPr id="201" name="Google Shape;201;p31"/>
+          <p:cNvPr id="202" name="Google Shape;202;p31"/>
           <p:cNvSpPr txBox="1"/>
           <p:nvPr>
             <p:ph idx="12" type="sldNum"/>
@@ -13484,8 +13486,8 @@
         </p:nvSpPr>
         <p:spPr>
           <a:xfrm>
-            <a:off x="7315202" y="4416550"/>
-            <a:ext cx="1828800" cy="731400"/>
+            <a:off x="7315209" y="4229101"/>
+            <a:ext cx="1828800" cy="914400"/>
           </a:xfrm>
           <a:prstGeom prst="rect">
             <a:avLst/>
@@ -13523,27 +13525,19 @@
               <a:buNone/>
             </a:pPr>
             <a:r>
-              <a:rPr b="0" lang="en" sz="900" u="sng">
+              <a:rPr b="0" lang="en" sz="1000" u="sng">
                 <a:solidFill>
                   <a:schemeClr val="hlink"/>
                 </a:solidFill>
                 <a:hlinkClick r:id="rId3"/>
               </a:rPr>
-              <a:t>https://profriehle.com</a:t>
-            </a:r>
-            <a:r>
-              <a:rPr b="0" lang="en" sz="900">
-                <a:solidFill>
-                  <a:schemeClr val="dk2"/>
-                </a:solidFill>
-              </a:rPr>
+              <a:t>uni1.de/nyt</a:t>
+            </a:r>
+            <a:r>
+              <a:rPr b="0" lang="en" sz="1000"/>
               <a:t> </a:t>
             </a:r>
-            <a:endParaRPr b="0" sz="900">
-              <a:solidFill>
-                <a:schemeClr val="dk2"/>
-              </a:solidFill>
-            </a:endParaRPr>
+            <a:endParaRPr b="0" sz="1000"/>
           </a:p>
         </p:txBody>
       </p:sp>
@@ -13560,7 +13554,7 @@
   <p:cSld>
     <p:spTree>
       <p:nvGrpSpPr>
-        <p:cNvPr id="205" name="Shape 205"/>
+        <p:cNvPr id="206" name="Shape 206"/>
         <p:cNvGrpSpPr/>
         <p:nvPr/>
       </p:nvGrpSpPr>
@@ -13574,7 +13568,7 @@
       </p:grpSpPr>
       <p:sp>
         <p:nvSpPr>
-          <p:cNvPr id="206" name="Google Shape;206;p32"/>
+          <p:cNvPr id="207" name="Google Shape;207;p32"/>
           <p:cNvSpPr txBox="1"/>
           <p:nvPr>
             <p:ph type="title"/>
@@ -13625,7 +13619,7 @@
   <p:cSld>
     <p:spTree>
       <p:nvGrpSpPr>
-        <p:cNvPr id="210" name="Shape 210"/>
+        <p:cNvPr id="211" name="Shape 211"/>
         <p:cNvGrpSpPr/>
         <p:nvPr/>
       </p:nvGrpSpPr>
@@ -13639,7 +13633,7 @@
       </p:grpSpPr>
       <p:sp>
         <p:nvSpPr>
-          <p:cNvPr id="211" name="Google Shape;211;p33"/>
+          <p:cNvPr id="212" name="Google Shape;212;p33"/>
           <p:cNvSpPr txBox="1"/>
           <p:nvPr>
             <p:ph idx="1" type="body"/>
@@ -13812,7 +13806,7 @@
       </p:sp>
       <p:sp>
         <p:nvSpPr>
-          <p:cNvPr id="212" name="Google Shape;212;p33"/>
+          <p:cNvPr id="213" name="Google Shape;213;p33"/>
           <p:cNvSpPr txBox="1"/>
           <p:nvPr>
             <p:ph type="title"/>
@@ -13852,7 +13846,7 @@
       </p:sp>
       <p:sp>
         <p:nvSpPr>
-          <p:cNvPr id="213" name="Google Shape;213;p33"/>
+          <p:cNvPr id="214" name="Google Shape;214;p33"/>
           <p:cNvSpPr txBox="1"/>
           <p:nvPr>
             <p:ph idx="12" type="sldNum"/>
@@ -13860,8 +13854,8 @@
         </p:nvSpPr>
         <p:spPr>
           <a:xfrm>
-            <a:off x="7315202" y="4416550"/>
-            <a:ext cx="1828800" cy="731400"/>
+            <a:off x="7315209" y="4229101"/>
+            <a:ext cx="1828800" cy="914400"/>
           </a:xfrm>
           <a:prstGeom prst="rect">
             <a:avLst/>
@@ -13899,33 +13893,25 @@
               <a:buNone/>
             </a:pPr>
             <a:r>
-              <a:rPr b="0" lang="en" sz="900" u="sng">
+              <a:rPr b="0" lang="en" sz="1000" u="sng">
                 <a:solidFill>
                   <a:schemeClr val="hlink"/>
                 </a:solidFill>
                 <a:hlinkClick r:id="rId3"/>
               </a:rPr>
-              <a:t>https://profriehle.com</a:t>
-            </a:r>
-            <a:r>
-              <a:rPr b="0" lang="en" sz="900">
-                <a:solidFill>
-                  <a:schemeClr val="dk2"/>
-                </a:solidFill>
-              </a:rPr>
+              <a:t>uni1.de/nyt</a:t>
+            </a:r>
+            <a:r>
+              <a:rPr b="0" lang="en" sz="1000"/>
               <a:t> </a:t>
             </a:r>
-            <a:endParaRPr b="0" sz="900">
-              <a:solidFill>
-                <a:schemeClr val="dk2"/>
-              </a:solidFill>
-            </a:endParaRPr>
+            <a:endParaRPr b="0" sz="1000"/>
           </a:p>
         </p:txBody>
       </p:sp>
       <p:sp>
         <p:nvSpPr>
-          <p:cNvPr id="214" name="Google Shape;214;p33"/>
+          <p:cNvPr id="215" name="Google Shape;215;p33"/>
           <p:cNvSpPr txBox="1"/>
           <p:nvPr/>
         </p:nvSpPr>
@@ -13971,7 +13957,7 @@
       </p:sp>
       <p:pic>
         <p:nvPicPr>
-          <p:cNvPr id="215" name="Google Shape;215;p33"/>
+          <p:cNvPr id="216" name="Google Shape;216;p33"/>
           <p:cNvPicPr preferRelativeResize="0"/>
           <p:nvPr/>
         </p:nvPicPr>
@@ -14010,7 +13996,7 @@
   <p:cSld>
     <p:spTree>
       <p:nvGrpSpPr>
-        <p:cNvPr id="219" name="Shape 219"/>
+        <p:cNvPr id="220" name="Shape 220"/>
         <p:cNvGrpSpPr/>
         <p:nvPr/>
       </p:nvGrpSpPr>
@@ -14024,7 +14010,7 @@
       </p:grpSpPr>
       <p:sp>
         <p:nvSpPr>
-          <p:cNvPr id="220" name="Google Shape;220;p34"/>
+          <p:cNvPr id="221" name="Google Shape;221;p34"/>
           <p:cNvSpPr txBox="1"/>
           <p:nvPr>
             <p:ph type="title"/>
@@ -14064,7 +14050,7 @@
       </p:sp>
       <p:sp>
         <p:nvSpPr>
-          <p:cNvPr id="221" name="Google Shape;221;p34"/>
+          <p:cNvPr id="222" name="Google Shape;222;p34"/>
           <p:cNvSpPr txBox="1"/>
           <p:nvPr>
             <p:ph idx="1" type="body"/>
@@ -14153,7 +14139,7 @@
           <a:p>
             <a:pPr indent="-317500" lvl="1" marL="914400" rtl="0" algn="l">
               <a:spcBef>
-                <a:spcPts val="1000"/>
+                <a:spcPts val="0"/>
               </a:spcBef>
               <a:spcAft>
                 <a:spcPts val="0"/>
@@ -14255,7 +14241,7 @@
       </p:sp>
       <p:sp>
         <p:nvSpPr>
-          <p:cNvPr id="222" name="Google Shape;222;p34"/>
+          <p:cNvPr id="223" name="Google Shape;223;p34"/>
           <p:cNvSpPr txBox="1"/>
           <p:nvPr>
             <p:ph idx="12" type="sldNum"/>
@@ -14263,8 +14249,8 @@
         </p:nvSpPr>
         <p:spPr>
           <a:xfrm>
-            <a:off x="7315202" y="4416550"/>
-            <a:ext cx="1828800" cy="731400"/>
+            <a:off x="7315209" y="4229101"/>
+            <a:ext cx="1828800" cy="914400"/>
           </a:xfrm>
           <a:prstGeom prst="rect">
             <a:avLst/>
@@ -14302,27 +14288,19 @@
               <a:buNone/>
             </a:pPr>
             <a:r>
-              <a:rPr b="0" lang="en" sz="900" u="sng">
+              <a:rPr b="0" lang="en" sz="1000" u="sng">
                 <a:solidFill>
                   <a:schemeClr val="hlink"/>
                 </a:solidFill>
                 <a:hlinkClick r:id="rId3"/>
               </a:rPr>
-              <a:t>https://profriehle.com</a:t>
-            </a:r>
-            <a:r>
-              <a:rPr b="0" lang="en" sz="900">
-                <a:solidFill>
-                  <a:schemeClr val="dk2"/>
-                </a:solidFill>
-              </a:rPr>
+              <a:t>uni1.de/nyt</a:t>
+            </a:r>
+            <a:r>
+              <a:rPr b="0" lang="en" sz="1000"/>
               <a:t> </a:t>
             </a:r>
-            <a:endParaRPr b="0" sz="900">
-              <a:solidFill>
-                <a:schemeClr val="dk2"/>
-              </a:solidFill>
-            </a:endParaRPr>
+            <a:endParaRPr b="0" sz="1000"/>
           </a:p>
         </p:txBody>
       </p:sp>
@@ -14339,7 +14317,7 @@
   <p:cSld>
     <p:spTree>
       <p:nvGrpSpPr>
-        <p:cNvPr id="226" name="Shape 226"/>
+        <p:cNvPr id="227" name="Shape 227"/>
         <p:cNvGrpSpPr/>
         <p:nvPr/>
       </p:nvGrpSpPr>
@@ -14353,7 +14331,7 @@
       </p:grpSpPr>
       <p:sp>
         <p:nvSpPr>
-          <p:cNvPr id="227" name="Google Shape;227;p35"/>
+          <p:cNvPr id="228" name="Google Shape;228;p35"/>
           <p:cNvSpPr txBox="1"/>
           <p:nvPr>
             <p:ph type="title"/>
@@ -14393,7 +14371,7 @@
       </p:sp>
       <p:sp>
         <p:nvSpPr>
-          <p:cNvPr id="228" name="Google Shape;228;p35"/>
+          <p:cNvPr id="229" name="Google Shape;229;p35"/>
           <p:cNvSpPr txBox="1"/>
           <p:nvPr>
             <p:ph idx="1" type="body"/>
@@ -14466,7 +14444,7 @@
           <a:p>
             <a:pPr indent="-317500" lvl="1" marL="914400" rtl="0" algn="l">
               <a:spcBef>
-                <a:spcPts val="1000"/>
+                <a:spcPts val="0"/>
               </a:spcBef>
               <a:spcAft>
                 <a:spcPts val="0"/>
@@ -14603,7 +14581,7 @@
       </p:sp>
       <p:sp>
         <p:nvSpPr>
-          <p:cNvPr id="229" name="Google Shape;229;p35"/>
+          <p:cNvPr id="230" name="Google Shape;230;p35"/>
           <p:cNvSpPr txBox="1"/>
           <p:nvPr>
             <p:ph idx="12" type="sldNum"/>
@@ -14611,8 +14589,8 @@
         </p:nvSpPr>
         <p:spPr>
           <a:xfrm>
-            <a:off x="7315202" y="4416550"/>
-            <a:ext cx="1828800" cy="731400"/>
+            <a:off x="7315209" y="4229101"/>
+            <a:ext cx="1828800" cy="914400"/>
           </a:xfrm>
           <a:prstGeom prst="rect">
             <a:avLst/>
@@ -14650,27 +14628,19 @@
               <a:buNone/>
             </a:pPr>
             <a:r>
-              <a:rPr b="0" lang="en" sz="900" u="sng">
+              <a:rPr b="0" lang="en" sz="1000" u="sng">
                 <a:solidFill>
                   <a:schemeClr val="hlink"/>
                 </a:solidFill>
                 <a:hlinkClick r:id="rId5"/>
               </a:rPr>
-              <a:t>https://profriehle.com</a:t>
-            </a:r>
-            <a:r>
-              <a:rPr b="0" lang="en" sz="900">
-                <a:solidFill>
-                  <a:schemeClr val="dk2"/>
-                </a:solidFill>
-              </a:rPr>
+              <a:t>uni1.de/nyt</a:t>
+            </a:r>
+            <a:r>
+              <a:rPr b="0" lang="en" sz="1000"/>
               <a:t> </a:t>
             </a:r>
-            <a:endParaRPr b="0" sz="900">
-              <a:solidFill>
-                <a:schemeClr val="dk2"/>
-              </a:solidFill>
-            </a:endParaRPr>
+            <a:endParaRPr b="0" sz="1000"/>
           </a:p>
         </p:txBody>
       </p:sp>
@@ -14687,7 +14657,7 @@
   <p:cSld>
     <p:spTree>
       <p:nvGrpSpPr>
-        <p:cNvPr id="233" name="Shape 233"/>
+        <p:cNvPr id="234" name="Shape 234"/>
         <p:cNvGrpSpPr/>
         <p:nvPr/>
       </p:nvGrpSpPr>
@@ -14701,7 +14671,7 @@
       </p:grpSpPr>
       <p:sp>
         <p:nvSpPr>
-          <p:cNvPr id="234" name="Google Shape;234;p36"/>
+          <p:cNvPr id="235" name="Google Shape;235;p36"/>
           <p:cNvSpPr txBox="1"/>
           <p:nvPr>
             <p:ph type="title"/>
@@ -14741,7 +14711,7 @@
       </p:sp>
       <p:sp>
         <p:nvSpPr>
-          <p:cNvPr id="235" name="Google Shape;235;p36"/>
+          <p:cNvPr id="236" name="Google Shape;236;p36"/>
           <p:cNvSpPr txBox="1"/>
           <p:nvPr>
             <p:ph idx="1" type="body"/>
@@ -14857,7 +14827,7 @@
       </p:sp>
       <p:sp>
         <p:nvSpPr>
-          <p:cNvPr id="236" name="Google Shape;236;p36"/>
+          <p:cNvPr id="237" name="Google Shape;237;p36"/>
           <p:cNvSpPr txBox="1"/>
           <p:nvPr>
             <p:ph idx="12" type="sldNum"/>
@@ -14865,8 +14835,8 @@
         </p:nvSpPr>
         <p:spPr>
           <a:xfrm>
-            <a:off x="7315202" y="4416550"/>
-            <a:ext cx="1828800" cy="731400"/>
+            <a:off x="7315209" y="4229101"/>
+            <a:ext cx="1828800" cy="914400"/>
           </a:xfrm>
           <a:prstGeom prst="rect">
             <a:avLst/>
@@ -14904,27 +14874,19 @@
               <a:buNone/>
             </a:pPr>
             <a:r>
-              <a:rPr b="0" lang="en" sz="900" u="sng">
+              <a:rPr b="0" lang="en" sz="1000" u="sng">
                 <a:solidFill>
                   <a:schemeClr val="hlink"/>
                 </a:solidFill>
                 <a:hlinkClick r:id="rId3"/>
               </a:rPr>
-              <a:t>https://profriehle.com</a:t>
-            </a:r>
-            <a:r>
-              <a:rPr b="0" lang="en" sz="900">
-                <a:solidFill>
-                  <a:schemeClr val="dk2"/>
-                </a:solidFill>
-              </a:rPr>
+              <a:t>uni1.de/nyt</a:t>
+            </a:r>
+            <a:r>
+              <a:rPr b="0" lang="en" sz="1000"/>
               <a:t> </a:t>
             </a:r>
-            <a:endParaRPr b="0" sz="900">
-              <a:solidFill>
-                <a:schemeClr val="dk2"/>
-              </a:solidFill>
-            </a:endParaRPr>
+            <a:endParaRPr b="0" sz="1000"/>
           </a:p>
         </p:txBody>
       </p:sp>
@@ -14941,7 +14903,7 @@
   <p:cSld>
     <p:spTree>
       <p:nvGrpSpPr>
-        <p:cNvPr id="48" name="Shape 48"/>
+        <p:cNvPr id="49" name="Shape 49"/>
         <p:cNvGrpSpPr/>
         <p:nvPr/>
       </p:nvGrpSpPr>
@@ -14955,7 +14917,7 @@
       </p:grpSpPr>
       <p:sp>
         <p:nvSpPr>
-          <p:cNvPr id="49" name="Google Shape;49;p10"/>
+          <p:cNvPr id="50" name="Google Shape;50;p10"/>
           <p:cNvSpPr txBox="1"/>
           <p:nvPr>
             <p:ph type="title"/>
@@ -15006,7 +14968,7 @@
   <p:cSld>
     <p:spTree>
       <p:nvGrpSpPr>
-        <p:cNvPr id="240" name="Shape 240"/>
+        <p:cNvPr id="241" name="Shape 241"/>
         <p:cNvGrpSpPr/>
         <p:nvPr/>
       </p:nvGrpSpPr>
@@ -15020,7 +14982,7 @@
       </p:grpSpPr>
       <p:sp>
         <p:nvSpPr>
-          <p:cNvPr id="241" name="Google Shape;241;p37"/>
+          <p:cNvPr id="242" name="Google Shape;242;p37"/>
           <p:cNvSpPr txBox="1"/>
           <p:nvPr>
             <p:ph type="title"/>
@@ -15060,7 +15022,7 @@
       </p:sp>
       <p:sp>
         <p:nvSpPr>
-          <p:cNvPr id="242" name="Google Shape;242;p37"/>
+          <p:cNvPr id="243" name="Google Shape;243;p37"/>
           <p:cNvSpPr txBox="1"/>
           <p:nvPr>
             <p:ph idx="12" type="sldNum"/>
@@ -15068,8 +15030,8 @@
         </p:nvSpPr>
         <p:spPr>
           <a:xfrm>
-            <a:off x="7315202" y="4416550"/>
-            <a:ext cx="1828800" cy="731400"/>
+            <a:off x="7315209" y="4229101"/>
+            <a:ext cx="1828800" cy="914400"/>
           </a:xfrm>
           <a:prstGeom prst="rect">
             <a:avLst/>
@@ -15107,33 +15069,25 @@
               <a:buNone/>
             </a:pPr>
             <a:r>
-              <a:rPr b="0" lang="en" sz="900" u="sng">
+              <a:rPr b="0" lang="en" sz="1000" u="sng">
                 <a:solidFill>
                   <a:schemeClr val="hlink"/>
                 </a:solidFill>
                 <a:hlinkClick r:id="rId3"/>
               </a:rPr>
-              <a:t>https://profriehle.com</a:t>
-            </a:r>
-            <a:r>
-              <a:rPr b="0" lang="en" sz="900">
-                <a:solidFill>
-                  <a:schemeClr val="dk2"/>
-                </a:solidFill>
-              </a:rPr>
+              <a:t>uni1.de/nyt</a:t>
+            </a:r>
+            <a:r>
+              <a:rPr b="0" lang="en" sz="1000"/>
               <a:t> </a:t>
             </a:r>
-            <a:endParaRPr b="0" sz="900">
-              <a:solidFill>
-                <a:schemeClr val="dk2"/>
-              </a:solidFill>
-            </a:endParaRPr>
+            <a:endParaRPr b="0" sz="1000"/>
           </a:p>
         </p:txBody>
       </p:sp>
       <p:graphicFrame>
         <p:nvGraphicFramePr>
-          <p:cNvPr id="243" name="Google Shape;243;p37"/>
+          <p:cNvPr id="244" name="Google Shape;244;p37"/>
           <p:cNvGraphicFramePr/>
           <p:nvPr/>
         </p:nvGraphicFramePr>
@@ -15146,7 +15100,7 @@
             <a:tbl>
               <a:tblPr>
                 <a:noFill/>
-                <a:tableStyleId>{A56FE111-90E7-4208-AFAF-8F287F26BDB3}</a:tableStyleId>
+                <a:tableStyleId>{9CEC0C64-FEF3-4152-A805-9D5F9A160509}</a:tableStyleId>
               </a:tblPr>
               <a:tblGrid>
                 <a:gridCol w="2926800"/>
@@ -16458,7 +16412,7 @@
   <p:cSld>
     <p:spTree>
       <p:nvGrpSpPr>
-        <p:cNvPr id="247" name="Shape 247"/>
+        <p:cNvPr id="248" name="Shape 248"/>
         <p:cNvGrpSpPr/>
         <p:nvPr/>
       </p:nvGrpSpPr>
@@ -16472,7 +16426,7 @@
       </p:grpSpPr>
       <p:sp>
         <p:nvSpPr>
-          <p:cNvPr id="248" name="Google Shape;248;p38"/>
+          <p:cNvPr id="249" name="Google Shape;249;p38"/>
           <p:cNvSpPr txBox="1"/>
           <p:nvPr>
             <p:ph type="title"/>
@@ -16512,7 +16466,7 @@
       </p:sp>
       <p:sp>
         <p:nvSpPr>
-          <p:cNvPr id="249" name="Google Shape;249;p38"/>
+          <p:cNvPr id="250" name="Google Shape;250;p38"/>
           <p:cNvSpPr txBox="1"/>
           <p:nvPr>
             <p:ph idx="1" type="body"/>
@@ -16634,7 +16588,7 @@
       </p:sp>
       <p:sp>
         <p:nvSpPr>
-          <p:cNvPr id="250" name="Google Shape;250;p38"/>
+          <p:cNvPr id="251" name="Google Shape;251;p38"/>
           <p:cNvSpPr txBox="1"/>
           <p:nvPr>
             <p:ph idx="12" type="sldNum"/>
@@ -16642,8 +16596,8 @@
         </p:nvSpPr>
         <p:spPr>
           <a:xfrm>
-            <a:off x="7315202" y="4416550"/>
-            <a:ext cx="1828800" cy="731400"/>
+            <a:off x="7315209" y="4229101"/>
+            <a:ext cx="1828800" cy="914400"/>
           </a:xfrm>
           <a:prstGeom prst="rect">
             <a:avLst/>
@@ -16681,33 +16635,25 @@
               <a:buNone/>
             </a:pPr>
             <a:r>
-              <a:rPr b="0" lang="en" sz="900" u="sng">
+              <a:rPr b="0" lang="en" sz="1000" u="sng">
                 <a:solidFill>
                   <a:schemeClr val="hlink"/>
                 </a:solidFill>
                 <a:hlinkClick r:id="rId3"/>
               </a:rPr>
-              <a:t>https://profriehle.com</a:t>
-            </a:r>
-            <a:r>
-              <a:rPr b="0" lang="en" sz="900">
-                <a:solidFill>
-                  <a:schemeClr val="dk2"/>
-                </a:solidFill>
-              </a:rPr>
+              <a:t>uni1.de/nyt</a:t>
+            </a:r>
+            <a:r>
+              <a:rPr b="0" lang="en" sz="1000"/>
               <a:t> </a:t>
             </a:r>
-            <a:endParaRPr b="0" sz="900">
-              <a:solidFill>
-                <a:schemeClr val="dk2"/>
-              </a:solidFill>
-            </a:endParaRPr>
+            <a:endParaRPr b="0" sz="1000"/>
           </a:p>
         </p:txBody>
       </p:sp>
       <p:sp>
         <p:nvSpPr>
-          <p:cNvPr id="251" name="Google Shape;251;p38"/>
+          <p:cNvPr id="252" name="Google Shape;252;p38"/>
           <p:cNvSpPr txBox="1"/>
           <p:nvPr/>
         </p:nvSpPr>
@@ -16764,7 +16710,7 @@
   <p:cSld>
     <p:spTree>
       <p:nvGrpSpPr>
-        <p:cNvPr id="255" name="Shape 255"/>
+        <p:cNvPr id="256" name="Shape 256"/>
         <p:cNvGrpSpPr/>
         <p:nvPr/>
       </p:nvGrpSpPr>
@@ -16778,7 +16724,7 @@
       </p:grpSpPr>
       <p:sp>
         <p:nvSpPr>
-          <p:cNvPr id="256" name="Google Shape;256;p39"/>
+          <p:cNvPr id="257" name="Google Shape;257;p39"/>
           <p:cNvSpPr txBox="1"/>
           <p:nvPr>
             <p:ph type="title"/>
@@ -16818,7 +16764,7 @@
       </p:sp>
       <p:sp>
         <p:nvSpPr>
-          <p:cNvPr id="257" name="Google Shape;257;p39"/>
+          <p:cNvPr id="258" name="Google Shape;258;p39"/>
           <p:cNvSpPr txBox="1"/>
           <p:nvPr>
             <p:ph idx="1" type="body"/>
@@ -16925,7 +16871,7 @@
       </p:sp>
       <p:sp>
         <p:nvSpPr>
-          <p:cNvPr id="258" name="Google Shape;258;p39"/>
+          <p:cNvPr id="259" name="Google Shape;259;p39"/>
           <p:cNvSpPr txBox="1"/>
           <p:nvPr>
             <p:ph idx="12" type="sldNum"/>
@@ -16933,8 +16879,8 @@
         </p:nvSpPr>
         <p:spPr>
           <a:xfrm>
-            <a:off x="7315202" y="4416550"/>
-            <a:ext cx="1828800" cy="731400"/>
+            <a:off x="7315209" y="4229101"/>
+            <a:ext cx="1828800" cy="914400"/>
           </a:xfrm>
           <a:prstGeom prst="rect">
             <a:avLst/>
@@ -16972,27 +16918,19 @@
               <a:buNone/>
             </a:pPr>
             <a:r>
-              <a:rPr b="0" lang="en" sz="900" u="sng">
+              <a:rPr b="0" lang="en" sz="1000" u="sng">
                 <a:solidFill>
                   <a:schemeClr val="hlink"/>
                 </a:solidFill>
                 <a:hlinkClick r:id="rId3"/>
               </a:rPr>
-              <a:t>https://profriehle.com</a:t>
-            </a:r>
-            <a:r>
-              <a:rPr b="0" lang="en" sz="900">
-                <a:solidFill>
-                  <a:schemeClr val="dk2"/>
-                </a:solidFill>
-              </a:rPr>
+              <a:t>uni1.de/nyt</a:t>
+            </a:r>
+            <a:r>
+              <a:rPr b="0" lang="en" sz="1000"/>
               <a:t> </a:t>
             </a:r>
-            <a:endParaRPr b="0" sz="900">
-              <a:solidFill>
-                <a:schemeClr val="dk2"/>
-              </a:solidFill>
-            </a:endParaRPr>
+            <a:endParaRPr b="0" sz="1000"/>
           </a:p>
         </p:txBody>
       </p:sp>
@@ -17009,7 +16947,7 @@
   <p:cSld>
     <p:spTree>
       <p:nvGrpSpPr>
-        <p:cNvPr id="262" name="Shape 262"/>
+        <p:cNvPr id="263" name="Shape 263"/>
         <p:cNvGrpSpPr/>
         <p:nvPr/>
       </p:nvGrpSpPr>
@@ -17023,7 +16961,7 @@
       </p:grpSpPr>
       <p:sp>
         <p:nvSpPr>
-          <p:cNvPr id="263" name="Google Shape;263;p40"/>
+          <p:cNvPr id="264" name="Google Shape;264;p40"/>
           <p:cNvSpPr txBox="1"/>
           <p:nvPr>
             <p:ph type="title"/>
@@ -17063,7 +17001,7 @@
       </p:sp>
       <p:sp>
         <p:nvSpPr>
-          <p:cNvPr id="264" name="Google Shape;264;p40"/>
+          <p:cNvPr id="265" name="Google Shape;265;p40"/>
           <p:cNvSpPr txBox="1"/>
           <p:nvPr>
             <p:ph idx="1" type="body"/>
@@ -17203,7 +17141,7 @@
       </p:sp>
       <p:sp>
         <p:nvSpPr>
-          <p:cNvPr id="265" name="Google Shape;265;p40"/>
+          <p:cNvPr id="266" name="Google Shape;266;p40"/>
           <p:cNvSpPr txBox="1"/>
           <p:nvPr>
             <p:ph idx="12" type="sldNum"/>
@@ -17211,8 +17149,8 @@
         </p:nvSpPr>
         <p:spPr>
           <a:xfrm>
-            <a:off x="7315202" y="4416550"/>
-            <a:ext cx="1828800" cy="731400"/>
+            <a:off x="7315209" y="4229101"/>
+            <a:ext cx="1828800" cy="914400"/>
           </a:xfrm>
           <a:prstGeom prst="rect">
             <a:avLst/>
@@ -17250,27 +17188,19 @@
               <a:buNone/>
             </a:pPr>
             <a:r>
-              <a:rPr b="0" lang="en" sz="900" u="sng">
+              <a:rPr b="0" lang="en" sz="1000" u="sng">
                 <a:solidFill>
                   <a:schemeClr val="hlink"/>
                 </a:solidFill>
                 <a:hlinkClick r:id="rId3"/>
               </a:rPr>
-              <a:t>https://profriehle.com</a:t>
-            </a:r>
-            <a:r>
-              <a:rPr b="0" lang="en" sz="900">
-                <a:solidFill>
-                  <a:schemeClr val="dk2"/>
-                </a:solidFill>
-              </a:rPr>
+              <a:t>uni1.de/nyt</a:t>
+            </a:r>
+            <a:r>
+              <a:rPr b="0" lang="en" sz="1000"/>
               <a:t> </a:t>
             </a:r>
-            <a:endParaRPr b="0" sz="900">
-              <a:solidFill>
-                <a:schemeClr val="dk2"/>
-              </a:solidFill>
-            </a:endParaRPr>
+            <a:endParaRPr b="0" sz="1000"/>
           </a:p>
         </p:txBody>
       </p:sp>
@@ -17287,7 +17217,7 @@
   <p:cSld>
     <p:spTree>
       <p:nvGrpSpPr>
-        <p:cNvPr id="269" name="Shape 269"/>
+        <p:cNvPr id="270" name="Shape 270"/>
         <p:cNvGrpSpPr/>
         <p:nvPr/>
       </p:nvGrpSpPr>
@@ -17301,7 +17231,7 @@
       </p:grpSpPr>
       <p:sp>
         <p:nvSpPr>
-          <p:cNvPr id="270" name="Google Shape;270;p41"/>
+          <p:cNvPr id="271" name="Google Shape;271;p41"/>
           <p:cNvSpPr txBox="1"/>
           <p:nvPr>
             <p:ph type="title"/>
@@ -17352,7 +17282,7 @@
   <p:cSld>
     <p:spTree>
       <p:nvGrpSpPr>
-        <p:cNvPr id="274" name="Shape 274"/>
+        <p:cNvPr id="275" name="Shape 275"/>
         <p:cNvGrpSpPr/>
         <p:nvPr/>
       </p:nvGrpSpPr>
@@ -17366,7 +17296,7 @@
       </p:grpSpPr>
       <p:sp>
         <p:nvSpPr>
-          <p:cNvPr id="275" name="Google Shape;275;p42"/>
+          <p:cNvPr id="276" name="Google Shape;276;p42"/>
           <p:cNvSpPr txBox="1"/>
           <p:nvPr>
             <p:ph idx="1" type="body"/>
@@ -17569,7 +17499,7 @@
       </p:sp>
       <p:sp>
         <p:nvSpPr>
-          <p:cNvPr id="276" name="Google Shape;276;p42"/>
+          <p:cNvPr id="277" name="Google Shape;277;p42"/>
           <p:cNvSpPr txBox="1"/>
           <p:nvPr>
             <p:ph type="title"/>
@@ -17609,7 +17539,7 @@
       </p:sp>
       <p:sp>
         <p:nvSpPr>
-          <p:cNvPr id="277" name="Google Shape;277;p42"/>
+          <p:cNvPr id="278" name="Google Shape;278;p42"/>
           <p:cNvSpPr txBox="1"/>
           <p:nvPr>
             <p:ph idx="12" type="sldNum"/>
@@ -17617,8 +17547,8 @@
         </p:nvSpPr>
         <p:spPr>
           <a:xfrm>
-            <a:off x="7315202" y="4416550"/>
-            <a:ext cx="1828800" cy="731400"/>
+            <a:off x="7315209" y="4229101"/>
+            <a:ext cx="1828800" cy="914400"/>
           </a:xfrm>
           <a:prstGeom prst="rect">
             <a:avLst/>
@@ -17656,33 +17586,25 @@
               <a:buNone/>
             </a:pPr>
             <a:r>
-              <a:rPr b="0" lang="en" sz="900" u="sng">
+              <a:rPr b="0" lang="en" sz="1000" u="sng">
                 <a:solidFill>
                   <a:schemeClr val="hlink"/>
                 </a:solidFill>
                 <a:hlinkClick r:id="rId3"/>
               </a:rPr>
-              <a:t>https://profriehle.com</a:t>
-            </a:r>
-            <a:r>
-              <a:rPr b="0" lang="en" sz="900">
-                <a:solidFill>
-                  <a:schemeClr val="dk2"/>
-                </a:solidFill>
-              </a:rPr>
+              <a:t>uni1.de/nyt</a:t>
+            </a:r>
+            <a:r>
+              <a:rPr b="0" lang="en" sz="1000"/>
               <a:t> </a:t>
             </a:r>
-            <a:endParaRPr b="0" sz="900">
-              <a:solidFill>
-                <a:schemeClr val="dk2"/>
-              </a:solidFill>
-            </a:endParaRPr>
+            <a:endParaRPr b="0" sz="1000"/>
           </a:p>
         </p:txBody>
       </p:sp>
       <p:pic>
         <p:nvPicPr>
-          <p:cNvPr id="278" name="Google Shape;278;p42"/>
+          <p:cNvPr id="279" name="Google Shape;279;p42"/>
           <p:cNvPicPr preferRelativeResize="0"/>
           <p:nvPr/>
         </p:nvPicPr>
@@ -17721,7 +17643,7 @@
   <p:cSld>
     <p:spTree>
       <p:nvGrpSpPr>
-        <p:cNvPr id="282" name="Shape 282"/>
+        <p:cNvPr id="283" name="Shape 283"/>
         <p:cNvGrpSpPr/>
         <p:nvPr/>
       </p:nvGrpSpPr>
@@ -17735,7 +17657,7 @@
       </p:grpSpPr>
       <p:sp>
         <p:nvSpPr>
-          <p:cNvPr id="283" name="Google Shape;283;p43"/>
+          <p:cNvPr id="284" name="Google Shape;284;p43"/>
           <p:cNvSpPr txBox="1"/>
           <p:nvPr>
             <p:ph type="title"/>
@@ -17775,7 +17697,7 @@
       </p:sp>
       <p:sp>
         <p:nvSpPr>
-          <p:cNvPr id="284" name="Google Shape;284;p43"/>
+          <p:cNvPr id="285" name="Google Shape;285;p43"/>
           <p:cNvSpPr txBox="1"/>
           <p:nvPr>
             <p:ph idx="1" type="body"/>
@@ -17932,7 +17854,7 @@
       </p:sp>
       <p:sp>
         <p:nvSpPr>
-          <p:cNvPr id="285" name="Google Shape;285;p43"/>
+          <p:cNvPr id="286" name="Google Shape;286;p43"/>
           <p:cNvSpPr txBox="1"/>
           <p:nvPr>
             <p:ph idx="12" type="sldNum"/>
@@ -17940,8 +17862,8 @@
         </p:nvSpPr>
         <p:spPr>
           <a:xfrm>
-            <a:off x="7315202" y="4416550"/>
-            <a:ext cx="1828800" cy="731400"/>
+            <a:off x="7315209" y="4229101"/>
+            <a:ext cx="1828800" cy="914400"/>
           </a:xfrm>
           <a:prstGeom prst="rect">
             <a:avLst/>
@@ -17979,27 +17901,19 @@
               <a:buNone/>
             </a:pPr>
             <a:r>
-              <a:rPr b="0" lang="en" sz="900" u="sng">
+              <a:rPr b="0" lang="en" sz="1000" u="sng">
                 <a:solidFill>
                   <a:schemeClr val="hlink"/>
                 </a:solidFill>
                 <a:hlinkClick r:id="rId3"/>
               </a:rPr>
-              <a:t>https://profriehle.com</a:t>
-            </a:r>
-            <a:r>
-              <a:rPr b="0" lang="en" sz="900">
-                <a:solidFill>
-                  <a:schemeClr val="dk2"/>
-                </a:solidFill>
-              </a:rPr>
+              <a:t>uni1.de/nyt</a:t>
+            </a:r>
+            <a:r>
+              <a:rPr b="0" lang="en" sz="1000"/>
               <a:t> </a:t>
             </a:r>
-            <a:endParaRPr b="0" sz="900">
-              <a:solidFill>
-                <a:schemeClr val="dk2"/>
-              </a:solidFill>
-            </a:endParaRPr>
+            <a:endParaRPr b="0" sz="1000"/>
           </a:p>
         </p:txBody>
       </p:sp>
@@ -18016,7 +17930,7 @@
   <p:cSld>
     <p:spTree>
       <p:nvGrpSpPr>
-        <p:cNvPr id="289" name="Shape 289"/>
+        <p:cNvPr id="290" name="Shape 290"/>
         <p:cNvGrpSpPr/>
         <p:nvPr/>
       </p:nvGrpSpPr>
@@ -18030,7 +17944,7 @@
       </p:grpSpPr>
       <p:sp>
         <p:nvSpPr>
-          <p:cNvPr id="290" name="Google Shape;290;p44"/>
+          <p:cNvPr id="291" name="Google Shape;291;p44"/>
           <p:cNvSpPr txBox="1"/>
           <p:nvPr>
             <p:ph type="title"/>
@@ -18070,7 +17984,7 @@
       </p:sp>
       <p:sp>
         <p:nvSpPr>
-          <p:cNvPr id="291" name="Google Shape;291;p44"/>
+          <p:cNvPr id="292" name="Google Shape;292;p44"/>
           <p:cNvSpPr txBox="1"/>
           <p:nvPr>
             <p:ph idx="1" type="body"/>
@@ -18194,7 +18108,7 @@
       </p:sp>
       <p:sp>
         <p:nvSpPr>
-          <p:cNvPr id="292" name="Google Shape;292;p44"/>
+          <p:cNvPr id="293" name="Google Shape;293;p44"/>
           <p:cNvSpPr txBox="1"/>
           <p:nvPr>
             <p:ph idx="12" type="sldNum"/>
@@ -18202,8 +18116,8 @@
         </p:nvSpPr>
         <p:spPr>
           <a:xfrm>
-            <a:off x="7315202" y="4416550"/>
-            <a:ext cx="1828800" cy="731400"/>
+            <a:off x="7315209" y="4229101"/>
+            <a:ext cx="1828800" cy="914400"/>
           </a:xfrm>
           <a:prstGeom prst="rect">
             <a:avLst/>
@@ -18241,27 +18155,19 @@
               <a:buNone/>
             </a:pPr>
             <a:r>
-              <a:rPr b="0" lang="en" sz="900" u="sng">
+              <a:rPr b="0" lang="en" sz="1000" u="sng">
                 <a:solidFill>
                   <a:schemeClr val="hlink"/>
                 </a:solidFill>
                 <a:hlinkClick r:id="rId3"/>
               </a:rPr>
-              <a:t>https://profriehle.com</a:t>
-            </a:r>
-            <a:r>
-              <a:rPr b="0" lang="en" sz="900">
-                <a:solidFill>
-                  <a:schemeClr val="dk2"/>
-                </a:solidFill>
-              </a:rPr>
+              <a:t>uni1.de/nyt</a:t>
+            </a:r>
+            <a:r>
+              <a:rPr b="0" lang="en" sz="1000"/>
               <a:t> </a:t>
             </a:r>
-            <a:endParaRPr b="0" sz="900">
-              <a:solidFill>
-                <a:schemeClr val="dk2"/>
-              </a:solidFill>
-            </a:endParaRPr>
+            <a:endParaRPr b="0" sz="1000"/>
           </a:p>
         </p:txBody>
       </p:sp>
@@ -18278,7 +18184,7 @@
   <p:cSld>
     <p:spTree>
       <p:nvGrpSpPr>
-        <p:cNvPr id="296" name="Shape 296"/>
+        <p:cNvPr id="297" name="Shape 297"/>
         <p:cNvGrpSpPr/>
         <p:nvPr/>
       </p:nvGrpSpPr>
@@ -18292,7 +18198,7 @@
       </p:grpSpPr>
       <p:sp>
         <p:nvSpPr>
-          <p:cNvPr id="297" name="Google Shape;297;p45"/>
+          <p:cNvPr id="298" name="Google Shape;298;p45"/>
           <p:cNvSpPr txBox="1"/>
           <p:nvPr>
             <p:ph type="title"/>
@@ -18332,7 +18238,7 @@
       </p:sp>
       <p:sp>
         <p:nvSpPr>
-          <p:cNvPr id="298" name="Google Shape;298;p45"/>
+          <p:cNvPr id="299" name="Google Shape;299;p45"/>
           <p:cNvSpPr txBox="1"/>
           <p:nvPr>
             <p:ph idx="1" type="body"/>
@@ -18424,7 +18330,7 @@
       </p:sp>
       <p:sp>
         <p:nvSpPr>
-          <p:cNvPr id="299" name="Google Shape;299;p45"/>
+          <p:cNvPr id="300" name="Google Shape;300;p45"/>
           <p:cNvSpPr txBox="1"/>
           <p:nvPr>
             <p:ph idx="12" type="sldNum"/>
@@ -18432,8 +18338,8 @@
         </p:nvSpPr>
         <p:spPr>
           <a:xfrm>
-            <a:off x="7315202" y="4416550"/>
-            <a:ext cx="1828800" cy="731400"/>
+            <a:off x="7315209" y="4229101"/>
+            <a:ext cx="1828800" cy="914400"/>
           </a:xfrm>
           <a:prstGeom prst="rect">
             <a:avLst/>
@@ -18471,27 +18377,19 @@
               <a:buNone/>
             </a:pPr>
             <a:r>
-              <a:rPr b="0" lang="en" sz="900" u="sng">
+              <a:rPr b="0" lang="en" sz="1000" u="sng">
                 <a:solidFill>
                   <a:schemeClr val="hlink"/>
                 </a:solidFill>
                 <a:hlinkClick r:id="rId3"/>
               </a:rPr>
-              <a:t>https://profriehle.com</a:t>
-            </a:r>
-            <a:r>
-              <a:rPr b="0" lang="en" sz="900">
-                <a:solidFill>
-                  <a:schemeClr val="dk2"/>
-                </a:solidFill>
-              </a:rPr>
+              <a:t>uni1.de/nyt</a:t>
+            </a:r>
+            <a:r>
+              <a:rPr b="0" lang="en" sz="1000"/>
               <a:t> </a:t>
             </a:r>
-            <a:endParaRPr b="0" sz="900">
-              <a:solidFill>
-                <a:schemeClr val="dk2"/>
-              </a:solidFill>
-            </a:endParaRPr>
+            <a:endParaRPr b="0" sz="1000"/>
           </a:p>
         </p:txBody>
       </p:sp>
@@ -18508,7 +18406,7 @@
   <p:cSld>
     <p:spTree>
       <p:nvGrpSpPr>
-        <p:cNvPr id="303" name="Shape 303"/>
+        <p:cNvPr id="304" name="Shape 304"/>
         <p:cNvGrpSpPr/>
         <p:nvPr/>
       </p:nvGrpSpPr>
@@ -18522,7 +18420,7 @@
       </p:grpSpPr>
       <p:sp>
         <p:nvSpPr>
-          <p:cNvPr id="304" name="Google Shape;304;p46"/>
+          <p:cNvPr id="305" name="Google Shape;305;p46"/>
           <p:cNvSpPr txBox="1"/>
           <p:nvPr>
             <p:ph type="title"/>
@@ -18562,7 +18460,7 @@
       </p:sp>
       <p:sp>
         <p:nvSpPr>
-          <p:cNvPr id="305" name="Google Shape;305;p46"/>
+          <p:cNvPr id="306" name="Google Shape;306;p46"/>
           <p:cNvSpPr txBox="1"/>
           <p:nvPr>
             <p:ph idx="1" type="body"/>
@@ -18668,7 +18566,7 @@
       </p:sp>
       <p:sp>
         <p:nvSpPr>
-          <p:cNvPr id="306" name="Google Shape;306;p46"/>
+          <p:cNvPr id="307" name="Google Shape;307;p46"/>
           <p:cNvSpPr txBox="1"/>
           <p:nvPr>
             <p:ph idx="12" type="sldNum"/>
@@ -18676,8 +18574,8 @@
         </p:nvSpPr>
         <p:spPr>
           <a:xfrm>
-            <a:off x="7315202" y="4416550"/>
-            <a:ext cx="1828800" cy="731400"/>
+            <a:off x="7315209" y="4229101"/>
+            <a:ext cx="1828800" cy="914400"/>
           </a:xfrm>
           <a:prstGeom prst="rect">
             <a:avLst/>
@@ -18715,27 +18613,19 @@
               <a:buNone/>
             </a:pPr>
             <a:r>
-              <a:rPr b="0" lang="en" sz="900" u="sng">
+              <a:rPr b="0" lang="en" sz="1000" u="sng">
                 <a:solidFill>
                   <a:schemeClr val="hlink"/>
                 </a:solidFill>
                 <a:hlinkClick r:id="rId3"/>
               </a:rPr>
-              <a:t>https://profriehle.com</a:t>
-            </a:r>
-            <a:r>
-              <a:rPr b="0" lang="en" sz="900">
-                <a:solidFill>
-                  <a:schemeClr val="dk2"/>
-                </a:solidFill>
-              </a:rPr>
+              <a:t>uni1.de/nyt</a:t>
+            </a:r>
+            <a:r>
+              <a:rPr b="0" lang="en" sz="1000"/>
               <a:t> </a:t>
             </a:r>
-            <a:endParaRPr b="0" sz="900">
-              <a:solidFill>
-                <a:schemeClr val="dk2"/>
-              </a:solidFill>
-            </a:endParaRPr>
+            <a:endParaRPr b="0" sz="1000"/>
           </a:p>
         </p:txBody>
       </p:sp>
@@ -18752,7 +18642,7 @@
   <p:cSld>
     <p:spTree>
       <p:nvGrpSpPr>
-        <p:cNvPr id="53" name="Shape 53"/>
+        <p:cNvPr id="54" name="Shape 54"/>
         <p:cNvGrpSpPr/>
         <p:nvPr/>
       </p:nvGrpSpPr>
@@ -18766,7 +18656,7 @@
       </p:grpSpPr>
       <p:sp>
         <p:nvSpPr>
-          <p:cNvPr id="54" name="Google Shape;54;p11"/>
+          <p:cNvPr id="55" name="Google Shape;55;p11"/>
           <p:cNvSpPr txBox="1"/>
           <p:nvPr>
             <p:ph idx="1" type="body"/>
@@ -18922,7 +18812,7 @@
       </p:sp>
       <p:sp>
         <p:nvSpPr>
-          <p:cNvPr id="55" name="Google Shape;55;p11"/>
+          <p:cNvPr id="56" name="Google Shape;56;p11"/>
           <p:cNvSpPr txBox="1"/>
           <p:nvPr>
             <p:ph type="title"/>
@@ -18962,7 +18852,7 @@
       </p:sp>
       <p:sp>
         <p:nvSpPr>
-          <p:cNvPr id="56" name="Google Shape;56;p11"/>
+          <p:cNvPr id="57" name="Google Shape;57;p11"/>
           <p:cNvSpPr txBox="1"/>
           <p:nvPr>
             <p:ph idx="12" type="sldNum"/>
@@ -18970,8 +18860,8 @@
         </p:nvSpPr>
         <p:spPr>
           <a:xfrm>
-            <a:off x="7315202" y="4416550"/>
-            <a:ext cx="1828800" cy="731400"/>
+            <a:off x="7315209" y="4229101"/>
+            <a:ext cx="1828800" cy="914400"/>
           </a:xfrm>
           <a:prstGeom prst="rect">
             <a:avLst/>
@@ -19009,27 +18899,19 @@
               <a:buNone/>
             </a:pPr>
             <a:r>
-              <a:rPr b="0" lang="en" sz="900" u="sng">
+              <a:rPr b="0" lang="en" sz="1000" u="sng">
                 <a:solidFill>
                   <a:schemeClr val="hlink"/>
                 </a:solidFill>
                 <a:hlinkClick r:id="rId3"/>
               </a:rPr>
-              <a:t>https://profriehle.com</a:t>
-            </a:r>
-            <a:r>
-              <a:rPr b="0" lang="en" sz="900">
-                <a:solidFill>
-                  <a:schemeClr val="dk2"/>
-                </a:solidFill>
-              </a:rPr>
+              <a:t>uni1.de/nyt</a:t>
+            </a:r>
+            <a:r>
+              <a:rPr b="0" lang="en" sz="1000"/>
               <a:t> </a:t>
             </a:r>
-            <a:endParaRPr b="0" sz="900">
-              <a:solidFill>
-                <a:schemeClr val="dk2"/>
-              </a:solidFill>
-            </a:endParaRPr>
+            <a:endParaRPr b="0" sz="1000"/>
           </a:p>
         </p:txBody>
       </p:sp>
@@ -19046,7 +18928,7 @@
   <p:cSld>
     <p:spTree>
       <p:nvGrpSpPr>
-        <p:cNvPr id="310" name="Shape 310"/>
+        <p:cNvPr id="311" name="Shape 311"/>
         <p:cNvGrpSpPr/>
         <p:nvPr/>
       </p:nvGrpSpPr>
@@ -19060,7 +18942,7 @@
       </p:grpSpPr>
       <p:sp>
         <p:nvSpPr>
-          <p:cNvPr id="311" name="Google Shape;311;p47"/>
+          <p:cNvPr id="312" name="Google Shape;312;p47"/>
           <p:cNvSpPr txBox="1"/>
           <p:nvPr>
             <p:ph type="title"/>
@@ -19100,7 +18982,7 @@
       </p:sp>
       <p:sp>
         <p:nvSpPr>
-          <p:cNvPr id="312" name="Google Shape;312;p47"/>
+          <p:cNvPr id="313" name="Google Shape;313;p47"/>
           <p:cNvSpPr txBox="1"/>
           <p:nvPr>
             <p:ph idx="1" type="body"/>
@@ -19301,7 +19183,7 @@
       </p:sp>
       <p:sp>
         <p:nvSpPr>
-          <p:cNvPr id="313" name="Google Shape;313;p47"/>
+          <p:cNvPr id="314" name="Google Shape;314;p47"/>
           <p:cNvSpPr txBox="1"/>
           <p:nvPr>
             <p:ph idx="12" type="sldNum"/>
@@ -19309,8 +19191,8 @@
         </p:nvSpPr>
         <p:spPr>
           <a:xfrm>
-            <a:off x="7315202" y="4416550"/>
-            <a:ext cx="1828800" cy="731400"/>
+            <a:off x="7315209" y="4229101"/>
+            <a:ext cx="1828800" cy="914400"/>
           </a:xfrm>
           <a:prstGeom prst="rect">
             <a:avLst/>
@@ -19348,33 +19230,25 @@
               <a:buNone/>
             </a:pPr>
             <a:r>
-              <a:rPr b="0" lang="en" sz="900" u="sng">
+              <a:rPr b="0" lang="en" sz="1000" u="sng">
                 <a:solidFill>
                   <a:schemeClr val="hlink"/>
                 </a:solidFill>
                 <a:hlinkClick r:id="rId3"/>
               </a:rPr>
-              <a:t>https://profriehle.com</a:t>
-            </a:r>
-            <a:r>
-              <a:rPr b="0" lang="en" sz="900">
-                <a:solidFill>
-                  <a:schemeClr val="dk2"/>
-                </a:solidFill>
-              </a:rPr>
+              <a:t>uni1.de/nyt</a:t>
+            </a:r>
+            <a:r>
+              <a:rPr b="0" lang="en" sz="1000"/>
               <a:t> </a:t>
             </a:r>
-            <a:endParaRPr b="0" sz="900">
-              <a:solidFill>
-                <a:schemeClr val="dk2"/>
-              </a:solidFill>
-            </a:endParaRPr>
+            <a:endParaRPr b="0" sz="1000"/>
           </a:p>
         </p:txBody>
       </p:sp>
       <p:sp>
         <p:nvSpPr>
-          <p:cNvPr id="314" name="Google Shape;314;p47"/>
+          <p:cNvPr id="315" name="Google Shape;315;p47"/>
           <p:cNvSpPr txBox="1"/>
           <p:nvPr/>
         </p:nvSpPr>
@@ -19440,7 +19314,7 @@
   <p:cSld>
     <p:spTree>
       <p:nvGrpSpPr>
-        <p:cNvPr id="318" name="Shape 318"/>
+        <p:cNvPr id="319" name="Shape 319"/>
         <p:cNvGrpSpPr/>
         <p:nvPr/>
       </p:nvGrpSpPr>
@@ -19454,7 +19328,7 @@
       </p:grpSpPr>
       <p:sp>
         <p:nvSpPr>
-          <p:cNvPr id="319" name="Google Shape;319;p48"/>
+          <p:cNvPr id="320" name="Google Shape;320;p48"/>
           <p:cNvSpPr txBox="1"/>
           <p:nvPr>
             <p:ph type="title"/>
@@ -19494,7 +19368,7 @@
       </p:sp>
       <p:sp>
         <p:nvSpPr>
-          <p:cNvPr id="320" name="Google Shape;320;p48"/>
+          <p:cNvPr id="321" name="Google Shape;321;p48"/>
           <p:cNvSpPr txBox="1"/>
           <p:nvPr>
             <p:ph idx="12" type="sldNum"/>
@@ -19502,8 +19376,8 @@
         </p:nvSpPr>
         <p:spPr>
           <a:xfrm>
-            <a:off x="7315202" y="4416550"/>
-            <a:ext cx="1828800" cy="731400"/>
+            <a:off x="7315209" y="4229101"/>
+            <a:ext cx="1828800" cy="914400"/>
           </a:xfrm>
           <a:prstGeom prst="rect">
             <a:avLst/>
@@ -19541,33 +19415,25 @@
               <a:buNone/>
             </a:pPr>
             <a:r>
-              <a:rPr b="0" lang="en" sz="900" u="sng">
+              <a:rPr b="0" lang="en" sz="1000" u="sng">
                 <a:solidFill>
                   <a:schemeClr val="hlink"/>
                 </a:solidFill>
                 <a:hlinkClick r:id="rId3"/>
               </a:rPr>
-              <a:t>https://profriehle.com</a:t>
-            </a:r>
-            <a:r>
-              <a:rPr b="0" lang="en" sz="900">
-                <a:solidFill>
-                  <a:schemeClr val="dk2"/>
-                </a:solidFill>
-              </a:rPr>
+              <a:t>uni1.de/nyt</a:t>
+            </a:r>
+            <a:r>
+              <a:rPr b="0" lang="en" sz="1000"/>
               <a:t> </a:t>
             </a:r>
-            <a:endParaRPr b="0" sz="900">
-              <a:solidFill>
-                <a:schemeClr val="dk2"/>
-              </a:solidFill>
-            </a:endParaRPr>
+            <a:endParaRPr b="0" sz="1000"/>
           </a:p>
         </p:txBody>
       </p:sp>
       <p:pic>
         <p:nvPicPr>
-          <p:cNvPr id="321" name="Google Shape;321;p48"/>
+          <p:cNvPr id="322" name="Google Shape;322;p48"/>
           <p:cNvPicPr preferRelativeResize="0"/>
           <p:nvPr/>
         </p:nvPicPr>
@@ -19606,7 +19472,7 @@
   <p:cSld>
     <p:spTree>
       <p:nvGrpSpPr>
-        <p:cNvPr id="325" name="Shape 325"/>
+        <p:cNvPr id="326" name="Shape 326"/>
         <p:cNvGrpSpPr/>
         <p:nvPr/>
       </p:nvGrpSpPr>
@@ -19620,7 +19486,7 @@
       </p:grpSpPr>
       <p:sp>
         <p:nvSpPr>
-          <p:cNvPr id="326" name="Google Shape;326;p49"/>
+          <p:cNvPr id="327" name="Google Shape;327;p49"/>
           <p:cNvSpPr txBox="1"/>
           <p:nvPr>
             <p:ph type="title"/>
@@ -19660,7 +19526,7 @@
       </p:sp>
       <p:sp>
         <p:nvSpPr>
-          <p:cNvPr id="327" name="Google Shape;327;p49"/>
+          <p:cNvPr id="328" name="Google Shape;328;p49"/>
           <p:cNvSpPr txBox="1"/>
           <p:nvPr>
             <p:ph idx="1" type="body"/>
@@ -19766,7 +19632,7 @@
       </p:sp>
       <p:sp>
         <p:nvSpPr>
-          <p:cNvPr id="328" name="Google Shape;328;p49"/>
+          <p:cNvPr id="329" name="Google Shape;329;p49"/>
           <p:cNvSpPr txBox="1"/>
           <p:nvPr>
             <p:ph idx="12" type="sldNum"/>
@@ -19774,8 +19640,8 @@
         </p:nvSpPr>
         <p:spPr>
           <a:xfrm>
-            <a:off x="7315202" y="4416550"/>
-            <a:ext cx="1828800" cy="731400"/>
+            <a:off x="7315209" y="4229101"/>
+            <a:ext cx="1828800" cy="914400"/>
           </a:xfrm>
           <a:prstGeom prst="rect">
             <a:avLst/>
@@ -19813,27 +19679,19 @@
               <a:buNone/>
             </a:pPr>
             <a:r>
-              <a:rPr b="0" lang="en" sz="900" u="sng">
+              <a:rPr b="0" lang="en" sz="1000" u="sng">
                 <a:solidFill>
                   <a:schemeClr val="hlink"/>
                 </a:solidFill>
                 <a:hlinkClick r:id="rId3"/>
               </a:rPr>
-              <a:t>https://profriehle.com</a:t>
-            </a:r>
-            <a:r>
-              <a:rPr b="0" lang="en" sz="900">
-                <a:solidFill>
-                  <a:schemeClr val="dk2"/>
-                </a:solidFill>
-              </a:rPr>
+              <a:t>uni1.de/nyt</a:t>
+            </a:r>
+            <a:r>
+              <a:rPr b="0" lang="en" sz="1000"/>
               <a:t> </a:t>
             </a:r>
-            <a:endParaRPr b="0" sz="900">
-              <a:solidFill>
-                <a:schemeClr val="dk2"/>
-              </a:solidFill>
-            </a:endParaRPr>
+            <a:endParaRPr b="0" sz="1000"/>
           </a:p>
         </p:txBody>
       </p:sp>
@@ -19850,7 +19708,7 @@
   <p:cSld>
     <p:spTree>
       <p:nvGrpSpPr>
-        <p:cNvPr id="332" name="Shape 332"/>
+        <p:cNvPr id="333" name="Shape 333"/>
         <p:cNvGrpSpPr/>
         <p:nvPr/>
       </p:nvGrpSpPr>
@@ -19864,7 +19722,7 @@
       </p:grpSpPr>
       <p:sp>
         <p:nvSpPr>
-          <p:cNvPr id="333" name="Google Shape;333;p50"/>
+          <p:cNvPr id="334" name="Google Shape;334;p50"/>
           <p:cNvSpPr txBox="1"/>
           <p:nvPr>
             <p:ph type="title"/>
@@ -19904,7 +19762,7 @@
       </p:sp>
       <p:sp>
         <p:nvSpPr>
-          <p:cNvPr id="334" name="Google Shape;334;p50"/>
+          <p:cNvPr id="335" name="Google Shape;335;p50"/>
           <p:cNvSpPr txBox="1"/>
           <p:nvPr>
             <p:ph idx="1" type="body"/>
@@ -20045,7 +19903,7 @@
       </p:sp>
       <p:sp>
         <p:nvSpPr>
-          <p:cNvPr id="335" name="Google Shape;335;p50"/>
+          <p:cNvPr id="336" name="Google Shape;336;p50"/>
           <p:cNvSpPr txBox="1"/>
           <p:nvPr>
             <p:ph idx="12" type="sldNum"/>
@@ -20053,8 +19911,8 @@
         </p:nvSpPr>
         <p:spPr>
           <a:xfrm>
-            <a:off x="7315202" y="4416550"/>
-            <a:ext cx="1828800" cy="731400"/>
+            <a:off x="7315209" y="4229101"/>
+            <a:ext cx="1828800" cy="914400"/>
           </a:xfrm>
           <a:prstGeom prst="rect">
             <a:avLst/>
@@ -20092,27 +19950,19 @@
               <a:buNone/>
             </a:pPr>
             <a:r>
-              <a:rPr b="0" lang="en" sz="900" u="sng">
+              <a:rPr b="0" lang="en" sz="1000" u="sng">
                 <a:solidFill>
                   <a:schemeClr val="hlink"/>
                 </a:solidFill>
                 <a:hlinkClick r:id="rId3"/>
               </a:rPr>
-              <a:t>https://profriehle.com</a:t>
-            </a:r>
-            <a:r>
-              <a:rPr b="0" lang="en" sz="900">
-                <a:solidFill>
-                  <a:schemeClr val="dk2"/>
-                </a:solidFill>
-              </a:rPr>
+              <a:t>uni1.de/nyt</a:t>
+            </a:r>
+            <a:r>
+              <a:rPr b="0" lang="en" sz="1000"/>
               <a:t> </a:t>
             </a:r>
-            <a:endParaRPr b="0" sz="900">
-              <a:solidFill>
-                <a:schemeClr val="dk2"/>
-              </a:solidFill>
-            </a:endParaRPr>
+            <a:endParaRPr b="0" sz="1000"/>
           </a:p>
         </p:txBody>
       </p:sp>
@@ -20129,7 +19979,7 @@
   <p:cSld>
     <p:spTree>
       <p:nvGrpSpPr>
-        <p:cNvPr id="339" name="Shape 339"/>
+        <p:cNvPr id="340" name="Shape 340"/>
         <p:cNvGrpSpPr/>
         <p:nvPr/>
       </p:nvGrpSpPr>
@@ -20143,7 +19993,7 @@
       </p:grpSpPr>
       <p:sp>
         <p:nvSpPr>
-          <p:cNvPr id="340" name="Google Shape;340;p51"/>
+          <p:cNvPr id="341" name="Google Shape;341;p51"/>
           <p:cNvSpPr txBox="1"/>
           <p:nvPr>
             <p:ph type="title"/>
@@ -20194,7 +20044,7 @@
   <p:cSld>
     <p:spTree>
       <p:nvGrpSpPr>
-        <p:cNvPr id="344" name="Shape 344"/>
+        <p:cNvPr id="345" name="Shape 345"/>
         <p:cNvGrpSpPr/>
         <p:nvPr/>
       </p:nvGrpSpPr>
@@ -20208,7 +20058,7 @@
       </p:grpSpPr>
       <p:sp>
         <p:nvSpPr>
-          <p:cNvPr id="345" name="Google Shape;345;p52"/>
+          <p:cNvPr id="346" name="Google Shape;346;p52"/>
           <p:cNvSpPr txBox="1"/>
           <p:nvPr>
             <p:ph type="title"/>
@@ -20248,7 +20098,7 @@
       </p:sp>
       <p:sp>
         <p:nvSpPr>
-          <p:cNvPr id="346" name="Google Shape;346;p52"/>
+          <p:cNvPr id="347" name="Google Shape;347;p52"/>
           <p:cNvSpPr txBox="1"/>
           <p:nvPr>
             <p:ph idx="1" type="body"/>
@@ -20372,7 +20222,7 @@
       </p:sp>
       <p:sp>
         <p:nvSpPr>
-          <p:cNvPr id="347" name="Google Shape;347;p52"/>
+          <p:cNvPr id="348" name="Google Shape;348;p52"/>
           <p:cNvSpPr txBox="1"/>
           <p:nvPr>
             <p:ph idx="12" type="sldNum"/>
@@ -20380,8 +20230,8 @@
         </p:nvSpPr>
         <p:spPr>
           <a:xfrm>
-            <a:off x="7315202" y="4416550"/>
-            <a:ext cx="1828800" cy="731400"/>
+            <a:off x="7315209" y="4229101"/>
+            <a:ext cx="1828800" cy="914400"/>
           </a:xfrm>
           <a:prstGeom prst="rect">
             <a:avLst/>
@@ -20419,33 +20269,25 @@
               <a:buNone/>
             </a:pPr>
             <a:r>
-              <a:rPr b="0" lang="en" sz="900" u="sng">
+              <a:rPr b="0" lang="en" sz="1000" u="sng">
                 <a:solidFill>
                   <a:schemeClr val="hlink"/>
                 </a:solidFill>
                 <a:hlinkClick r:id="rId3"/>
               </a:rPr>
-              <a:t>https://profriehle.com</a:t>
-            </a:r>
-            <a:r>
-              <a:rPr b="0" lang="en" sz="900">
-                <a:solidFill>
-                  <a:schemeClr val="dk2"/>
-                </a:solidFill>
-              </a:rPr>
+              <a:t>uni1.de/nyt</a:t>
+            </a:r>
+            <a:r>
+              <a:rPr b="0" lang="en" sz="1000"/>
               <a:t> </a:t>
             </a:r>
-            <a:endParaRPr b="0" sz="900">
-              <a:solidFill>
-                <a:schemeClr val="dk2"/>
-              </a:solidFill>
-            </a:endParaRPr>
+            <a:endParaRPr b="0" sz="1000"/>
           </a:p>
         </p:txBody>
       </p:sp>
       <p:pic>
         <p:nvPicPr>
-          <p:cNvPr id="348" name="Google Shape;348;p52"/>
+          <p:cNvPr id="349" name="Google Shape;349;p52"/>
           <p:cNvPicPr preferRelativeResize="0"/>
           <p:nvPr/>
         </p:nvPicPr>
@@ -20484,7 +20326,7 @@
   <p:cSld>
     <p:spTree>
       <p:nvGrpSpPr>
-        <p:cNvPr id="352" name="Shape 352"/>
+        <p:cNvPr id="353" name="Shape 353"/>
         <p:cNvGrpSpPr/>
         <p:nvPr/>
       </p:nvGrpSpPr>
@@ -20498,7 +20340,7 @@
       </p:grpSpPr>
       <p:sp>
         <p:nvSpPr>
-          <p:cNvPr id="353" name="Google Shape;353;p53"/>
+          <p:cNvPr id="354" name="Google Shape;354;p53"/>
           <p:cNvSpPr txBox="1"/>
           <p:nvPr>
             <p:ph type="title"/>
@@ -20538,7 +20380,7 @@
       </p:sp>
       <p:sp>
         <p:nvSpPr>
-          <p:cNvPr id="354" name="Google Shape;354;p53"/>
+          <p:cNvPr id="355" name="Google Shape;355;p53"/>
           <p:cNvSpPr txBox="1"/>
           <p:nvPr>
             <p:ph idx="12" type="sldNum"/>
@@ -20546,8 +20388,8 @@
         </p:nvSpPr>
         <p:spPr>
           <a:xfrm>
-            <a:off x="7315202" y="4416550"/>
-            <a:ext cx="1828800" cy="731400"/>
+            <a:off x="7315209" y="4229101"/>
+            <a:ext cx="1828800" cy="914400"/>
           </a:xfrm>
           <a:prstGeom prst="rect">
             <a:avLst/>
@@ -20585,33 +20427,25 @@
               <a:buNone/>
             </a:pPr>
             <a:r>
-              <a:rPr b="0" lang="en" sz="900" u="sng">
+              <a:rPr b="0" lang="en" sz="1000" u="sng">
                 <a:solidFill>
                   <a:schemeClr val="hlink"/>
                 </a:solidFill>
                 <a:hlinkClick r:id="rId3"/>
               </a:rPr>
-              <a:t>https://profriehle.com</a:t>
-            </a:r>
-            <a:r>
-              <a:rPr b="0" lang="en" sz="900">
-                <a:solidFill>
-                  <a:schemeClr val="dk2"/>
-                </a:solidFill>
-              </a:rPr>
+              <a:t>uni1.de/nyt</a:t>
+            </a:r>
+            <a:r>
+              <a:rPr b="0" lang="en" sz="1000"/>
               <a:t> </a:t>
             </a:r>
-            <a:endParaRPr b="0" sz="900">
-              <a:solidFill>
-                <a:schemeClr val="dk2"/>
-              </a:solidFill>
-            </a:endParaRPr>
+            <a:endParaRPr b="0" sz="1000"/>
           </a:p>
         </p:txBody>
       </p:sp>
       <p:sp>
         <p:nvSpPr>
-          <p:cNvPr id="355" name="Google Shape;355;p53"/>
+          <p:cNvPr id="356" name="Google Shape;356;p53"/>
           <p:cNvSpPr txBox="1"/>
           <p:nvPr>
             <p:ph idx="1" type="body"/>
@@ -20795,7 +20629,7 @@
   <p:cSld>
     <p:spTree>
       <p:nvGrpSpPr>
-        <p:cNvPr id="359" name="Shape 359"/>
+        <p:cNvPr id="360" name="Shape 360"/>
         <p:cNvGrpSpPr/>
         <p:nvPr/>
       </p:nvGrpSpPr>
@@ -20809,7 +20643,7 @@
       </p:grpSpPr>
       <p:sp>
         <p:nvSpPr>
-          <p:cNvPr id="360" name="Google Shape;360;p54"/>
+          <p:cNvPr id="361" name="Google Shape;361;p54"/>
           <p:cNvSpPr txBox="1"/>
           <p:nvPr>
             <p:ph type="title"/>
@@ -20849,7 +20683,7 @@
       </p:sp>
       <p:sp>
         <p:nvSpPr>
-          <p:cNvPr id="361" name="Google Shape;361;p54"/>
+          <p:cNvPr id="362" name="Google Shape;362;p54"/>
           <p:cNvSpPr txBox="1"/>
           <p:nvPr>
             <p:ph idx="1" type="body"/>
@@ -20971,7 +20805,7 @@
       </p:sp>
       <p:sp>
         <p:nvSpPr>
-          <p:cNvPr id="362" name="Google Shape;362;p54"/>
+          <p:cNvPr id="363" name="Google Shape;363;p54"/>
           <p:cNvSpPr txBox="1"/>
           <p:nvPr>
             <p:ph idx="12" type="sldNum"/>
@@ -20979,8 +20813,8 @@
         </p:nvSpPr>
         <p:spPr>
           <a:xfrm>
-            <a:off x="7315202" y="4416550"/>
-            <a:ext cx="1828800" cy="731400"/>
+            <a:off x="7315209" y="4229101"/>
+            <a:ext cx="1828800" cy="914400"/>
           </a:xfrm>
           <a:prstGeom prst="rect">
             <a:avLst/>
@@ -21018,27 +20852,19 @@
               <a:buNone/>
             </a:pPr>
             <a:r>
-              <a:rPr b="0" lang="en" sz="900" u="sng">
+              <a:rPr b="0" lang="en" sz="1000" u="sng">
                 <a:solidFill>
                   <a:schemeClr val="hlink"/>
                 </a:solidFill>
                 <a:hlinkClick r:id="rId3"/>
               </a:rPr>
-              <a:t>https://profriehle.com</a:t>
-            </a:r>
-            <a:r>
-              <a:rPr b="0" lang="en" sz="900">
-                <a:solidFill>
-                  <a:schemeClr val="dk2"/>
-                </a:solidFill>
-              </a:rPr>
+              <a:t>uni1.de/nyt</a:t>
+            </a:r>
+            <a:r>
+              <a:rPr b="0" lang="en" sz="1000"/>
               <a:t> </a:t>
             </a:r>
-            <a:endParaRPr b="0" sz="900">
-              <a:solidFill>
-                <a:schemeClr val="dk2"/>
-              </a:solidFill>
-            </a:endParaRPr>
+            <a:endParaRPr b="0" sz="1000"/>
           </a:p>
         </p:txBody>
       </p:sp>
@@ -21055,7 +20881,7 @@
   <p:cSld>
     <p:spTree>
       <p:nvGrpSpPr>
-        <p:cNvPr id="366" name="Shape 366"/>
+        <p:cNvPr id="367" name="Shape 367"/>
         <p:cNvGrpSpPr/>
         <p:nvPr/>
       </p:nvGrpSpPr>
@@ -21069,7 +20895,7 @@
       </p:grpSpPr>
       <p:sp>
         <p:nvSpPr>
-          <p:cNvPr id="367" name="Google Shape;367;p55"/>
+          <p:cNvPr id="368" name="Google Shape;368;p55"/>
           <p:cNvSpPr txBox="1"/>
           <p:nvPr>
             <p:ph type="title"/>
@@ -21109,7 +20935,7 @@
       </p:sp>
       <p:sp>
         <p:nvSpPr>
-          <p:cNvPr id="368" name="Google Shape;368;p55"/>
+          <p:cNvPr id="369" name="Google Shape;369;p55"/>
           <p:cNvSpPr txBox="1"/>
           <p:nvPr>
             <p:ph idx="1" type="body"/>
@@ -21198,7 +21024,7 @@
       </p:sp>
       <p:sp>
         <p:nvSpPr>
-          <p:cNvPr id="369" name="Google Shape;369;p55"/>
+          <p:cNvPr id="370" name="Google Shape;370;p55"/>
           <p:cNvSpPr txBox="1"/>
           <p:nvPr>
             <p:ph idx="12" type="sldNum"/>
@@ -21206,8 +21032,8 @@
         </p:nvSpPr>
         <p:spPr>
           <a:xfrm>
-            <a:off x="7315202" y="4416550"/>
-            <a:ext cx="1828800" cy="731400"/>
+            <a:off x="7315209" y="4229101"/>
+            <a:ext cx="1828800" cy="914400"/>
           </a:xfrm>
           <a:prstGeom prst="rect">
             <a:avLst/>
@@ -21245,27 +21071,19 @@
               <a:buNone/>
             </a:pPr>
             <a:r>
-              <a:rPr b="0" lang="en" sz="900" u="sng">
+              <a:rPr b="0" lang="en" sz="1000" u="sng">
                 <a:solidFill>
                   <a:schemeClr val="hlink"/>
                 </a:solidFill>
                 <a:hlinkClick r:id="rId3"/>
               </a:rPr>
-              <a:t>https://profriehle.com</a:t>
-            </a:r>
-            <a:r>
-              <a:rPr b="0" lang="en" sz="900">
-                <a:solidFill>
-                  <a:schemeClr val="dk2"/>
-                </a:solidFill>
-              </a:rPr>
+              <a:t>uni1.de/nyt</a:t>
+            </a:r>
+            <a:r>
+              <a:rPr b="0" lang="en" sz="1000"/>
               <a:t> </a:t>
             </a:r>
-            <a:endParaRPr b="0" sz="900">
-              <a:solidFill>
-                <a:schemeClr val="dk2"/>
-              </a:solidFill>
-            </a:endParaRPr>
+            <a:endParaRPr b="0" sz="1000"/>
           </a:p>
         </p:txBody>
       </p:sp>
@@ -21282,7 +21100,7 @@
   <p:cSld>
     <p:spTree>
       <p:nvGrpSpPr>
-        <p:cNvPr id="373" name="Shape 373"/>
+        <p:cNvPr id="374" name="Shape 374"/>
         <p:cNvGrpSpPr/>
         <p:nvPr/>
       </p:nvGrpSpPr>
@@ -21296,7 +21114,7 @@
       </p:grpSpPr>
       <p:sp>
         <p:nvSpPr>
-          <p:cNvPr id="374" name="Google Shape;374;p56"/>
+          <p:cNvPr id="375" name="Google Shape;375;p56"/>
           <p:cNvSpPr txBox="1"/>
           <p:nvPr>
             <p:ph type="title"/>
@@ -21336,7 +21154,7 @@
       </p:sp>
       <p:sp>
         <p:nvSpPr>
-          <p:cNvPr id="375" name="Google Shape;375;p56"/>
+          <p:cNvPr id="376" name="Google Shape;376;p56"/>
           <p:cNvSpPr txBox="1"/>
           <p:nvPr>
             <p:ph idx="12" type="sldNum"/>
@@ -21344,8 +21162,8 @@
         </p:nvSpPr>
         <p:spPr>
           <a:xfrm>
-            <a:off x="7315202" y="4416550"/>
-            <a:ext cx="1828800" cy="731400"/>
+            <a:off x="7315209" y="4229101"/>
+            <a:ext cx="1828800" cy="914400"/>
           </a:xfrm>
           <a:prstGeom prst="rect">
             <a:avLst/>
@@ -21383,33 +21201,25 @@
               <a:buNone/>
             </a:pPr>
             <a:r>
-              <a:rPr b="0" lang="en" sz="900" u="sng">
+              <a:rPr b="0" lang="en" sz="1000" u="sng">
                 <a:solidFill>
                   <a:schemeClr val="hlink"/>
                 </a:solidFill>
                 <a:hlinkClick r:id="rId3"/>
               </a:rPr>
-              <a:t>https://profriehle.com</a:t>
-            </a:r>
-            <a:r>
-              <a:rPr b="0" lang="en" sz="900">
-                <a:solidFill>
-                  <a:schemeClr val="dk2"/>
-                </a:solidFill>
-              </a:rPr>
+              <a:t>uni1.de/nyt</a:t>
+            </a:r>
+            <a:r>
+              <a:rPr b="0" lang="en" sz="1000"/>
               <a:t> </a:t>
             </a:r>
-            <a:endParaRPr b="0" sz="900">
-              <a:solidFill>
-                <a:schemeClr val="dk2"/>
-              </a:solidFill>
-            </a:endParaRPr>
+            <a:endParaRPr b="0" sz="1000"/>
           </a:p>
         </p:txBody>
       </p:sp>
       <p:graphicFrame>
         <p:nvGraphicFramePr>
-          <p:cNvPr id="376" name="Google Shape;376;p56"/>
+          <p:cNvPr id="377" name="Google Shape;377;p56"/>
           <p:cNvGraphicFramePr/>
           <p:nvPr/>
         </p:nvGraphicFramePr>
@@ -21422,7 +21232,7 @@
             <a:tbl>
               <a:tblPr>
                 <a:noFill/>
-                <a:tableStyleId>{A56FE111-90E7-4208-AFAF-8F287F26BDB3}</a:tableStyleId>
+                <a:tableStyleId>{9CEC0C64-FEF3-4152-A805-9D5F9A160509}</a:tableStyleId>
               </a:tblPr>
               <a:tblGrid>
                 <a:gridCol w="4297675"/>
@@ -22802,7 +22612,7 @@
   <p:cSld>
     <p:spTree>
       <p:nvGrpSpPr>
-        <p:cNvPr id="60" name="Shape 60"/>
+        <p:cNvPr id="61" name="Shape 61"/>
         <p:cNvGrpSpPr/>
         <p:nvPr/>
       </p:nvGrpSpPr>
@@ -22816,7 +22626,7 @@
       </p:grpSpPr>
       <p:sp>
         <p:nvSpPr>
-          <p:cNvPr id="61" name="Google Shape;61;p12"/>
+          <p:cNvPr id="62" name="Google Shape;62;p12"/>
           <p:cNvSpPr txBox="1"/>
           <p:nvPr>
             <p:ph type="title"/>
@@ -22856,7 +22666,7 @@
       </p:sp>
       <p:sp>
         <p:nvSpPr>
-          <p:cNvPr id="62" name="Google Shape;62;p12"/>
+          <p:cNvPr id="63" name="Google Shape;63;p12"/>
           <p:cNvSpPr txBox="1"/>
           <p:nvPr>
             <p:ph idx="1" type="body"/>
@@ -23028,7 +22838,7 @@
       </p:sp>
       <p:sp>
         <p:nvSpPr>
-          <p:cNvPr id="63" name="Google Shape;63;p12"/>
+          <p:cNvPr id="64" name="Google Shape;64;p12"/>
           <p:cNvSpPr txBox="1"/>
           <p:nvPr>
             <p:ph idx="12" type="sldNum"/>
@@ -23036,8 +22846,8 @@
         </p:nvSpPr>
         <p:spPr>
           <a:xfrm>
-            <a:off x="7315202" y="4416550"/>
-            <a:ext cx="1828800" cy="731400"/>
+            <a:off x="7315209" y="4229101"/>
+            <a:ext cx="1828800" cy="914400"/>
           </a:xfrm>
           <a:prstGeom prst="rect">
             <a:avLst/>
@@ -23075,27 +22885,19 @@
               <a:buNone/>
             </a:pPr>
             <a:r>
-              <a:rPr b="0" lang="en" sz="900" u="sng">
+              <a:rPr b="0" lang="en" sz="1000" u="sng">
                 <a:solidFill>
                   <a:schemeClr val="hlink"/>
                 </a:solidFill>
                 <a:hlinkClick r:id="rId3"/>
               </a:rPr>
-              <a:t>https://profriehle.com</a:t>
-            </a:r>
-            <a:r>
-              <a:rPr b="0" lang="en" sz="900">
-                <a:solidFill>
-                  <a:schemeClr val="dk2"/>
-                </a:solidFill>
-              </a:rPr>
+              <a:t>uni1.de/nyt</a:t>
+            </a:r>
+            <a:r>
+              <a:rPr b="0" lang="en" sz="1000"/>
               <a:t> </a:t>
             </a:r>
-            <a:endParaRPr b="0" sz="900">
-              <a:solidFill>
-                <a:schemeClr val="dk2"/>
-              </a:solidFill>
-            </a:endParaRPr>
+            <a:endParaRPr b="0" sz="1000"/>
           </a:p>
         </p:txBody>
       </p:sp>
@@ -23112,7 +22914,7 @@
   <p:cSld>
     <p:spTree>
       <p:nvGrpSpPr>
-        <p:cNvPr id="380" name="Shape 380"/>
+        <p:cNvPr id="381" name="Shape 381"/>
         <p:cNvGrpSpPr/>
         <p:nvPr/>
       </p:nvGrpSpPr>
@@ -23126,7 +22928,7 @@
       </p:grpSpPr>
       <p:sp>
         <p:nvSpPr>
-          <p:cNvPr id="381" name="Google Shape;381;p57"/>
+          <p:cNvPr id="382" name="Google Shape;382;p57"/>
           <p:cNvSpPr txBox="1"/>
           <p:nvPr>
             <p:ph type="title"/>
@@ -23166,7 +22968,7 @@
       </p:sp>
       <p:sp>
         <p:nvSpPr>
-          <p:cNvPr id="382" name="Google Shape;382;p57"/>
+          <p:cNvPr id="383" name="Google Shape;383;p57"/>
           <p:cNvSpPr txBox="1"/>
           <p:nvPr>
             <p:ph idx="12" type="sldNum"/>
@@ -23174,8 +22976,8 @@
         </p:nvSpPr>
         <p:spPr>
           <a:xfrm>
-            <a:off x="7315202" y="4416550"/>
-            <a:ext cx="1828800" cy="731400"/>
+            <a:off x="7315209" y="4229101"/>
+            <a:ext cx="1828800" cy="914400"/>
           </a:xfrm>
           <a:prstGeom prst="rect">
             <a:avLst/>
@@ -23213,33 +23015,25 @@
               <a:buNone/>
             </a:pPr>
             <a:r>
-              <a:rPr b="0" lang="en" sz="900" u="sng">
+              <a:rPr b="0" lang="en" sz="1000" u="sng">
                 <a:solidFill>
                   <a:schemeClr val="hlink"/>
                 </a:solidFill>
                 <a:hlinkClick r:id="rId3"/>
               </a:rPr>
-              <a:t>https://profriehle.com</a:t>
-            </a:r>
-            <a:r>
-              <a:rPr b="0" lang="en" sz="900">
-                <a:solidFill>
-                  <a:schemeClr val="dk2"/>
-                </a:solidFill>
-              </a:rPr>
+              <a:t>uni1.de/nyt</a:t>
+            </a:r>
+            <a:r>
+              <a:rPr b="0" lang="en" sz="1000"/>
               <a:t> </a:t>
             </a:r>
-            <a:endParaRPr b="0" sz="900">
-              <a:solidFill>
-                <a:schemeClr val="dk2"/>
-              </a:solidFill>
-            </a:endParaRPr>
+            <a:endParaRPr b="0" sz="1000"/>
           </a:p>
         </p:txBody>
       </p:sp>
       <p:pic>
         <p:nvPicPr>
-          <p:cNvPr id="383" name="Google Shape;383;p57"/>
+          <p:cNvPr id="384" name="Google Shape;384;p57"/>
           <p:cNvPicPr preferRelativeResize="0"/>
           <p:nvPr/>
         </p:nvPicPr>
@@ -23278,7 +23072,7 @@
   <p:cSld>
     <p:spTree>
       <p:nvGrpSpPr>
-        <p:cNvPr id="387" name="Shape 387"/>
+        <p:cNvPr id="388" name="Shape 388"/>
         <p:cNvGrpSpPr/>
         <p:nvPr/>
       </p:nvGrpSpPr>
@@ -23292,7 +23086,7 @@
       </p:grpSpPr>
       <p:sp>
         <p:nvSpPr>
-          <p:cNvPr id="388" name="Google Shape;388;p58"/>
+          <p:cNvPr id="389" name="Google Shape;389;p58"/>
           <p:cNvSpPr txBox="1"/>
           <p:nvPr>
             <p:ph type="title"/>
@@ -23343,7 +23137,7 @@
   <p:cSld>
     <p:spTree>
       <p:nvGrpSpPr>
-        <p:cNvPr id="392" name="Shape 392"/>
+        <p:cNvPr id="393" name="Shape 393"/>
         <p:cNvGrpSpPr/>
         <p:nvPr/>
       </p:nvGrpSpPr>
@@ -23357,7 +23151,7 @@
       </p:grpSpPr>
       <p:sp>
         <p:nvSpPr>
-          <p:cNvPr id="393" name="Google Shape;393;p59"/>
+          <p:cNvPr id="394" name="Google Shape;394;p59"/>
           <p:cNvSpPr txBox="1"/>
           <p:nvPr>
             <p:ph type="title"/>
@@ -23397,7 +23191,7 @@
       </p:sp>
       <p:sp>
         <p:nvSpPr>
-          <p:cNvPr id="394" name="Google Shape;394;p59"/>
+          <p:cNvPr id="395" name="Google Shape;395;p59"/>
           <p:cNvSpPr txBox="1"/>
           <p:nvPr>
             <p:ph idx="1" type="body"/>
@@ -23523,7 +23317,7 @@
       </p:sp>
       <p:sp>
         <p:nvSpPr>
-          <p:cNvPr id="395" name="Google Shape;395;p59"/>
+          <p:cNvPr id="396" name="Google Shape;396;p59"/>
           <p:cNvSpPr txBox="1"/>
           <p:nvPr>
             <p:ph idx="12" type="sldNum"/>
@@ -23531,8 +23325,8 @@
         </p:nvSpPr>
         <p:spPr>
           <a:xfrm>
-            <a:off x="7315202" y="4416550"/>
-            <a:ext cx="1828800" cy="731400"/>
+            <a:off x="7315209" y="4229101"/>
+            <a:ext cx="1828800" cy="914400"/>
           </a:xfrm>
           <a:prstGeom prst="rect">
             <a:avLst/>
@@ -23570,27 +23364,19 @@
               <a:buNone/>
             </a:pPr>
             <a:r>
-              <a:rPr b="0" lang="en" sz="900" u="sng">
+              <a:rPr b="0" lang="en" sz="1000" u="sng">
                 <a:solidFill>
                   <a:schemeClr val="hlink"/>
                 </a:solidFill>
                 <a:hlinkClick r:id="rId3"/>
               </a:rPr>
-              <a:t>https://profriehle.com</a:t>
-            </a:r>
-            <a:r>
-              <a:rPr b="0" lang="en" sz="900">
-                <a:solidFill>
-                  <a:schemeClr val="dk2"/>
-                </a:solidFill>
-              </a:rPr>
+              <a:t>uni1.de/nyt</a:t>
+            </a:r>
+            <a:r>
+              <a:rPr b="0" lang="en" sz="1000"/>
               <a:t> </a:t>
             </a:r>
-            <a:endParaRPr b="0" sz="900">
-              <a:solidFill>
-                <a:schemeClr val="dk2"/>
-              </a:solidFill>
-            </a:endParaRPr>
+            <a:endParaRPr b="0" sz="1000"/>
           </a:p>
         </p:txBody>
       </p:sp>
@@ -23607,7 +23393,7 @@
   <p:cSld>
     <p:spTree>
       <p:nvGrpSpPr>
-        <p:cNvPr id="399" name="Shape 399"/>
+        <p:cNvPr id="400" name="Shape 400"/>
         <p:cNvGrpSpPr/>
         <p:nvPr/>
       </p:nvGrpSpPr>
@@ -23621,7 +23407,7 @@
       </p:grpSpPr>
       <p:sp>
         <p:nvSpPr>
-          <p:cNvPr id="400" name="Google Shape;400;p60"/>
+          <p:cNvPr id="401" name="Google Shape;401;p60"/>
           <p:cNvSpPr txBox="1"/>
           <p:nvPr>
             <p:ph type="title"/>
@@ -23661,7 +23447,7 @@
       </p:sp>
       <p:sp>
         <p:nvSpPr>
-          <p:cNvPr id="401" name="Google Shape;401;p60"/>
+          <p:cNvPr id="402" name="Google Shape;402;p60"/>
           <p:cNvSpPr txBox="1"/>
           <p:nvPr>
             <p:ph idx="1" type="body"/>
@@ -23802,7 +23588,7 @@
       </p:sp>
       <p:sp>
         <p:nvSpPr>
-          <p:cNvPr id="402" name="Google Shape;402;p60"/>
+          <p:cNvPr id="403" name="Google Shape;403;p60"/>
           <p:cNvSpPr txBox="1"/>
           <p:nvPr>
             <p:ph idx="12" type="sldNum"/>
@@ -23810,8 +23596,8 @@
         </p:nvSpPr>
         <p:spPr>
           <a:xfrm>
-            <a:off x="7315202" y="4416550"/>
-            <a:ext cx="1828800" cy="731400"/>
+            <a:off x="7315209" y="4229101"/>
+            <a:ext cx="1828800" cy="914400"/>
           </a:xfrm>
           <a:prstGeom prst="rect">
             <a:avLst/>
@@ -23849,27 +23635,19 @@
               <a:buNone/>
             </a:pPr>
             <a:r>
-              <a:rPr b="0" lang="en" sz="900" u="sng">
+              <a:rPr b="0" lang="en" sz="1000" u="sng">
                 <a:solidFill>
                   <a:schemeClr val="hlink"/>
                 </a:solidFill>
                 <a:hlinkClick r:id="rId3"/>
               </a:rPr>
-              <a:t>https://profriehle.com</a:t>
-            </a:r>
-            <a:r>
-              <a:rPr b="0" lang="en" sz="900">
-                <a:solidFill>
-                  <a:schemeClr val="dk2"/>
-                </a:solidFill>
-              </a:rPr>
+              <a:t>uni1.de/nyt</a:t>
+            </a:r>
+            <a:r>
+              <a:rPr b="0" lang="en" sz="1000"/>
               <a:t> </a:t>
             </a:r>
-            <a:endParaRPr b="0" sz="900">
-              <a:solidFill>
-                <a:schemeClr val="dk2"/>
-              </a:solidFill>
-            </a:endParaRPr>
+            <a:endParaRPr b="0" sz="1000"/>
           </a:p>
         </p:txBody>
       </p:sp>
@@ -23886,7 +23664,7 @@
   <p:cSld>
     <p:spTree>
       <p:nvGrpSpPr>
-        <p:cNvPr id="406" name="Shape 406"/>
+        <p:cNvPr id="407" name="Shape 407"/>
         <p:cNvGrpSpPr/>
         <p:nvPr/>
       </p:nvGrpSpPr>
@@ -23900,7 +23678,7 @@
       </p:grpSpPr>
       <p:sp>
         <p:nvSpPr>
-          <p:cNvPr id="407" name="Google Shape;407;p61"/>
+          <p:cNvPr id="408" name="Google Shape;408;p61"/>
           <p:cNvSpPr txBox="1"/>
           <p:nvPr>
             <p:ph type="ctrTitle"/>
@@ -23940,7 +23718,7 @@
       </p:sp>
       <p:sp>
         <p:nvSpPr>
-          <p:cNvPr id="408" name="Google Shape;408;p61"/>
+          <p:cNvPr id="409" name="Google Shape;409;p61"/>
           <p:cNvSpPr txBox="1"/>
           <p:nvPr>
             <p:ph idx="1" type="subTitle"/>
@@ -24070,7 +23848,7 @@
   <p:cSld>
     <p:spTree>
       <p:nvGrpSpPr>
-        <p:cNvPr id="412" name="Shape 412"/>
+        <p:cNvPr id="413" name="Shape 413"/>
         <p:cNvGrpSpPr/>
         <p:nvPr/>
       </p:nvGrpSpPr>
@@ -24084,7 +23862,7 @@
       </p:grpSpPr>
       <p:sp>
         <p:nvSpPr>
-          <p:cNvPr id="413" name="Google Shape;413;p62"/>
+          <p:cNvPr id="414" name="Google Shape;414;p62"/>
           <p:cNvSpPr txBox="1"/>
           <p:nvPr>
             <p:ph type="title"/>
@@ -24124,7 +23902,7 @@
       </p:sp>
       <p:sp>
         <p:nvSpPr>
-          <p:cNvPr id="414" name="Google Shape;414;p62"/>
+          <p:cNvPr id="415" name="Google Shape;415;p62"/>
           <p:cNvSpPr txBox="1"/>
           <p:nvPr>
             <p:ph idx="12" type="sldNum"/>
@@ -24132,8 +23910,8 @@
         </p:nvSpPr>
         <p:spPr>
           <a:xfrm>
-            <a:off x="7315202" y="4416550"/>
-            <a:ext cx="1828800" cy="731400"/>
+            <a:off x="7315209" y="4229101"/>
+            <a:ext cx="1828800" cy="914400"/>
           </a:xfrm>
           <a:prstGeom prst="rect">
             <a:avLst/>
@@ -24197,7 +23975,7 @@
       </p:sp>
       <p:sp>
         <p:nvSpPr>
-          <p:cNvPr id="415" name="Google Shape;415;p62"/>
+          <p:cNvPr id="416" name="Google Shape;416;p62"/>
           <p:cNvSpPr txBox="1"/>
           <p:nvPr>
             <p:ph idx="1" type="body"/>
@@ -24292,7 +24070,7 @@
             </a:pPr>
             <a:r>
               <a:rPr lang="en"/>
-              <a:t>© 2012, 2023 Dirk Riehle, some rights reserved</a:t>
+              <a:t>© 2012, 2023, 2024 Dirk Riehle, some rights reserved</a:t>
             </a:r>
             <a:endParaRPr/>
           </a:p>
@@ -24326,7 +24104,7 @@
   <p:cSld>
     <p:spTree>
       <p:nvGrpSpPr>
-        <p:cNvPr id="67" name="Shape 67"/>
+        <p:cNvPr id="68" name="Shape 68"/>
         <p:cNvGrpSpPr/>
         <p:nvPr/>
       </p:nvGrpSpPr>
@@ -24340,7 +24118,7 @@
       </p:grpSpPr>
       <p:sp>
         <p:nvSpPr>
-          <p:cNvPr id="68" name="Google Shape;68;p13"/>
+          <p:cNvPr id="69" name="Google Shape;69;p13"/>
           <p:cNvSpPr txBox="1"/>
           <p:nvPr>
             <p:ph type="title"/>
@@ -24380,7 +24158,7 @@
       </p:sp>
       <p:sp>
         <p:nvSpPr>
-          <p:cNvPr id="69" name="Google Shape;69;p13"/>
+          <p:cNvPr id="70" name="Google Shape;70;p13"/>
           <p:cNvSpPr txBox="1"/>
           <p:nvPr>
             <p:ph idx="1" type="body"/>
@@ -24523,7 +24301,7 @@
       </p:sp>
       <p:sp>
         <p:nvSpPr>
-          <p:cNvPr id="70" name="Google Shape;70;p13"/>
+          <p:cNvPr id="71" name="Google Shape;71;p13"/>
           <p:cNvSpPr txBox="1"/>
           <p:nvPr>
             <p:ph idx="12" type="sldNum"/>
@@ -24531,8 +24309,8 @@
         </p:nvSpPr>
         <p:spPr>
           <a:xfrm>
-            <a:off x="7315202" y="4416550"/>
-            <a:ext cx="1828800" cy="731400"/>
+            <a:off x="7315209" y="4229101"/>
+            <a:ext cx="1828800" cy="914400"/>
           </a:xfrm>
           <a:prstGeom prst="rect">
             <a:avLst/>
@@ -24570,27 +24348,19 @@
               <a:buNone/>
             </a:pPr>
             <a:r>
-              <a:rPr b="0" lang="en" sz="900" u="sng">
+              <a:rPr b="0" lang="en" sz="1000" u="sng">
                 <a:solidFill>
                   <a:schemeClr val="hlink"/>
                 </a:solidFill>
                 <a:hlinkClick r:id="rId3"/>
               </a:rPr>
-              <a:t>https://profriehle.com</a:t>
-            </a:r>
-            <a:r>
-              <a:rPr b="0" lang="en" sz="900">
-                <a:solidFill>
-                  <a:schemeClr val="dk2"/>
-                </a:solidFill>
-              </a:rPr>
+              <a:t>uni1.de/nyt</a:t>
+            </a:r>
+            <a:r>
+              <a:rPr b="0" lang="en" sz="1000"/>
               <a:t> </a:t>
             </a:r>
-            <a:endParaRPr b="0" sz="900">
-              <a:solidFill>
-                <a:schemeClr val="dk2"/>
-              </a:solidFill>
-            </a:endParaRPr>
+            <a:endParaRPr b="0" sz="1000"/>
           </a:p>
         </p:txBody>
       </p:sp>
@@ -24607,7 +24377,7 @@
   <p:cSld>
     <p:spTree>
       <p:nvGrpSpPr>
-        <p:cNvPr id="74" name="Shape 74"/>
+        <p:cNvPr id="75" name="Shape 75"/>
         <p:cNvGrpSpPr/>
         <p:nvPr/>
       </p:nvGrpSpPr>
@@ -24621,7 +24391,7 @@
       </p:grpSpPr>
       <p:sp>
         <p:nvSpPr>
-          <p:cNvPr id="75" name="Google Shape;75;p14"/>
+          <p:cNvPr id="76" name="Google Shape;76;p14"/>
           <p:cNvSpPr txBox="1"/>
           <p:nvPr>
             <p:ph type="title"/>
@@ -24661,7 +24431,7 @@
       </p:sp>
       <p:sp>
         <p:nvSpPr>
-          <p:cNvPr id="76" name="Google Shape;76;p14"/>
+          <p:cNvPr id="77" name="Google Shape;77;p14"/>
           <p:cNvSpPr txBox="1"/>
           <p:nvPr>
             <p:ph idx="1" type="body"/>
@@ -24858,7 +24628,7 @@
       </p:sp>
       <p:sp>
         <p:nvSpPr>
-          <p:cNvPr id="77" name="Google Shape;77;p14"/>
+          <p:cNvPr id="78" name="Google Shape;78;p14"/>
           <p:cNvSpPr txBox="1"/>
           <p:nvPr>
             <p:ph idx="12" type="sldNum"/>
@@ -24866,8 +24636,8 @@
         </p:nvSpPr>
         <p:spPr>
           <a:xfrm>
-            <a:off x="7315202" y="4416550"/>
-            <a:ext cx="1828800" cy="731400"/>
+            <a:off x="7315209" y="4229101"/>
+            <a:ext cx="1828800" cy="914400"/>
           </a:xfrm>
           <a:prstGeom prst="rect">
             <a:avLst/>
@@ -24905,27 +24675,19 @@
               <a:buNone/>
             </a:pPr>
             <a:r>
-              <a:rPr b="0" lang="en" sz="900" u="sng">
+              <a:rPr b="0" lang="en" sz="1000" u="sng">
                 <a:solidFill>
                   <a:schemeClr val="hlink"/>
                 </a:solidFill>
                 <a:hlinkClick r:id="rId3"/>
               </a:rPr>
-              <a:t>https://profriehle.com</a:t>
-            </a:r>
-            <a:r>
-              <a:rPr b="0" lang="en" sz="900">
-                <a:solidFill>
-                  <a:schemeClr val="dk2"/>
-                </a:solidFill>
-              </a:rPr>
+              <a:t>uni1.de/nyt</a:t>
+            </a:r>
+            <a:r>
+              <a:rPr b="0" lang="en" sz="1000"/>
               <a:t> </a:t>
             </a:r>
-            <a:endParaRPr b="0" sz="900">
-              <a:solidFill>
-                <a:schemeClr val="dk2"/>
-              </a:solidFill>
-            </a:endParaRPr>
+            <a:endParaRPr b="0" sz="1000"/>
           </a:p>
         </p:txBody>
       </p:sp>
@@ -24942,7 +24704,7 @@
   <p:cSld>
     <p:spTree>
       <p:nvGrpSpPr>
-        <p:cNvPr id="81" name="Shape 81"/>
+        <p:cNvPr id="82" name="Shape 82"/>
         <p:cNvGrpSpPr/>
         <p:nvPr/>
       </p:nvGrpSpPr>
@@ -24956,7 +24718,7 @@
       </p:grpSpPr>
       <p:sp>
         <p:nvSpPr>
-          <p:cNvPr id="82" name="Google Shape;82;p15"/>
+          <p:cNvPr id="83" name="Google Shape;83;p15"/>
           <p:cNvSpPr txBox="1"/>
           <p:nvPr>
             <p:ph type="title"/>
@@ -24996,7 +24758,7 @@
       </p:sp>
       <p:sp>
         <p:nvSpPr>
-          <p:cNvPr id="83" name="Google Shape;83;p15"/>
+          <p:cNvPr id="84" name="Google Shape;84;p15"/>
           <p:cNvSpPr txBox="1"/>
           <p:nvPr>
             <p:ph idx="1" type="body"/>
@@ -25123,7 +24885,7 @@
       </p:sp>
       <p:sp>
         <p:nvSpPr>
-          <p:cNvPr id="84" name="Google Shape;84;p15"/>
+          <p:cNvPr id="85" name="Google Shape;85;p15"/>
           <p:cNvSpPr txBox="1"/>
           <p:nvPr>
             <p:ph idx="12" type="sldNum"/>
@@ -25131,8 +24893,8 @@
         </p:nvSpPr>
         <p:spPr>
           <a:xfrm>
-            <a:off x="7315202" y="4416550"/>
-            <a:ext cx="1828800" cy="731400"/>
+            <a:off x="7315209" y="4229101"/>
+            <a:ext cx="1828800" cy="914400"/>
           </a:xfrm>
           <a:prstGeom prst="rect">
             <a:avLst/>
@@ -25170,33 +24932,25 @@
               <a:buNone/>
             </a:pPr>
             <a:r>
-              <a:rPr b="0" lang="en" sz="900" u="sng">
+              <a:rPr b="0" lang="en" sz="1000" u="sng">
                 <a:solidFill>
                   <a:schemeClr val="hlink"/>
                 </a:solidFill>
                 <a:hlinkClick r:id="rId3"/>
               </a:rPr>
-              <a:t>https://profriehle.com</a:t>
-            </a:r>
-            <a:r>
-              <a:rPr b="0" lang="en" sz="900">
-                <a:solidFill>
-                  <a:schemeClr val="dk2"/>
-                </a:solidFill>
-              </a:rPr>
+              <a:t>uni1.de/nyt</a:t>
+            </a:r>
+            <a:r>
+              <a:rPr b="0" lang="en" sz="1000"/>
               <a:t> </a:t>
             </a:r>
-            <a:endParaRPr b="0" sz="900">
-              <a:solidFill>
-                <a:schemeClr val="dk2"/>
-              </a:solidFill>
-            </a:endParaRPr>
+            <a:endParaRPr b="0" sz="1000"/>
           </a:p>
         </p:txBody>
       </p:sp>
       <p:pic>
         <p:nvPicPr>
-          <p:cNvPr id="85" name="Google Shape;85;p15"/>
+          <p:cNvPr id="86" name="Google Shape;86;p15"/>
           <p:cNvPicPr preferRelativeResize="0"/>
           <p:nvPr/>
         </p:nvPicPr>
@@ -25235,7 +24989,7 @@
   <p:cSld>
     <p:spTree>
       <p:nvGrpSpPr>
-        <p:cNvPr id="89" name="Shape 89"/>
+        <p:cNvPr id="90" name="Shape 90"/>
         <p:cNvGrpSpPr/>
         <p:nvPr/>
       </p:nvGrpSpPr>
@@ -25249,7 +25003,7 @@
       </p:grpSpPr>
       <p:sp>
         <p:nvSpPr>
-          <p:cNvPr id="90" name="Google Shape;90;p16"/>
+          <p:cNvPr id="91" name="Google Shape;91;p16"/>
           <p:cNvSpPr txBox="1"/>
           <p:nvPr>
             <p:ph type="title"/>
@@ -25289,7 +25043,7 @@
       </p:sp>
       <p:sp>
         <p:nvSpPr>
-          <p:cNvPr id="91" name="Google Shape;91;p16"/>
+          <p:cNvPr id="92" name="Google Shape;92;p16"/>
           <p:cNvSpPr txBox="1"/>
           <p:nvPr>
             <p:ph idx="12" type="sldNum"/>
@@ -25297,8 +25051,8 @@
         </p:nvSpPr>
         <p:spPr>
           <a:xfrm>
-            <a:off x="7315202" y="4416550"/>
-            <a:ext cx="1828800" cy="731400"/>
+            <a:off x="7315209" y="4229101"/>
+            <a:ext cx="1828800" cy="914400"/>
           </a:xfrm>
           <a:prstGeom prst="rect">
             <a:avLst/>
@@ -25336,33 +25090,25 @@
               <a:buNone/>
             </a:pPr>
             <a:r>
-              <a:rPr b="0" lang="en" sz="900" u="sng">
+              <a:rPr b="0" lang="en" sz="1000" u="sng">
                 <a:solidFill>
                   <a:schemeClr val="hlink"/>
                 </a:solidFill>
                 <a:hlinkClick r:id="rId3"/>
               </a:rPr>
-              <a:t>https://profriehle.com</a:t>
-            </a:r>
-            <a:r>
-              <a:rPr b="0" lang="en" sz="900">
-                <a:solidFill>
-                  <a:schemeClr val="dk2"/>
-                </a:solidFill>
-              </a:rPr>
+              <a:t>uni1.de/nyt</a:t>
+            </a:r>
+            <a:r>
+              <a:rPr b="0" lang="en" sz="1000"/>
               <a:t> </a:t>
             </a:r>
-            <a:endParaRPr b="0" sz="900">
-              <a:solidFill>
-                <a:schemeClr val="dk2"/>
-              </a:solidFill>
-            </a:endParaRPr>
+            <a:endParaRPr b="0" sz="1000"/>
           </a:p>
         </p:txBody>
       </p:sp>
       <p:sp>
         <p:nvSpPr>
-          <p:cNvPr id="92" name="Google Shape;92;p16"/>
+          <p:cNvPr id="93" name="Google Shape;93;p16"/>
           <p:cNvSpPr txBox="1"/>
           <p:nvPr>
             <p:ph idx="1" type="body"/>
